--- a/FW/Minh/Task4/Task4 - Minh.pptx
+++ b/FW/Minh/Task4/Task4 - Minh.pptx
@@ -5,7 +5,7 @@
     <p:sldMasterId id="2147483648" r:id="rId1"/>
   </p:sldMasterIdLst>
   <p:notesMasterIdLst>
-    <p:notesMasterId r:id="rId10"/>
+    <p:notesMasterId r:id="rId13"/>
   </p:notesMasterIdLst>
   <p:sldIdLst>
     <p:sldId id="256" r:id="rId2"/>
@@ -14,8 +14,11 @@
     <p:sldId id="259" r:id="rId5"/>
     <p:sldId id="264" r:id="rId6"/>
     <p:sldId id="262" r:id="rId7"/>
-    <p:sldId id="260" r:id="rId8"/>
-    <p:sldId id="261" r:id="rId9"/>
+    <p:sldId id="265" r:id="rId8"/>
+    <p:sldId id="266" r:id="rId9"/>
+    <p:sldId id="267" r:id="rId10"/>
+    <p:sldId id="260" r:id="rId11"/>
+    <p:sldId id="261" r:id="rId12"/>
   </p:sldIdLst>
   <p:sldSz cx="12192000" cy="6858000"/>
   <p:notesSz cx="6858000" cy="9144000"/>
@@ -3647,6 +3650,191 @@
 </p:sld>
 </file>
 
+<file path=ppt/slides/slide10.xml><?xml version="1.0" encoding="utf-8"?>
+<p:sld xmlns:a="http://schemas.openxmlformats.org/drawingml/2006/main" xmlns:r="http://schemas.openxmlformats.org/officeDocument/2006/relationships" xmlns:p="http://schemas.openxmlformats.org/presentationml/2006/main">
+  <p:cSld>
+    <p:spTree>
+      <p:nvGrpSpPr>
+        <p:cNvPr id="1" name=""/>
+        <p:cNvGrpSpPr/>
+        <p:nvPr/>
+      </p:nvGrpSpPr>
+      <p:grpSpPr>
+        <a:xfrm>
+          <a:off x="0" y="0"/>
+          <a:ext cx="0" cy="0"/>
+          <a:chOff x="0" y="0"/>
+          <a:chExt cx="0" cy="0"/>
+        </a:xfrm>
+      </p:grpSpPr>
+      <p:sp>
+        <p:nvSpPr>
+          <p:cNvPr id="2" name="Picture Placeholder 1"/>
+          <p:cNvSpPr>
+            <a:spLocks noGrp="1"/>
+          </p:cNvSpPr>
+          <p:nvPr>
+            <p:ph type="pic" idx="14"/>
+          </p:nvPr>
+        </p:nvSpPr>
+        <p:spPr/>
+      </p:sp>
+      <p:sp>
+        <p:nvSpPr>
+          <p:cNvPr id="3" name="Picture Placeholder 2"/>
+          <p:cNvSpPr>
+            <a:spLocks noGrp="1"/>
+          </p:cNvSpPr>
+          <p:nvPr>
+            <p:ph type="pic" idx="12"/>
+          </p:nvPr>
+        </p:nvSpPr>
+        <p:spPr/>
+      </p:sp>
+      <p:sp>
+        <p:nvSpPr>
+          <p:cNvPr id="4" name="Title 3"/>
+          <p:cNvSpPr>
+            <a:spLocks noGrp="1"/>
+          </p:cNvSpPr>
+          <p:nvPr>
+            <p:ph type="title"/>
+          </p:nvPr>
+        </p:nvSpPr>
+        <p:spPr/>
+        <p:txBody>
+          <a:bodyPr/>
+          <a:lstStyle/>
+          <a:p>
+            <a:endParaRPr lang="en-US"/>
+          </a:p>
+        </p:txBody>
+      </p:sp>
+      <p:sp>
+        <p:nvSpPr>
+          <p:cNvPr id="5" name="Subtitle 4"/>
+          <p:cNvSpPr>
+            <a:spLocks noGrp="1"/>
+          </p:cNvSpPr>
+          <p:nvPr>
+            <p:ph type="subTitle" idx="1"/>
+          </p:nvPr>
+        </p:nvSpPr>
+        <p:spPr/>
+        <p:txBody>
+          <a:bodyPr>
+            <a:normAutofit lnSpcReduction="10000"/>
+          </a:bodyPr>
+          <a:lstStyle/>
+          <a:p>
+            <a:endParaRPr lang="en-US"/>
+          </a:p>
+        </p:txBody>
+      </p:sp>
+      <p:sp>
+        <p:nvSpPr>
+          <p:cNvPr id="6" name="Text Placeholder 5"/>
+          <p:cNvSpPr>
+            <a:spLocks noGrp="1"/>
+          </p:cNvSpPr>
+          <p:nvPr>
+            <p:ph type="body" sz="half" idx="11"/>
+          </p:nvPr>
+        </p:nvSpPr>
+        <p:spPr/>
+        <p:txBody>
+          <a:bodyPr/>
+          <a:lstStyle/>
+          <a:p>
+            <a:endParaRPr lang="en-US"/>
+          </a:p>
+        </p:txBody>
+      </p:sp>
+    </p:spTree>
+    <p:extLst>
+      <p:ext uri="{BB962C8B-B14F-4D97-AF65-F5344CB8AC3E}">
+        <p14:creationId xmlns:p14="http://schemas.microsoft.com/office/powerpoint/2010/main" val="1255980354"/>
+      </p:ext>
+    </p:extLst>
+  </p:cSld>
+  <p:clrMapOvr>
+    <a:masterClrMapping/>
+  </p:clrMapOvr>
+</p:sld>
+</file>
+
+<file path=ppt/slides/slide11.xml><?xml version="1.0" encoding="utf-8"?>
+<p:sld xmlns:a="http://schemas.openxmlformats.org/drawingml/2006/main" xmlns:r="http://schemas.openxmlformats.org/officeDocument/2006/relationships" xmlns:p="http://schemas.openxmlformats.org/presentationml/2006/main">
+  <p:cSld>
+    <p:spTree>
+      <p:nvGrpSpPr>
+        <p:cNvPr id="1" name=""/>
+        <p:cNvGrpSpPr/>
+        <p:nvPr/>
+      </p:nvGrpSpPr>
+      <p:grpSpPr>
+        <a:xfrm>
+          <a:off x="0" y="0"/>
+          <a:ext cx="0" cy="0"/>
+          <a:chOff x="0" y="0"/>
+          <a:chExt cx="0" cy="0"/>
+        </a:xfrm>
+      </p:grpSpPr>
+      <p:sp>
+        <p:nvSpPr>
+          <p:cNvPr id="2" name="Title 1"/>
+          <p:cNvSpPr>
+            <a:spLocks noGrp="1"/>
+          </p:cNvSpPr>
+          <p:nvPr>
+            <p:ph type="title"/>
+          </p:nvPr>
+        </p:nvSpPr>
+        <p:spPr/>
+        <p:txBody>
+          <a:bodyPr/>
+          <a:lstStyle/>
+          <a:p>
+            <a:endParaRPr lang="en-US"/>
+          </a:p>
+        </p:txBody>
+      </p:sp>
+      <p:sp>
+        <p:nvSpPr>
+          <p:cNvPr id="3" name="Footer Placeholder 2"/>
+          <p:cNvSpPr>
+            <a:spLocks noGrp="1"/>
+          </p:cNvSpPr>
+          <p:nvPr>
+            <p:ph type="ftr" sz="quarter" idx="11"/>
+          </p:nvPr>
+        </p:nvSpPr>
+        <p:spPr/>
+        <p:txBody>
+          <a:bodyPr/>
+          <a:lstStyle/>
+          <a:p>
+            <a:r>
+              <a:rPr lang="en-US"/>
+              <a:t>www.indruino.com</a:t>
+            </a:r>
+            <a:endParaRPr lang="en-US" dirty="0"/>
+          </a:p>
+        </p:txBody>
+      </p:sp>
+    </p:spTree>
+    <p:extLst>
+      <p:ext uri="{BB962C8B-B14F-4D97-AF65-F5344CB8AC3E}">
+        <p14:creationId xmlns:p14="http://schemas.microsoft.com/office/powerpoint/2010/main" val="2861137814"/>
+      </p:ext>
+    </p:extLst>
+  </p:cSld>
+  <p:clrMapOvr>
+    <a:masterClrMapping/>
+  </p:clrMapOvr>
+</p:sld>
+</file>
+
 <file path=ppt/slides/slide2.xml><?xml version="1.0" encoding="utf-8"?>
 <p:sld xmlns:a="http://schemas.openxmlformats.org/drawingml/2006/main" xmlns:r="http://schemas.openxmlformats.org/officeDocument/2006/relationships" xmlns:p="http://schemas.openxmlformats.org/presentationml/2006/main">
   <p:cSld>
@@ -4456,31 +4644,7 @@
       </p:grpSpPr>
       <p:sp>
         <p:nvSpPr>
-          <p:cNvPr id="2" name="Picture Placeholder 1"/>
-          <p:cNvSpPr>
-            <a:spLocks noGrp="1"/>
-          </p:cNvSpPr>
-          <p:nvPr>
-            <p:ph type="pic" idx="14"/>
-          </p:nvPr>
-        </p:nvSpPr>
-        <p:spPr/>
-      </p:sp>
-      <p:sp>
-        <p:nvSpPr>
-          <p:cNvPr id="3" name="Picture Placeholder 2"/>
-          <p:cNvSpPr>
-            <a:spLocks noGrp="1"/>
-          </p:cNvSpPr>
-          <p:nvPr>
-            <p:ph type="pic" idx="12"/>
-          </p:nvPr>
-        </p:nvSpPr>
-        <p:spPr/>
-      </p:sp>
-      <p:sp>
-        <p:nvSpPr>
-          <p:cNvPr id="4" name="Title 3"/>
+          <p:cNvPr id="2" name="Title 1"/>
           <p:cNvSpPr>
             <a:spLocks noGrp="1"/>
           </p:cNvSpPr>
@@ -4493,13 +4657,16 @@
           <a:bodyPr/>
           <a:lstStyle/>
           <a:p>
-            <a:endParaRPr lang="en-US"/>
-          </a:p>
-        </p:txBody>
-      </p:sp>
-      <p:sp>
-        <p:nvSpPr>
-          <p:cNvPr id="5" name="Subtitle 4"/>
+            <a:r>
+              <a:rPr lang="en-US"/>
+              <a:t>AngularJS</a:t>
+            </a:r>
+          </a:p>
+        </p:txBody>
+      </p:sp>
+      <p:sp>
+        <p:nvSpPr>
+          <p:cNvPr id="3" name="Subtitle 2"/>
           <p:cNvSpPr>
             <a:spLocks noGrp="1"/>
           </p:cNvSpPr>
@@ -4520,27 +4687,152 @@
       </p:sp>
       <p:sp>
         <p:nvSpPr>
-          <p:cNvPr id="6" name="Text Placeholder 5"/>
-          <p:cNvSpPr>
-            <a:spLocks noGrp="1"/>
-          </p:cNvSpPr>
-          <p:nvPr>
-            <p:ph type="body" sz="half" idx="11"/>
-          </p:nvPr>
-        </p:nvSpPr>
-        <p:spPr/>
-        <p:txBody>
-          <a:bodyPr/>
+          <p:cNvPr id="7" name="TextBox 6">
+            <a:extLst>
+              <a:ext uri="{FF2B5EF4-FFF2-40B4-BE49-F238E27FC236}">
+                <a16:creationId xmlns:a16="http://schemas.microsoft.com/office/drawing/2014/main" id="{C14AE6ED-219C-403E-9E1E-87AA8BCAF535}"/>
+              </a:ext>
+            </a:extLst>
+          </p:cNvPr>
+          <p:cNvSpPr txBox="1"/>
+          <p:nvPr/>
+        </p:nvSpPr>
+        <p:spPr>
+          <a:xfrm>
+            <a:off x="1971675" y="1855304"/>
+            <a:ext cx="9769751" cy="1200329"/>
+          </a:xfrm>
+          <a:prstGeom prst="rect">
+            <a:avLst/>
+          </a:prstGeom>
+          <a:noFill/>
+        </p:spPr>
+        <p:txBody>
+          <a:bodyPr wrap="square" rtlCol="0">
+            <a:spAutoFit/>
+          </a:bodyPr>
           <a:lstStyle/>
           <a:p>
+            <a:pPr algn="just"/>
+            <a:r>
+              <a:rPr lang="en-US"/>
+              <a:t>Cú pháp để tạo controller: </a:t>
+            </a:r>
+            <a:r>
+              <a:rPr lang="en-US" b="1"/>
+              <a:t>ng-controller.</a:t>
+            </a:r>
+          </a:p>
+          <a:p>
+            <a:pPr algn="just"/>
+            <a:r>
+              <a:rPr lang="en-US"/>
+              <a:t>Trong một ứng dụng có nhiều controller thì có thể khai báo nó trong một application (ng-app).</a:t>
+            </a:r>
+          </a:p>
+          <a:p>
+            <a:pPr algn="just"/>
+            <a:r>
+              <a:rPr lang="en-US"/>
+              <a:t>$scope: kho l</a:t>
+            </a:r>
+            <a:r>
+              <a:rPr lang="vi-VN"/>
+              <a:t>ư</a:t>
+            </a:r>
+            <a:r>
+              <a:rPr lang="en-US"/>
+              <a:t>u trữ dữ liệu (giống nh</a:t>
+            </a:r>
+            <a:r>
+              <a:rPr lang="vi-VN"/>
+              <a:t>ư</a:t>
+            </a:r>
+            <a:r>
+              <a:rPr lang="en-US"/>
+              <a:t> biến)</a:t>
+            </a:r>
+          </a:p>
+          <a:p>
+            <a:pPr algn="just"/>
             <a:endParaRPr lang="en-US"/>
           </a:p>
         </p:txBody>
       </p:sp>
+      <p:pic>
+        <p:nvPicPr>
+          <p:cNvPr id="6" name="Picture 5" descr="A screenshot of a computer screen&#10;&#10;Description automatically generated">
+            <a:extLst>
+              <a:ext uri="{FF2B5EF4-FFF2-40B4-BE49-F238E27FC236}">
+                <a16:creationId xmlns:a16="http://schemas.microsoft.com/office/drawing/2014/main" id="{EB4B5E17-4F54-4E90-8C61-B76E9CB78D9B}"/>
+              </a:ext>
+            </a:extLst>
+          </p:cNvPr>
+          <p:cNvPicPr>
+            <a:picLocks noChangeAspect="1"/>
+          </p:cNvPicPr>
+          <p:nvPr/>
+        </p:nvPicPr>
+        <p:blipFill rotWithShape="1">
+          <a:blip r:embed="rId2">
+            <a:extLst>
+              <a:ext uri="{28A0092B-C50C-407E-A947-70E740481C1C}">
+                <a14:useLocalDpi xmlns:a14="http://schemas.microsoft.com/office/drawing/2010/main" val="0"/>
+              </a:ext>
+            </a:extLst>
+          </a:blip>
+          <a:srcRect l="17065" t="3842" r="9131" b="52658"/>
+          <a:stretch/>
+        </p:blipFill>
+        <p:spPr>
+          <a:xfrm>
+            <a:off x="1971675" y="2859606"/>
+            <a:ext cx="8248650" cy="2179081"/>
+          </a:xfrm>
+          <a:prstGeom prst="rect">
+            <a:avLst/>
+          </a:prstGeom>
+        </p:spPr>
+      </p:pic>
+      <p:pic>
+        <p:nvPicPr>
+          <p:cNvPr id="9" name="Picture 8" descr="A screenshot of a computer screen&#10;&#10;Description automatically generated">
+            <a:extLst>
+              <a:ext uri="{FF2B5EF4-FFF2-40B4-BE49-F238E27FC236}">
+                <a16:creationId xmlns:a16="http://schemas.microsoft.com/office/drawing/2014/main" id="{74FB8F7A-9493-40E9-9526-E385C57824CB}"/>
+              </a:ext>
+            </a:extLst>
+          </p:cNvPr>
+          <p:cNvPicPr>
+            <a:picLocks noChangeAspect="1"/>
+          </p:cNvPicPr>
+          <p:nvPr/>
+        </p:nvPicPr>
+        <p:blipFill rotWithShape="1">
+          <a:blip r:embed="rId3">
+            <a:extLst>
+              <a:ext uri="{28A0092B-C50C-407E-A947-70E740481C1C}">
+                <a14:useLocalDpi xmlns:a14="http://schemas.microsoft.com/office/drawing/2010/main" val="0"/>
+              </a:ext>
+            </a:extLst>
+          </a:blip>
+          <a:srcRect l="16172" t="4422" r="36303" b="69479"/>
+          <a:stretch/>
+        </p:blipFill>
+        <p:spPr>
+          <a:xfrm>
+            <a:off x="1971675" y="5129006"/>
+            <a:ext cx="5104986" cy="1576266"/>
+          </a:xfrm>
+          <a:prstGeom prst="rect">
+            <a:avLst/>
+          </a:prstGeom>
+        </p:spPr>
+      </p:pic>
     </p:spTree>
     <p:extLst>
       <p:ext uri="{BB962C8B-B14F-4D97-AF65-F5344CB8AC3E}">
-        <p14:creationId xmlns:p14="http://schemas.microsoft.com/office/powerpoint/2010/main" val="1255980354"/>
+        <p14:creationId xmlns:p14="http://schemas.microsoft.com/office/powerpoint/2010/main" val="2512685886"/>
       </p:ext>
     </p:extLst>
   </p:cSld>
@@ -4582,37 +4874,319 @@
           <a:bodyPr/>
           <a:lstStyle/>
           <a:p>
-            <a:endParaRPr lang="en-US"/>
-          </a:p>
-        </p:txBody>
-      </p:sp>
-      <p:sp>
-        <p:nvSpPr>
-          <p:cNvPr id="3" name="Footer Placeholder 2"/>
+            <a:r>
+              <a:rPr lang="en-US"/>
+              <a:t>AngularJS</a:t>
+            </a:r>
+          </a:p>
+        </p:txBody>
+      </p:sp>
+      <p:sp>
+        <p:nvSpPr>
+          <p:cNvPr id="3" name="Subtitle 2"/>
           <p:cNvSpPr>
             <a:spLocks noGrp="1"/>
           </p:cNvSpPr>
           <p:nvPr>
-            <p:ph type="ftr" sz="quarter" idx="11"/>
+            <p:ph type="subTitle" idx="1"/>
           </p:nvPr>
         </p:nvSpPr>
         <p:spPr/>
         <p:txBody>
-          <a:bodyPr/>
+          <a:bodyPr>
+            <a:normAutofit lnSpcReduction="10000"/>
+          </a:bodyPr>
           <a:lstStyle/>
           <a:p>
+            <a:endParaRPr lang="en-US"/>
+          </a:p>
+        </p:txBody>
+      </p:sp>
+      <p:sp>
+        <p:nvSpPr>
+          <p:cNvPr id="7" name="TextBox 6">
+            <a:extLst>
+              <a:ext uri="{FF2B5EF4-FFF2-40B4-BE49-F238E27FC236}">
+                <a16:creationId xmlns:a16="http://schemas.microsoft.com/office/drawing/2014/main" id="{C14AE6ED-219C-403E-9E1E-87AA8BCAF535}"/>
+              </a:ext>
+            </a:extLst>
+          </p:cNvPr>
+          <p:cNvSpPr txBox="1"/>
+          <p:nvPr/>
+        </p:nvSpPr>
+        <p:spPr>
+          <a:xfrm>
+            <a:off x="1971675" y="1642467"/>
+            <a:ext cx="9769751" cy="1754326"/>
+          </a:xfrm>
+          <a:prstGeom prst="rect">
+            <a:avLst/>
+          </a:prstGeom>
+          <a:noFill/>
+        </p:spPr>
+        <p:txBody>
+          <a:bodyPr wrap="square" rtlCol="0">
+            <a:spAutoFit/>
+          </a:bodyPr>
+          <a:lstStyle/>
+          <a:p>
+            <a:pPr algn="just"/>
             <a:r>
               <a:rPr lang="en-US"/>
-              <a:t>www.indruino.com</a:t>
-            </a:r>
-            <a:endParaRPr lang="en-US" dirty="0"/>
-          </a:p>
-        </p:txBody>
-      </p:sp>
+              <a:t>Cú pháp để tạo : </a:t>
+            </a:r>
+            <a:r>
+              <a:rPr lang="en-US" b="1"/>
+              <a:t>ng-model = “tên biến”</a:t>
+            </a:r>
+          </a:p>
+          <a:p>
+            <a:pPr algn="just"/>
+            <a:r>
+              <a:rPr lang="en-US"/>
+              <a:t>Có thể hiểu ng-model nh</a:t>
+            </a:r>
+            <a:r>
+              <a:rPr lang="vi-VN"/>
+              <a:t>ư</a:t>
+            </a:r>
+            <a:r>
+              <a:rPr lang="en-US"/>
+              <a:t> một kho l</a:t>
+            </a:r>
+            <a:r>
+              <a:rPr lang="vi-VN"/>
+              <a:t>ư</a:t>
+            </a:r>
+            <a:r>
+              <a:rPr lang="en-US"/>
+              <a:t>u trữ tên biến. Username và password có thể đ</a:t>
+            </a:r>
+            <a:r>
+              <a:rPr lang="vi-VN"/>
+              <a:t>ư</a:t>
+            </a:r>
+            <a:r>
+              <a:rPr lang="en-US"/>
+              <a:t>ợc hiểu là biến l</a:t>
+            </a:r>
+            <a:r>
+              <a:rPr lang="vi-VN"/>
+              <a:t>ư</a:t>
+            </a:r>
+            <a:r>
+              <a:rPr lang="en-US"/>
+              <a:t>u trữ tên đăng nhập và mật khẩu để xử lý các chức năng.</a:t>
+            </a:r>
+          </a:p>
+          <a:p>
+            <a:pPr algn="just"/>
+            <a:r>
+              <a:rPr lang="en-US"/>
+              <a:t>Cú pháp: </a:t>
+            </a:r>
+            <a:r>
+              <a:rPr lang="en-US" b="1"/>
+              <a:t>ng-click = “hàm()” </a:t>
+            </a:r>
+            <a:r>
+              <a:rPr lang="en-US"/>
+              <a:t>thực hiện chức năng là khi nhấn nút thì sự kiện trong dấu “” sẽ đ</a:t>
+            </a:r>
+            <a:r>
+              <a:rPr lang="vi-VN"/>
+              <a:t>ư</a:t>
+            </a:r>
+            <a:r>
+              <a:rPr lang="en-US"/>
+              <a:t>ợc thực hiện.</a:t>
+            </a:r>
+          </a:p>
+          <a:p>
+            <a:pPr algn="just"/>
+            <a:endParaRPr lang="en-US"/>
+          </a:p>
+        </p:txBody>
+      </p:sp>
+      <p:pic>
+        <p:nvPicPr>
+          <p:cNvPr id="10" name="Picture 9" descr="A screenshot of a computer screen&#10;&#10;Description automatically generated">
+            <a:extLst>
+              <a:ext uri="{FF2B5EF4-FFF2-40B4-BE49-F238E27FC236}">
+                <a16:creationId xmlns:a16="http://schemas.microsoft.com/office/drawing/2014/main" id="{644484F2-461B-402C-BE1E-C0E2055584F7}"/>
+              </a:ext>
+            </a:extLst>
+          </p:cNvPr>
+          <p:cNvPicPr>
+            <a:picLocks noChangeAspect="1"/>
+          </p:cNvPicPr>
+          <p:nvPr/>
+        </p:nvPicPr>
+        <p:blipFill rotWithShape="1">
+          <a:blip r:embed="rId2">
+            <a:extLst>
+              <a:ext uri="{28A0092B-C50C-407E-A947-70E740481C1C}">
+                <a14:useLocalDpi xmlns:a14="http://schemas.microsoft.com/office/drawing/2010/main" val="0"/>
+              </a:ext>
+            </a:extLst>
+          </a:blip>
+          <a:srcRect l="19348" t="8735" r="9456" b="48018"/>
+          <a:stretch/>
+        </p:blipFill>
+        <p:spPr>
+          <a:xfrm>
+            <a:off x="1971675" y="3128340"/>
+            <a:ext cx="9769751" cy="3336514"/>
+          </a:xfrm>
+          <a:prstGeom prst="rect">
+            <a:avLst/>
+          </a:prstGeom>
+        </p:spPr>
+      </p:pic>
     </p:spTree>
     <p:extLst>
       <p:ext uri="{BB962C8B-B14F-4D97-AF65-F5344CB8AC3E}">
-        <p14:creationId xmlns:p14="http://schemas.microsoft.com/office/powerpoint/2010/main" val="2861137814"/>
+        <p14:creationId xmlns:p14="http://schemas.microsoft.com/office/powerpoint/2010/main" val="3829603183"/>
+      </p:ext>
+    </p:extLst>
+  </p:cSld>
+  <p:clrMapOvr>
+    <a:masterClrMapping/>
+  </p:clrMapOvr>
+</p:sld>
+</file>
+
+<file path=ppt/slides/slide9.xml><?xml version="1.0" encoding="utf-8"?>
+<p:sld xmlns:a="http://schemas.openxmlformats.org/drawingml/2006/main" xmlns:r="http://schemas.openxmlformats.org/officeDocument/2006/relationships" xmlns:p="http://schemas.openxmlformats.org/presentationml/2006/main">
+  <p:cSld>
+    <p:spTree>
+      <p:nvGrpSpPr>
+        <p:cNvPr id="1" name=""/>
+        <p:cNvGrpSpPr/>
+        <p:nvPr/>
+      </p:nvGrpSpPr>
+      <p:grpSpPr>
+        <a:xfrm>
+          <a:off x="0" y="0"/>
+          <a:ext cx="0" cy="0"/>
+          <a:chOff x="0" y="0"/>
+          <a:chExt cx="0" cy="0"/>
+        </a:xfrm>
+      </p:grpSpPr>
+      <p:sp>
+        <p:nvSpPr>
+          <p:cNvPr id="2" name="Title 1"/>
+          <p:cNvSpPr>
+            <a:spLocks noGrp="1"/>
+          </p:cNvSpPr>
+          <p:nvPr>
+            <p:ph type="title"/>
+          </p:nvPr>
+        </p:nvSpPr>
+        <p:spPr/>
+        <p:txBody>
+          <a:bodyPr/>
+          <a:lstStyle/>
+          <a:p>
+            <a:r>
+              <a:rPr lang="en-US"/>
+              <a:t>AngularJS</a:t>
+            </a:r>
+          </a:p>
+        </p:txBody>
+      </p:sp>
+      <p:sp>
+        <p:nvSpPr>
+          <p:cNvPr id="3" name="Subtitle 2"/>
+          <p:cNvSpPr>
+            <a:spLocks noGrp="1"/>
+          </p:cNvSpPr>
+          <p:nvPr>
+            <p:ph type="subTitle" idx="1"/>
+          </p:nvPr>
+        </p:nvSpPr>
+        <p:spPr/>
+        <p:txBody>
+          <a:bodyPr>
+            <a:normAutofit lnSpcReduction="10000"/>
+          </a:bodyPr>
+          <a:lstStyle/>
+          <a:p>
+            <a:endParaRPr lang="en-US"/>
+          </a:p>
+        </p:txBody>
+      </p:sp>
+      <p:sp>
+        <p:nvSpPr>
+          <p:cNvPr id="7" name="TextBox 6">
+            <a:extLst>
+              <a:ext uri="{FF2B5EF4-FFF2-40B4-BE49-F238E27FC236}">
+                <a16:creationId xmlns:a16="http://schemas.microsoft.com/office/drawing/2014/main" id="{C14AE6ED-219C-403E-9E1E-87AA8BCAF535}"/>
+              </a:ext>
+            </a:extLst>
+          </p:cNvPr>
+          <p:cNvSpPr txBox="1"/>
+          <p:nvPr/>
+        </p:nvSpPr>
+        <p:spPr>
+          <a:xfrm>
+            <a:off x="1971675" y="1855304"/>
+            <a:ext cx="9769751" cy="923330"/>
+          </a:xfrm>
+          <a:prstGeom prst="rect">
+            <a:avLst/>
+          </a:prstGeom>
+          <a:noFill/>
+        </p:spPr>
+        <p:txBody>
+          <a:bodyPr wrap="square" rtlCol="0">
+            <a:spAutoFit/>
+          </a:bodyPr>
+          <a:lstStyle/>
+          <a:p>
+            <a:pPr algn="just"/>
+            <a:r>
+              <a:rPr lang="en-US"/>
+              <a:t>Cú pháp để tạo : </a:t>
+            </a:r>
+            <a:r>
+              <a:rPr lang="en-US" b="1"/>
+              <a:t>ng-model = “tên biến”</a:t>
+            </a:r>
+          </a:p>
+          <a:p>
+            <a:pPr algn="just"/>
+            <a:r>
+              <a:rPr lang="en-US"/>
+              <a:t>Có thể hiểu ng-model nh</a:t>
+            </a:r>
+            <a:r>
+              <a:rPr lang="vi-VN"/>
+              <a:t>ư</a:t>
+            </a:r>
+            <a:r>
+              <a:rPr lang="en-US"/>
+              <a:t> một kho l</a:t>
+            </a:r>
+            <a:r>
+              <a:rPr lang="vi-VN"/>
+              <a:t>ư</a:t>
+            </a:r>
+            <a:r>
+              <a:rPr lang="en-US"/>
+              <a:t>u trữ tên biến.</a:t>
+            </a:r>
+          </a:p>
+          <a:p>
+            <a:pPr algn="just"/>
+            <a:endParaRPr lang="en-US"/>
+          </a:p>
+        </p:txBody>
+      </p:sp>
+    </p:spTree>
+    <p:extLst>
+      <p:ext uri="{BB962C8B-B14F-4D97-AF65-F5344CB8AC3E}">
+        <p14:creationId xmlns:p14="http://schemas.microsoft.com/office/powerpoint/2010/main" val="2000501160"/>
       </p:ext>
     </p:extLst>
   </p:cSld>

--- a/FW/Minh/Task4/Task4 - Minh.pptx
+++ b/FW/Minh/Task4/Task4 - Minh.pptx
@@ -5,7 +5,7 @@
     <p:sldMasterId id="2147483648" r:id="rId1"/>
   </p:sldMasterIdLst>
   <p:notesMasterIdLst>
-    <p:notesMasterId r:id="rId13"/>
+    <p:notesMasterId r:id="rId16"/>
   </p:notesMasterIdLst>
   <p:sldIdLst>
     <p:sldId id="256" r:id="rId2"/>
@@ -17,8 +17,11 @@
     <p:sldId id="265" r:id="rId8"/>
     <p:sldId id="266" r:id="rId9"/>
     <p:sldId id="267" r:id="rId10"/>
-    <p:sldId id="260" r:id="rId11"/>
-    <p:sldId id="261" r:id="rId12"/>
+    <p:sldId id="268" r:id="rId11"/>
+    <p:sldId id="269" r:id="rId12"/>
+    <p:sldId id="270" r:id="rId13"/>
+    <p:sldId id="260" r:id="rId14"/>
+    <p:sldId id="261" r:id="rId15"/>
   </p:sldIdLst>
   <p:sldSz cx="12192000" cy="6858000"/>
   <p:notesSz cx="6858000" cy="9144000"/>
@@ -218,7 +221,7 @@
           <a:p>
             <a:fld id="{BE921E71-55FB-4F70-BA64-7E87629B9540}" type="datetimeFigureOut">
               <a:rPr lang="en-US" smtClean="0"/>
-              <a:t>8/7/2020</a:t>
+              <a:t>8/10/2020</a:t>
             </a:fld>
             <a:endParaRPr lang="en-US"/>
           </a:p>
@@ -3225,7 +3228,7 @@
           <a:p>
             <a:fld id="{6D9FEF56-C5D4-4D87-B961-211842A8ECEA}" type="datetime1">
               <a:rPr lang="en-US" smtClean="0"/>
-              <a:t>8/7/2020</a:t>
+              <a:t>8/10/2020</a:t>
             </a:fld>
             <a:endParaRPr lang="en-US"/>
           </a:p>
@@ -3669,31 +3672,7 @@
       </p:grpSpPr>
       <p:sp>
         <p:nvSpPr>
-          <p:cNvPr id="2" name="Picture Placeholder 1"/>
-          <p:cNvSpPr>
-            <a:spLocks noGrp="1"/>
-          </p:cNvSpPr>
-          <p:nvPr>
-            <p:ph type="pic" idx="14"/>
-          </p:nvPr>
-        </p:nvSpPr>
-        <p:spPr/>
-      </p:sp>
-      <p:sp>
-        <p:nvSpPr>
-          <p:cNvPr id="3" name="Picture Placeholder 2"/>
-          <p:cNvSpPr>
-            <a:spLocks noGrp="1"/>
-          </p:cNvSpPr>
-          <p:nvPr>
-            <p:ph type="pic" idx="12"/>
-          </p:nvPr>
-        </p:nvSpPr>
-        <p:spPr/>
-      </p:sp>
-      <p:sp>
-        <p:nvSpPr>
-          <p:cNvPr id="4" name="Title 3"/>
+          <p:cNvPr id="2" name="Title 1"/>
           <p:cNvSpPr>
             <a:spLocks noGrp="1"/>
           </p:cNvSpPr>
@@ -3701,18 +3680,26 @@
             <p:ph type="title"/>
           </p:nvPr>
         </p:nvSpPr>
-        <p:spPr/>
+        <p:spPr>
+          <a:xfrm>
+            <a:off x="1971675" y="481159"/>
+            <a:ext cx="8398564" cy="533046"/>
+          </a:xfrm>
+        </p:spPr>
         <p:txBody>
           <a:bodyPr/>
           <a:lstStyle/>
           <a:p>
-            <a:endParaRPr lang="en-US"/>
-          </a:p>
-        </p:txBody>
-      </p:sp>
-      <p:sp>
-        <p:nvSpPr>
-          <p:cNvPr id="5" name="Subtitle 4"/>
+            <a:r>
+              <a:rPr lang="en-US"/>
+              <a:t>Javascript</a:t>
+            </a:r>
+          </a:p>
+        </p:txBody>
+      </p:sp>
+      <p:sp>
+        <p:nvSpPr>
+          <p:cNvPr id="3" name="Subtitle 2"/>
           <p:cNvSpPr>
             <a:spLocks noGrp="1"/>
           </p:cNvSpPr>
@@ -3727,29 +3714,723 @@
           </a:bodyPr>
           <a:lstStyle/>
           <a:p>
+            <a:r>
+              <a:rPr lang="en-US" b="1"/>
+              <a:t>Javascript với AngularJS</a:t>
+            </a:r>
+          </a:p>
+        </p:txBody>
+      </p:sp>
+      <p:sp>
+        <p:nvSpPr>
+          <p:cNvPr id="7" name="TextBox 6">
+            <a:extLst>
+              <a:ext uri="{FF2B5EF4-FFF2-40B4-BE49-F238E27FC236}">
+                <a16:creationId xmlns:a16="http://schemas.microsoft.com/office/drawing/2014/main" id="{C14AE6ED-219C-403E-9E1E-87AA8BCAF535}"/>
+              </a:ext>
+            </a:extLst>
+          </p:cNvPr>
+          <p:cNvSpPr txBox="1"/>
+          <p:nvPr/>
+        </p:nvSpPr>
+        <p:spPr>
+          <a:xfrm>
+            <a:off x="1971675" y="1999896"/>
+            <a:ext cx="9902273" cy="2308324"/>
+          </a:xfrm>
+          <a:prstGeom prst="rect">
+            <a:avLst/>
+          </a:prstGeom>
+          <a:noFill/>
+        </p:spPr>
+        <p:txBody>
+          <a:bodyPr wrap="square" rtlCol="0">
+            <a:spAutoFit/>
+          </a:bodyPr>
+          <a:lstStyle/>
+          <a:p>
+            <a:pPr algn="just"/>
+            <a:r>
+              <a:rPr lang="en-US"/>
+              <a:t>Tạo trang đăng nhập:</a:t>
+            </a:r>
+          </a:p>
+          <a:p>
+            <a:pPr marL="285750" indent="-285750" algn="just">
+              <a:buFont typeface="Arial" panose="020B0604020202020204" pitchFamily="34" charset="0"/>
+              <a:buChar char="•"/>
+            </a:pPr>
+            <a:r>
+              <a:rPr lang="en-US"/>
+              <a:t>Khi nhấn nút Login thì đăng nhập nên đăng nhập sẽ là một controller. </a:t>
+            </a:r>
+          </a:p>
+          <a:p>
+            <a:pPr marL="285750" indent="-285750" algn="just">
+              <a:buFont typeface="Arial" panose="020B0604020202020204" pitchFamily="34" charset="0"/>
+              <a:buChar char="•"/>
+            </a:pPr>
+            <a:r>
+              <a:rPr lang="en-US"/>
+              <a:t>Đặt ng-model = “username” và ng-model = “password” nên khi muốn xem những gì thêm vào từ thẻ input thì sử dụng cú pháp $scope.username và $scope.password. </a:t>
+            </a:r>
+          </a:p>
+          <a:p>
+            <a:pPr marL="285750" indent="-285750" algn="just">
+              <a:buFont typeface="Arial" panose="020B0604020202020204" pitchFamily="34" charset="0"/>
+              <a:buChar char="•"/>
+            </a:pPr>
+            <a:r>
+              <a:rPr lang="en-US"/>
+              <a:t>Nếu đúng với tên đăng nhập và pass thì đi đến url chỉ định. Sai thì thông báo lỗi.</a:t>
+            </a:r>
+          </a:p>
+          <a:p>
+            <a:pPr marL="285750" indent="-285750" algn="just">
+              <a:buFont typeface="Arial" panose="020B0604020202020204" pitchFamily="34" charset="0"/>
+              <a:buChar char="•"/>
+            </a:pPr>
             <a:endParaRPr lang="en-US"/>
           </a:p>
-        </p:txBody>
-      </p:sp>
-      <p:sp>
-        <p:nvSpPr>
-          <p:cNvPr id="6" name="Text Placeholder 5"/>
+          <a:p>
+            <a:pPr algn="just"/>
+            <a:endParaRPr lang="en-US"/>
+          </a:p>
+          <a:p>
+            <a:pPr algn="just"/>
+            <a:endParaRPr lang="en-US"/>
+          </a:p>
+        </p:txBody>
+      </p:sp>
+      <p:pic>
+        <p:nvPicPr>
+          <p:cNvPr id="8" name="Picture 7" descr="A screenshot of a computer screen&#10;&#10;Description automatically generated">
+            <a:extLst>
+              <a:ext uri="{FF2B5EF4-FFF2-40B4-BE49-F238E27FC236}">
+                <a16:creationId xmlns:a16="http://schemas.microsoft.com/office/drawing/2014/main" id="{05B5D754-6AD2-4490-8811-22501FBD9D4E}"/>
+              </a:ext>
+            </a:extLst>
+          </p:cNvPr>
+          <p:cNvPicPr>
+            <a:picLocks noChangeAspect="1"/>
+          </p:cNvPicPr>
+          <p:nvPr/>
+        </p:nvPicPr>
+        <p:blipFill rotWithShape="1">
+          <a:blip r:embed="rId2">
+            <a:extLst>
+              <a:ext uri="{28A0092B-C50C-407E-A947-70E740481C1C}">
+                <a14:useLocalDpi xmlns:a14="http://schemas.microsoft.com/office/drawing/2010/main" val="0"/>
+              </a:ext>
+            </a:extLst>
+          </a:blip>
+          <a:srcRect l="18781" t="33035" r="33369" b="40865"/>
+          <a:stretch/>
+        </p:blipFill>
+        <p:spPr>
+          <a:xfrm>
+            <a:off x="1971675" y="3731437"/>
+            <a:ext cx="7238038" cy="2219657"/>
+          </a:xfrm>
+          <a:prstGeom prst="rect">
+            <a:avLst/>
+          </a:prstGeom>
+        </p:spPr>
+      </p:pic>
+    </p:spTree>
+    <p:extLst>
+      <p:ext uri="{BB962C8B-B14F-4D97-AF65-F5344CB8AC3E}">
+        <p14:creationId xmlns:p14="http://schemas.microsoft.com/office/powerpoint/2010/main" val="911873186"/>
+      </p:ext>
+    </p:extLst>
+  </p:cSld>
+  <p:clrMapOvr>
+    <a:masterClrMapping/>
+  </p:clrMapOvr>
+</p:sld>
+</file>
+
+<file path=ppt/slides/slide11.xml><?xml version="1.0" encoding="utf-8"?>
+<p:sld xmlns:a="http://schemas.openxmlformats.org/drawingml/2006/main" xmlns:r="http://schemas.openxmlformats.org/officeDocument/2006/relationships" xmlns:p="http://schemas.openxmlformats.org/presentationml/2006/main">
+  <p:cSld>
+    <p:spTree>
+      <p:nvGrpSpPr>
+        <p:cNvPr id="1" name=""/>
+        <p:cNvGrpSpPr/>
+        <p:nvPr/>
+      </p:nvGrpSpPr>
+      <p:grpSpPr>
+        <a:xfrm>
+          <a:off x="0" y="0"/>
+          <a:ext cx="0" cy="0"/>
+          <a:chOff x="0" y="0"/>
+          <a:chExt cx="0" cy="0"/>
+        </a:xfrm>
+      </p:grpSpPr>
+      <p:sp>
+        <p:nvSpPr>
+          <p:cNvPr id="2" name="Title 1"/>
           <p:cNvSpPr>
             <a:spLocks noGrp="1"/>
           </p:cNvSpPr>
           <p:nvPr>
-            <p:ph type="body" sz="half" idx="11"/>
+            <p:ph type="title"/>
           </p:nvPr>
         </p:nvSpPr>
-        <p:spPr/>
+        <p:spPr>
+          <a:xfrm>
+            <a:off x="1971675" y="481159"/>
+            <a:ext cx="8398564" cy="533046"/>
+          </a:xfrm>
+        </p:spPr>
         <p:txBody>
           <a:bodyPr/>
           <a:lstStyle/>
           <a:p>
+            <a:r>
+              <a:rPr lang="en-US"/>
+              <a:t>Javascript</a:t>
+            </a:r>
+          </a:p>
+        </p:txBody>
+      </p:sp>
+      <p:sp>
+        <p:nvSpPr>
+          <p:cNvPr id="3" name="Subtitle 2"/>
+          <p:cNvSpPr>
+            <a:spLocks noGrp="1"/>
+          </p:cNvSpPr>
+          <p:nvPr>
+            <p:ph type="subTitle" idx="1"/>
+          </p:nvPr>
+        </p:nvSpPr>
+        <p:spPr/>
+        <p:txBody>
+          <a:bodyPr>
+            <a:normAutofit lnSpcReduction="10000"/>
+          </a:bodyPr>
+          <a:lstStyle/>
+          <a:p>
+            <a:r>
+              <a:rPr lang="en-US" b="1"/>
+              <a:t>Javascript với AngularJS</a:t>
+            </a:r>
+          </a:p>
+        </p:txBody>
+      </p:sp>
+      <p:sp>
+        <p:nvSpPr>
+          <p:cNvPr id="7" name="TextBox 6">
+            <a:extLst>
+              <a:ext uri="{FF2B5EF4-FFF2-40B4-BE49-F238E27FC236}">
+                <a16:creationId xmlns:a16="http://schemas.microsoft.com/office/drawing/2014/main" id="{C14AE6ED-219C-403E-9E1E-87AA8BCAF535}"/>
+              </a:ext>
+            </a:extLst>
+          </p:cNvPr>
+          <p:cNvSpPr txBox="1"/>
+          <p:nvPr/>
+        </p:nvSpPr>
+        <p:spPr>
+          <a:xfrm>
+            <a:off x="1871248" y="1706120"/>
+            <a:ext cx="9234074" cy="2308324"/>
+          </a:xfrm>
+          <a:prstGeom prst="rect">
+            <a:avLst/>
+          </a:prstGeom>
+          <a:noFill/>
+        </p:spPr>
+        <p:txBody>
+          <a:bodyPr wrap="square" rtlCol="0">
+            <a:spAutoFit/>
+          </a:bodyPr>
+          <a:lstStyle/>
+          <a:p>
+            <a:pPr algn="just"/>
+            <a:r>
+              <a:rPr lang="en-US"/>
+              <a:t>Để post dữ liệu thì cần sử dụng $http service cụ thể là $http.post();</a:t>
+            </a:r>
+          </a:p>
+          <a:p>
+            <a:pPr marL="285750" indent="-285750" algn="just">
+              <a:buFont typeface="Arial" panose="020B0604020202020204" pitchFamily="34" charset="0"/>
+              <a:buChar char="•"/>
+            </a:pPr>
+            <a:r>
+              <a:rPr lang="en-US"/>
+              <a:t>Post một json từ trình duyệt web. Giả sử cần điều khiển quạt, đèn, motor.</a:t>
+            </a:r>
+          </a:p>
+          <a:p>
+            <a:pPr marL="285750" indent="-285750" algn="just">
+              <a:buFont typeface="Arial" panose="020B0604020202020204" pitchFamily="34" charset="0"/>
+              <a:buChar char="•"/>
+            </a:pPr>
+            <a:r>
+              <a:rPr lang="en-US"/>
+              <a:t>Sử dụng </a:t>
+            </a:r>
+            <a:r>
+              <a:rPr lang="en-US">
+                <a:hlinkClick r:id="rId2"/>
+              </a:rPr>
+              <a:t>https://jsonplaceholder.typicode.com/posts</a:t>
+            </a:r>
+            <a:r>
+              <a:rPr lang="en-US"/>
+              <a:t> giả lập việc trang web này nhận file json từ trình duyệt.</a:t>
+            </a:r>
+          </a:p>
+          <a:p>
+            <a:pPr marL="285750" indent="-285750" algn="just">
+              <a:buFont typeface="Arial" panose="020B0604020202020204" pitchFamily="34" charset="0"/>
+              <a:buChar char="•"/>
+            </a:pPr>
+            <a:r>
+              <a:rPr lang="en-US"/>
+              <a:t>Console.log(response) để xem kết quả tại mục console khi inspect trang web.</a:t>
+            </a:r>
+          </a:p>
+          <a:p>
+            <a:pPr marL="285750" indent="-285750" algn="just">
+              <a:buFont typeface="Arial" panose="020B0604020202020204" pitchFamily="34" charset="0"/>
+              <a:buChar char="•"/>
+            </a:pPr>
             <a:endParaRPr lang="en-US"/>
           </a:p>
-        </p:txBody>
-      </p:sp>
+          <a:p>
+            <a:pPr algn="just"/>
+            <a:endParaRPr lang="en-US"/>
+          </a:p>
+          <a:p>
+            <a:pPr algn="just"/>
+            <a:endParaRPr lang="en-US"/>
+          </a:p>
+        </p:txBody>
+      </p:sp>
+      <p:pic>
+        <p:nvPicPr>
+          <p:cNvPr id="5" name="Picture 4" descr="A screenshot of a computer screen&#10;&#10;Description automatically generated">
+            <a:extLst>
+              <a:ext uri="{FF2B5EF4-FFF2-40B4-BE49-F238E27FC236}">
+                <a16:creationId xmlns:a16="http://schemas.microsoft.com/office/drawing/2014/main" id="{182540A4-F292-472D-B0A5-67BC1026BB13}"/>
+              </a:ext>
+            </a:extLst>
+          </p:cNvPr>
+          <p:cNvPicPr>
+            <a:picLocks noChangeAspect="1"/>
+          </p:cNvPicPr>
+          <p:nvPr/>
+        </p:nvPicPr>
+        <p:blipFill rotWithShape="1">
+          <a:blip r:embed="rId3">
+            <a:extLst>
+              <a:ext uri="{28A0092B-C50C-407E-A947-70E740481C1C}">
+                <a14:useLocalDpi xmlns:a14="http://schemas.microsoft.com/office/drawing/2010/main" val="0"/>
+              </a:ext>
+            </a:extLst>
+          </a:blip>
+          <a:srcRect l="18781" t="25495" r="29239" b="37173"/>
+          <a:stretch/>
+        </p:blipFill>
+        <p:spPr>
+          <a:xfrm>
+            <a:off x="1971675" y="3394785"/>
+            <a:ext cx="5303768" cy="2623145"/>
+          </a:xfrm>
+          <a:prstGeom prst="rect">
+            <a:avLst/>
+          </a:prstGeom>
+        </p:spPr>
+      </p:pic>
+      <p:pic>
+        <p:nvPicPr>
+          <p:cNvPr id="9" name="Picture 8" descr="A screenshot of a social media post&#10;&#10;Description automatically generated">
+            <a:extLst>
+              <a:ext uri="{FF2B5EF4-FFF2-40B4-BE49-F238E27FC236}">
+                <a16:creationId xmlns:a16="http://schemas.microsoft.com/office/drawing/2014/main" id="{4EA98D19-C66D-488E-8010-920C3662F052}"/>
+              </a:ext>
+            </a:extLst>
+          </p:cNvPr>
+          <p:cNvPicPr>
+            <a:picLocks noChangeAspect="1"/>
+          </p:cNvPicPr>
+          <p:nvPr/>
+        </p:nvPicPr>
+        <p:blipFill rotWithShape="1">
+          <a:blip r:embed="rId4">
+            <a:extLst>
+              <a:ext uri="{28A0092B-C50C-407E-A947-70E740481C1C}">
+                <a14:useLocalDpi xmlns:a14="http://schemas.microsoft.com/office/drawing/2010/main" val="0"/>
+              </a:ext>
+            </a:extLst>
+          </a:blip>
+          <a:srcRect l="59674" t="17387" b="44345"/>
+          <a:stretch/>
+        </p:blipFill>
+        <p:spPr>
+          <a:xfrm>
+            <a:off x="7275443" y="3394784"/>
+            <a:ext cx="4916557" cy="2623145"/>
+          </a:xfrm>
+          <a:prstGeom prst="rect">
+            <a:avLst/>
+          </a:prstGeom>
+        </p:spPr>
+      </p:pic>
+    </p:spTree>
+    <p:extLst>
+      <p:ext uri="{BB962C8B-B14F-4D97-AF65-F5344CB8AC3E}">
+        <p14:creationId xmlns:p14="http://schemas.microsoft.com/office/powerpoint/2010/main" val="3265240032"/>
+      </p:ext>
+    </p:extLst>
+  </p:cSld>
+  <p:clrMapOvr>
+    <a:masterClrMapping/>
+  </p:clrMapOvr>
+</p:sld>
+</file>
+
+<file path=ppt/slides/slide12.xml><?xml version="1.0" encoding="utf-8"?>
+<p:sld xmlns:a="http://schemas.openxmlformats.org/drawingml/2006/main" xmlns:r="http://schemas.openxmlformats.org/officeDocument/2006/relationships" xmlns:p="http://schemas.openxmlformats.org/presentationml/2006/main">
+  <p:cSld>
+    <p:spTree>
+      <p:nvGrpSpPr>
+        <p:cNvPr id="1" name=""/>
+        <p:cNvGrpSpPr/>
+        <p:nvPr/>
+      </p:nvGrpSpPr>
+      <p:grpSpPr>
+        <a:xfrm>
+          <a:off x="0" y="0"/>
+          <a:ext cx="0" cy="0"/>
+          <a:chOff x="0" y="0"/>
+          <a:chExt cx="0" cy="0"/>
+        </a:xfrm>
+      </p:grpSpPr>
+      <p:sp>
+        <p:nvSpPr>
+          <p:cNvPr id="2" name="Title 1"/>
+          <p:cNvSpPr>
+            <a:spLocks noGrp="1"/>
+          </p:cNvSpPr>
+          <p:nvPr>
+            <p:ph type="title"/>
+          </p:nvPr>
+        </p:nvSpPr>
+        <p:spPr>
+          <a:xfrm>
+            <a:off x="1971675" y="481159"/>
+            <a:ext cx="8398564" cy="533046"/>
+          </a:xfrm>
+        </p:spPr>
+        <p:txBody>
+          <a:bodyPr/>
+          <a:lstStyle/>
+          <a:p>
+            <a:r>
+              <a:rPr lang="en-US"/>
+              <a:t>Javascript</a:t>
+            </a:r>
+          </a:p>
+        </p:txBody>
+      </p:sp>
+      <p:sp>
+        <p:nvSpPr>
+          <p:cNvPr id="3" name="Subtitle 2"/>
+          <p:cNvSpPr>
+            <a:spLocks noGrp="1"/>
+          </p:cNvSpPr>
+          <p:nvPr>
+            <p:ph type="subTitle" idx="1"/>
+          </p:nvPr>
+        </p:nvSpPr>
+        <p:spPr/>
+        <p:txBody>
+          <a:bodyPr>
+            <a:normAutofit lnSpcReduction="10000"/>
+          </a:bodyPr>
+          <a:lstStyle/>
+          <a:p>
+            <a:r>
+              <a:rPr lang="en-US" b="1"/>
+              <a:t>Javascript với AngularJS</a:t>
+            </a:r>
+          </a:p>
+        </p:txBody>
+      </p:sp>
+      <p:sp>
+        <p:nvSpPr>
+          <p:cNvPr id="7" name="TextBox 6">
+            <a:extLst>
+              <a:ext uri="{FF2B5EF4-FFF2-40B4-BE49-F238E27FC236}">
+                <a16:creationId xmlns:a16="http://schemas.microsoft.com/office/drawing/2014/main" id="{C14AE6ED-219C-403E-9E1E-87AA8BCAF535}"/>
+              </a:ext>
+            </a:extLst>
+          </p:cNvPr>
+          <p:cNvSpPr txBox="1"/>
+          <p:nvPr/>
+        </p:nvSpPr>
+        <p:spPr>
+          <a:xfrm>
+            <a:off x="1871248" y="1706120"/>
+            <a:ext cx="9234074" cy="2308324"/>
+          </a:xfrm>
+          <a:prstGeom prst="rect">
+            <a:avLst/>
+          </a:prstGeom>
+          <a:noFill/>
+        </p:spPr>
+        <p:txBody>
+          <a:bodyPr wrap="square" rtlCol="0">
+            <a:spAutoFit/>
+          </a:bodyPr>
+          <a:lstStyle/>
+          <a:p>
+            <a:pPr algn="just"/>
+            <a:r>
+              <a:rPr lang="en-US"/>
+              <a:t>Để get dữ liệu thì cần sử dụng $http service cụ thể là $http.get();</a:t>
+            </a:r>
+          </a:p>
+          <a:p>
+            <a:pPr marL="285750" indent="-285750" algn="just">
+              <a:buFont typeface="Arial" panose="020B0604020202020204" pitchFamily="34" charset="0"/>
+              <a:buChar char="•"/>
+            </a:pPr>
+            <a:r>
+              <a:rPr lang="en-US"/>
+              <a:t>Get một json giả sử là thông tin công ty. {company, CEO, country}</a:t>
+            </a:r>
+          </a:p>
+          <a:p>
+            <a:pPr marL="285750" indent="-285750" algn="just">
+              <a:buFont typeface="Arial" panose="020B0604020202020204" pitchFamily="34" charset="0"/>
+              <a:buChar char="•"/>
+            </a:pPr>
+            <a:r>
+              <a:rPr lang="en-US"/>
+              <a:t>Cần tạo một web có file json để giả lập. Sử dụng mockable.io để tạo lập.</a:t>
+            </a:r>
+          </a:p>
+          <a:p>
+            <a:pPr marL="285750" indent="-285750" algn="just">
+              <a:buFont typeface="Arial" panose="020B0604020202020204" pitchFamily="34" charset="0"/>
+              <a:buChar char="•"/>
+            </a:pPr>
+            <a:r>
+              <a:rPr lang="en-US"/>
+              <a:t>Sử dụng URL: </a:t>
+            </a:r>
+            <a:r>
+              <a:rPr lang="en-US">
+                <a:hlinkClick r:id="rId2"/>
+              </a:rPr>
+              <a:t>http://demo1319756.mockable.io/testget</a:t>
+            </a:r>
+            <a:r>
+              <a:rPr lang="en-US"/>
+              <a:t> (chứa json).</a:t>
+            </a:r>
+          </a:p>
+          <a:p>
+            <a:pPr marL="285750" indent="-285750" algn="just">
+              <a:buFont typeface="Arial" panose="020B0604020202020204" pitchFamily="34" charset="0"/>
+              <a:buChar char="•"/>
+            </a:pPr>
+            <a:r>
+              <a:rPr lang="en-US"/>
+              <a:t>Console.log(response) để xem kết quả tại mục console khi inspect trang web.</a:t>
+            </a:r>
+          </a:p>
+          <a:p>
+            <a:pPr marL="285750" indent="-285750" algn="just">
+              <a:buFont typeface="Arial" panose="020B0604020202020204" pitchFamily="34" charset="0"/>
+              <a:buChar char="•"/>
+            </a:pPr>
+            <a:endParaRPr lang="en-US"/>
+          </a:p>
+          <a:p>
+            <a:pPr algn="just"/>
+            <a:endParaRPr lang="en-US"/>
+          </a:p>
+          <a:p>
+            <a:pPr algn="just"/>
+            <a:endParaRPr lang="en-US"/>
+          </a:p>
+        </p:txBody>
+      </p:sp>
+      <p:pic>
+        <p:nvPicPr>
+          <p:cNvPr id="6" name="Picture 5" descr="A screenshot of a computer screen&#10;&#10;Description automatically generated">
+            <a:extLst>
+              <a:ext uri="{FF2B5EF4-FFF2-40B4-BE49-F238E27FC236}">
+                <a16:creationId xmlns:a16="http://schemas.microsoft.com/office/drawing/2014/main" id="{04CE9EA9-D852-443B-B3A8-B6B5C26E4721}"/>
+              </a:ext>
+            </a:extLst>
+          </p:cNvPr>
+          <p:cNvPicPr>
+            <a:picLocks noChangeAspect="1"/>
+          </p:cNvPicPr>
+          <p:nvPr/>
+        </p:nvPicPr>
+        <p:blipFill rotWithShape="1">
+          <a:blip r:embed="rId3">
+            <a:extLst>
+              <a:ext uri="{28A0092B-C50C-407E-A947-70E740481C1C}">
+                <a14:useLocalDpi xmlns:a14="http://schemas.microsoft.com/office/drawing/2010/main" val="0"/>
+              </a:ext>
+            </a:extLst>
+          </a:blip>
+          <a:srcRect l="19783" t="12230" r="33152" b="29653"/>
+          <a:stretch/>
+        </p:blipFill>
+        <p:spPr>
+          <a:xfrm>
+            <a:off x="1875390" y="3177066"/>
+            <a:ext cx="5298178" cy="3678242"/>
+          </a:xfrm>
+          <a:prstGeom prst="rect">
+            <a:avLst/>
+          </a:prstGeom>
+        </p:spPr>
+      </p:pic>
+      <p:pic>
+        <p:nvPicPr>
+          <p:cNvPr id="10" name="Picture 9" descr="A screenshot of a social media post&#10;&#10;Description automatically generated">
+            <a:extLst>
+              <a:ext uri="{FF2B5EF4-FFF2-40B4-BE49-F238E27FC236}">
+                <a16:creationId xmlns:a16="http://schemas.microsoft.com/office/drawing/2014/main" id="{19B7EFE0-114C-4BDA-A5E9-4AAACB016C81}"/>
+              </a:ext>
+            </a:extLst>
+          </p:cNvPr>
+          <p:cNvPicPr>
+            <a:picLocks noChangeAspect="1"/>
+          </p:cNvPicPr>
+          <p:nvPr/>
+        </p:nvPicPr>
+        <p:blipFill rotWithShape="1">
+          <a:blip r:embed="rId4">
+            <a:extLst>
+              <a:ext uri="{28A0092B-C50C-407E-A947-70E740481C1C}">
+                <a14:useLocalDpi xmlns:a14="http://schemas.microsoft.com/office/drawing/2010/main" val="0"/>
+              </a:ext>
+            </a:extLst>
+          </a:blip>
+          <a:srcRect l="59891" t="43475" r="1957" b="29846"/>
+          <a:stretch/>
+        </p:blipFill>
+        <p:spPr>
+          <a:xfrm>
+            <a:off x="7173568" y="3177066"/>
+            <a:ext cx="4651513" cy="1828800"/>
+          </a:xfrm>
+          <a:prstGeom prst="rect">
+            <a:avLst/>
+          </a:prstGeom>
+        </p:spPr>
+      </p:pic>
+    </p:spTree>
+    <p:extLst>
+      <p:ext uri="{BB962C8B-B14F-4D97-AF65-F5344CB8AC3E}">
+        <p14:creationId xmlns:p14="http://schemas.microsoft.com/office/powerpoint/2010/main" val="654020309"/>
+      </p:ext>
+    </p:extLst>
+  </p:cSld>
+  <p:clrMapOvr>
+    <a:masterClrMapping/>
+  </p:clrMapOvr>
+</p:sld>
+</file>
+
+<file path=ppt/slides/slide13.xml><?xml version="1.0" encoding="utf-8"?>
+<p:sld xmlns:a="http://schemas.openxmlformats.org/drawingml/2006/main" xmlns:r="http://schemas.openxmlformats.org/officeDocument/2006/relationships" xmlns:p="http://schemas.openxmlformats.org/presentationml/2006/main">
+  <p:cSld>
+    <p:spTree>
+      <p:nvGrpSpPr>
+        <p:cNvPr id="1" name=""/>
+        <p:cNvGrpSpPr/>
+        <p:nvPr/>
+      </p:nvGrpSpPr>
+      <p:grpSpPr>
+        <a:xfrm>
+          <a:off x="0" y="0"/>
+          <a:ext cx="0" cy="0"/>
+          <a:chOff x="0" y="0"/>
+          <a:chExt cx="0" cy="0"/>
+        </a:xfrm>
+      </p:grpSpPr>
+      <p:pic>
+        <p:nvPicPr>
+          <p:cNvPr id="10" name="Picture 9" descr="A screenshot of a cell phone&#10;&#10;Description automatically generated">
+            <a:extLst>
+              <a:ext uri="{FF2B5EF4-FFF2-40B4-BE49-F238E27FC236}">
+                <a16:creationId xmlns:a16="http://schemas.microsoft.com/office/drawing/2014/main" id="{6718BD13-AE6F-457C-BB08-2AF77DE48B3E}"/>
+              </a:ext>
+            </a:extLst>
+          </p:cNvPr>
+          <p:cNvPicPr>
+            <a:picLocks noChangeAspect="1"/>
+          </p:cNvPicPr>
+          <p:nvPr/>
+        </p:nvPicPr>
+        <p:blipFill rotWithShape="1">
+          <a:blip r:embed="rId2">
+            <a:extLst>
+              <a:ext uri="{28A0092B-C50C-407E-A947-70E740481C1C}">
+                <a14:useLocalDpi xmlns:a14="http://schemas.microsoft.com/office/drawing/2010/main" val="0"/>
+              </a:ext>
+            </a:extLst>
+          </a:blip>
+          <a:srcRect t="7688" r="31562" b="67925"/>
+          <a:stretch/>
+        </p:blipFill>
+        <p:spPr>
+          <a:xfrm>
+            <a:off x="1815605" y="278606"/>
+            <a:ext cx="10376395" cy="2078832"/>
+          </a:xfrm>
+          <a:prstGeom prst="rect">
+            <a:avLst/>
+          </a:prstGeom>
+        </p:spPr>
+      </p:pic>
+      <p:pic>
+        <p:nvPicPr>
+          <p:cNvPr id="14" name="Picture 13" descr="A screenshot of a cell phone&#10;&#10;Description automatically generated">
+            <a:extLst>
+              <a:ext uri="{FF2B5EF4-FFF2-40B4-BE49-F238E27FC236}">
+                <a16:creationId xmlns:a16="http://schemas.microsoft.com/office/drawing/2014/main" id="{8F75B3E8-2733-4AA6-9816-7D39D54CD025}"/>
+              </a:ext>
+            </a:extLst>
+          </p:cNvPr>
+          <p:cNvPicPr>
+            <a:picLocks noChangeAspect="1"/>
+          </p:cNvPicPr>
+          <p:nvPr/>
+        </p:nvPicPr>
+        <p:blipFill rotWithShape="1">
+          <a:blip r:embed="rId3">
+            <a:extLst>
+              <a:ext uri="{28A0092B-C50C-407E-A947-70E740481C1C}">
+                <a14:useLocalDpi xmlns:a14="http://schemas.microsoft.com/office/drawing/2010/main" val="0"/>
+              </a:ext>
+            </a:extLst>
+          </a:blip>
+          <a:srcRect t="10397" r="73985" b="52918"/>
+          <a:stretch/>
+        </p:blipFill>
+        <p:spPr>
+          <a:xfrm>
+            <a:off x="1815605" y="2761864"/>
+            <a:ext cx="4386263" cy="3477398"/>
+          </a:xfrm>
+          <a:prstGeom prst="rect">
+            <a:avLst/>
+          </a:prstGeom>
+        </p:spPr>
+      </p:pic>
     </p:spTree>
     <p:extLst>
       <p:ext uri="{BB962C8B-B14F-4D97-AF65-F5344CB8AC3E}">
@@ -3763,7 +4444,7 @@
 </p:sld>
 </file>
 
-<file path=ppt/slides/slide11.xml><?xml version="1.0" encoding="utf-8"?>
+<file path=ppt/slides/slide14.xml><?xml version="1.0" encoding="utf-8"?>
 <p:sld xmlns:a="http://schemas.openxmlformats.org/drawingml/2006/main" xmlns:r="http://schemas.openxmlformats.org/officeDocument/2006/relationships" xmlns:p="http://schemas.openxmlformats.org/presentationml/2006/main">
   <p:cSld>
     <p:spTree>
@@ -3867,7 +4548,10 @@
           <a:bodyPr/>
           <a:lstStyle/>
           <a:p>
-            <a:endParaRPr lang="en-US"/>
+            <a:r>
+              <a:rPr lang="en-US"/>
+              <a:t>AngularJS-Javascript</a:t>
+            </a:r>
           </a:p>
         </p:txBody>
       </p:sp>
@@ -3909,7 +4593,10 @@
           <a:bodyPr/>
           <a:lstStyle/>
           <a:p>
-            <a:endParaRPr lang="en-US"/>
+            <a:r>
+              <a:rPr lang="en-US"/>
+              <a:t>Task 4</a:t>
+            </a:r>
           </a:p>
         </p:txBody>
       </p:sp>
@@ -4315,14 +5002,22 @@
             <p:ph type="subTitle" idx="1"/>
           </p:nvPr>
         </p:nvSpPr>
-        <p:spPr/>
+        <p:spPr>
+          <a:xfrm>
+            <a:off x="1971675" y="1294114"/>
+            <a:ext cx="3267075" cy="333375"/>
+          </a:xfrm>
+        </p:spPr>
         <p:txBody>
           <a:bodyPr>
             <a:normAutofit lnSpcReduction="10000"/>
           </a:bodyPr>
           <a:lstStyle/>
           <a:p>
-            <a:endParaRPr lang="en-US"/>
+            <a:r>
+              <a:rPr lang="en-US" b="1"/>
+              <a:t>Cách cài đặt AngularJS</a:t>
+            </a:r>
           </a:p>
         </p:txBody>
       </p:sp>
@@ -4341,7 +5036,7 @@
         <p:spPr>
           <a:xfrm>
             <a:off x="1971675" y="1855304"/>
-            <a:ext cx="9769751" cy="646331"/>
+            <a:ext cx="9478203" cy="1200329"/>
           </a:xfrm>
           <a:prstGeom prst="rect">
             <a:avLst/>
@@ -4357,7 +5052,7 @@
             <a:pPr algn="just"/>
             <a:r>
               <a:rPr lang="en-US"/>
-              <a:t>Để import angular vào file html có thể sử đặt đ</a:t>
+              <a:t>Để thêm AngularJS vào html bằng cách đặt đ</a:t>
             </a:r>
             <a:r>
               <a:rPr lang="vi-VN"/>
@@ -4365,7 +5060,31 @@
             </a:r>
             <a:r>
               <a:rPr lang="en-US"/>
-              <a:t>ờng dẫn angular vào src của thẻ script: </a:t>
+              <a:t>ờng dẫn angular.in.js tại trang AngularJS.org vào src của thẻ script. (Có thể download file js và thêm vào src nh</a:t>
+            </a:r>
+            <a:r>
+              <a:rPr lang="vi-VN"/>
+              <a:t>ư</a:t>
+            </a:r>
+            <a:r>
+              <a:rPr lang="en-US"/>
+              <a:t> cách thức thêm file javascript vào html). Tại đây dung phiên bản nhỏ nh</a:t>
+            </a:r>
+            <a:r>
+              <a:rPr lang="vi-VN"/>
+              <a:t>ư</a:t>
+            </a:r>
+            <a:r>
+              <a:rPr lang="en-US"/>
+              <a:t> angular.min.js để giảm dung l</a:t>
+            </a:r>
+            <a:r>
+              <a:rPr lang="vi-VN"/>
+              <a:t>ư</a:t>
+            </a:r>
+            <a:r>
+              <a:rPr lang="en-US"/>
+              <a:t>ợng, có thể dùng angular.js</a:t>
             </a:r>
           </a:p>
           <a:p>
@@ -4401,7 +5120,7 @@
         </p:blipFill>
         <p:spPr>
           <a:xfrm>
-            <a:off x="1971675" y="2264879"/>
+            <a:off x="1971675" y="3055633"/>
             <a:ext cx="9769751" cy="2870115"/>
           </a:xfrm>
           <a:prstGeom prst="rect">
@@ -4471,14 +5190,30 @@
             <p:ph type="subTitle" idx="1"/>
           </p:nvPr>
         </p:nvSpPr>
-        <p:spPr/>
+        <p:spPr>
+          <a:xfrm>
+            <a:off x="1971675" y="1232522"/>
+            <a:ext cx="3267075" cy="333375"/>
+          </a:xfrm>
+        </p:spPr>
         <p:txBody>
           <a:bodyPr>
             <a:normAutofit lnSpcReduction="10000"/>
           </a:bodyPr>
           <a:lstStyle/>
           <a:p>
-            <a:endParaRPr lang="en-US"/>
+            <a:r>
+              <a:rPr lang="en-US" b="1"/>
+              <a:t>Các đối t</a:t>
+            </a:r>
+            <a:r>
+              <a:rPr lang="vi-VN" b="1"/>
+              <a:t>ư</a:t>
+            </a:r>
+            <a:r>
+              <a:rPr lang="en-US" b="1"/>
+              <a:t>ợng cơ bản</a:t>
+            </a:r>
           </a:p>
         </p:txBody>
       </p:sp>
@@ -4497,7 +5232,7 @@
         <p:spPr>
           <a:xfrm>
             <a:off x="1971675" y="1672793"/>
-            <a:ext cx="9769751" cy="1200329"/>
+            <a:ext cx="9769751" cy="1477328"/>
           </a:xfrm>
           <a:prstGeom prst="rect">
             <a:avLst/>
@@ -4512,33 +5247,60 @@
           <a:p>
             <a:pPr algn="just"/>
             <a:r>
-              <a:rPr lang="en-US" sz="2400" b="1"/>
-              <a:t>ng-app (angular application)</a:t>
+              <a:rPr lang="en-US" b="1"/>
+              <a:t>ng-app (angular application) </a:t>
+            </a:r>
+            <a:r>
+              <a:rPr lang="en-US"/>
+              <a:t>là module mà bên trong có thể viết chức năng nh</a:t>
+            </a:r>
+            <a:r>
+              <a:rPr lang="vi-VN"/>
+              <a:t>ư</a:t>
+            </a:r>
+            <a:r>
+              <a:rPr lang="en-US"/>
+              <a:t> các controller và directive.</a:t>
             </a:r>
           </a:p>
           <a:p>
             <a:pPr algn="just"/>
             <a:r>
-              <a:rPr lang="en-US" sz="2400"/>
-              <a:t>Nếu ng-app = “tên ứng dụng” thì cần khai báo </a:t>
-            </a:r>
-            <a:r>
-              <a:rPr lang="en-US" sz="2400" b="1"/>
+              <a:rPr lang="en-US"/>
+              <a:t>Nếu ng-app = “tên ứng dụng” thì cần khai báo trong file.js. Thông th</a:t>
+            </a:r>
+            <a:r>
+              <a:rPr lang="vi-VN"/>
+              <a:t>ư</a:t>
+            </a:r>
+            <a:r>
+              <a:rPr lang="en-US"/>
+              <a:t>ờng cần đặt tên để dễ quản lý. Nếu không viết file.js thì không cần khai báo “tên ứng dụng”.</a:t>
+            </a:r>
+            <a:r>
+              <a:rPr lang="en-US" sz="1400"/>
               <a:t> </a:t>
             </a:r>
             <a:r>
-              <a:rPr lang="en-US" sz="2400"/>
-              <a:t>trong file.js. Thông th</a:t>
-            </a:r>
-            <a:r>
-              <a:rPr lang="vi-VN" sz="2400"/>
+              <a:rPr lang="en-US"/>
+              <a:t>[] chứa các angular.js nh</a:t>
+            </a:r>
+            <a:r>
+              <a:rPr lang="vi-VN"/>
               <a:t>ư</a:t>
             </a:r>
             <a:r>
-              <a:rPr lang="en-US" sz="2400"/>
-              <a:t>ờng cần đặt tên để dễ quản lý.</a:t>
-            </a:r>
-            <a:endParaRPr lang="en-US"/>
+              <a:rPr lang="en-US"/>
+              <a:t> hiệu ứng động đ</a:t>
+            </a:r>
+            <a:r>
+              <a:rPr lang="vi-VN"/>
+              <a:t>ư</a:t>
+            </a:r>
+            <a:r>
+              <a:rPr lang="en-US"/>
+              <a:t>ợc thêm vào từ angularjs.org</a:t>
+            </a:r>
           </a:p>
         </p:txBody>
       </p:sp>
@@ -4569,7 +5331,7 @@
         </p:blipFill>
         <p:spPr>
           <a:xfrm>
-            <a:off x="1971675" y="2873122"/>
+            <a:off x="1971675" y="3148011"/>
             <a:ext cx="7119315" cy="2246727"/>
           </a:xfrm>
           <a:prstGeom prst="rect">
@@ -4604,7 +5366,7 @@
         </p:blipFill>
         <p:spPr>
           <a:xfrm>
-            <a:off x="1971675" y="5206298"/>
+            <a:off x="1971675" y="5392627"/>
             <a:ext cx="5433391" cy="1200330"/>
           </a:xfrm>
           <a:prstGeom prst="rect">
@@ -4681,7 +5443,18 @@
           </a:bodyPr>
           <a:lstStyle/>
           <a:p>
-            <a:endParaRPr lang="en-US"/>
+            <a:r>
+              <a:rPr lang="en-US" b="1"/>
+              <a:t>Các đối t</a:t>
+            </a:r>
+            <a:r>
+              <a:rPr lang="vi-VN" b="1"/>
+              <a:t>ư</a:t>
+            </a:r>
+            <a:r>
+              <a:rPr lang="en-US" b="1"/>
+              <a:t>ợng cơ bản</a:t>
+            </a:r>
           </a:p>
         </p:txBody>
       </p:sp>
@@ -4699,7 +5472,7 @@
         </p:nvSpPr>
         <p:spPr>
           <a:xfrm>
-            <a:off x="1971675" y="1855304"/>
+            <a:off x="1971675" y="1828799"/>
             <a:ext cx="9769751" cy="1200329"/>
           </a:xfrm>
           <a:prstGeom prst="rect">
@@ -4720,7 +5493,23 @@
             </a:r>
             <a:r>
               <a:rPr lang="en-US" b="1"/>
-              <a:t>ng-controller.</a:t>
+              <a:t>ng-controller. Đ</a:t>
+            </a:r>
+            <a:r>
+              <a:rPr lang="vi-VN" b="1"/>
+              <a:t>ư</a:t>
+            </a:r>
+            <a:r>
+              <a:rPr lang="en-US" b="1"/>
+              <a:t>ợc hiểu nh</a:t>
+            </a:r>
+            <a:r>
+              <a:rPr lang="vi-VN" b="1"/>
+              <a:t>ư</a:t>
+            </a:r>
+            <a:r>
+              <a:rPr lang="en-US" b="1"/>
+              <a:t> là một chức năng</a:t>
             </a:r>
           </a:p>
           <a:p>
@@ -4898,7 +5687,18 @@
           </a:bodyPr>
           <a:lstStyle/>
           <a:p>
-            <a:endParaRPr lang="en-US"/>
+            <a:r>
+              <a:rPr lang="en-US" b="1"/>
+              <a:t>Các đối t</a:t>
+            </a:r>
+            <a:r>
+              <a:rPr lang="vi-VN" b="1"/>
+              <a:t>ư</a:t>
+            </a:r>
+            <a:r>
+              <a:rPr lang="en-US" b="1"/>
+              <a:t>ợng cơ bản</a:t>
+            </a:r>
           </a:p>
         </p:txBody>
       </p:sp>
@@ -4944,7 +5744,7 @@
             <a:pPr algn="just"/>
             <a:r>
               <a:rPr lang="en-US"/>
-              <a:t>Có thể hiểu ng-model nh</a:t>
+              <a:t>ng-model nh</a:t>
             </a:r>
             <a:r>
               <a:rPr lang="vi-VN"/>
@@ -4999,7 +5799,23 @@
             </a:r>
             <a:r>
               <a:rPr lang="en-US"/>
-              <a:t>ợc thực hiện.</a:t>
+              <a:t>ợc thực hiện. Thông th</a:t>
+            </a:r>
+            <a:r>
+              <a:rPr lang="vi-VN"/>
+              <a:t>ư</a:t>
+            </a:r>
+            <a:r>
+              <a:rPr lang="en-US"/>
+              <a:t>ờng hàm() sẽ đ</a:t>
+            </a:r>
+            <a:r>
+              <a:rPr lang="vi-VN"/>
+              <a:t>ư</a:t>
+            </a:r>
+            <a:r>
+              <a:rPr lang="en-US"/>
+              <a:t>ợc viết trong controller.</a:t>
             </a:r>
           </a:p>
           <a:p>
@@ -5083,14 +5899,19 @@
             <p:ph type="title"/>
           </p:nvPr>
         </p:nvSpPr>
-        <p:spPr/>
+        <p:spPr>
+          <a:xfrm>
+            <a:off x="1971675" y="481159"/>
+            <a:ext cx="8398564" cy="533046"/>
+          </a:xfrm>
+        </p:spPr>
         <p:txBody>
           <a:bodyPr/>
           <a:lstStyle/>
           <a:p>
             <a:r>
               <a:rPr lang="en-US"/>
-              <a:t>AngularJS</a:t>
+              <a:t>Javascript</a:t>
             </a:r>
           </a:p>
         </p:txBody>
@@ -5112,7 +5933,10 @@
           </a:bodyPr>
           <a:lstStyle/>
           <a:p>
-            <a:endParaRPr lang="en-US"/>
+            <a:r>
+              <a:rPr lang="en-US" b="1"/>
+              <a:t>Javascript với AngularJS</a:t>
+            </a:r>
           </a:p>
         </p:txBody>
       </p:sp>
@@ -5130,8 +5954,8 @@
         </p:nvSpPr>
         <p:spPr>
           <a:xfrm>
-            <a:off x="1971675" y="1855304"/>
-            <a:ext cx="9769751" cy="923330"/>
+            <a:off x="1971675" y="1999896"/>
+            <a:ext cx="9902273" cy="2862322"/>
           </a:xfrm>
           <a:prstGeom prst="rect">
             <a:avLst/>
@@ -5147,18 +5971,45 @@
             <a:pPr algn="just"/>
             <a:r>
               <a:rPr lang="en-US"/>
-              <a:t>Cú pháp để tạo : </a:t>
-            </a:r>
-            <a:r>
-              <a:rPr lang="en-US" b="1"/>
-              <a:t>ng-model = “tên biến”</a:t>
+              <a:t>Tạo module: var tên_application = angular.module(“tên_application ”, []);</a:t>
             </a:r>
           </a:p>
           <a:p>
             <a:pPr algn="just"/>
             <a:r>
               <a:rPr lang="en-US"/>
-              <a:t>Có thể hiểu ng-model nh</a:t>
+              <a:t>Tạo controller: tên_application.controller(“tên_controller”, function($scope,…){});</a:t>
+            </a:r>
+          </a:p>
+          <a:p>
+            <a:pPr algn="just"/>
+            <a:r>
+              <a:rPr lang="en-US"/>
+              <a:t>Tạo chức năng cho hàm trong ng-click: $scope.tên_hàm = function(){};</a:t>
+            </a:r>
+          </a:p>
+          <a:p>
+            <a:pPr algn="just"/>
+            <a:r>
+              <a:rPr lang="en-US"/>
+              <a:t>Thêm file js: &lt;script language = “javascript” src = “/path of js”&gt;&lt;/script&gt;</a:t>
+            </a:r>
+          </a:p>
+          <a:p>
+            <a:pPr algn="just"/>
+            <a:r>
+              <a:rPr lang="en-US"/>
+              <a:t>Chuyển trang: </a:t>
+            </a:r>
+          </a:p>
+          <a:p>
+            <a:pPr marL="285750" indent="-285750" algn="just">
+              <a:buFont typeface="Arial" panose="020B0604020202020204" pitchFamily="34" charset="0"/>
+              <a:buChar char="•"/>
+            </a:pPr>
+            <a:r>
+              <a:rPr lang="en-US"/>
+              <a:t>Tr</a:t>
             </a:r>
             <a:r>
               <a:rPr lang="vi-VN"/>
@@ -5166,7 +6017,113 @@
             </a:r>
             <a:r>
               <a:rPr lang="en-US"/>
-              <a:t> một kho l</a:t>
+              <a:t>ớc khi lập trình trong javascript thì cần thêm </a:t>
+            </a:r>
+            <a:r>
+              <a:rPr lang="en-US">
+                <a:hlinkClick r:id="rId2"/>
+              </a:rPr>
+              <a:t>https://code.angularjs.org/1.8.0/angular-route.js</a:t>
+            </a:r>
+            <a:r>
+              <a:rPr lang="en-US"/>
+              <a:t> vào src trong thẻ script. </a:t>
+            </a:r>
+          </a:p>
+          <a:p>
+            <a:pPr algn="just"/>
+            <a:endParaRPr lang="en-US"/>
+          </a:p>
+          <a:p>
+            <a:pPr algn="just"/>
+            <a:endParaRPr lang="en-US"/>
+          </a:p>
+          <a:p>
+            <a:pPr algn="just"/>
+            <a:endParaRPr lang="en-US"/>
+          </a:p>
+        </p:txBody>
+      </p:sp>
+      <p:pic>
+        <p:nvPicPr>
+          <p:cNvPr id="5" name="Picture 4" descr="A screenshot of a computer screen&#10;&#10;Description automatically generated">
+            <a:extLst>
+              <a:ext uri="{FF2B5EF4-FFF2-40B4-BE49-F238E27FC236}">
+                <a16:creationId xmlns:a16="http://schemas.microsoft.com/office/drawing/2014/main" id="{62E70F31-C384-43CC-93DC-940508B81101}"/>
+              </a:ext>
+            </a:extLst>
+          </p:cNvPr>
+          <p:cNvPicPr>
+            <a:picLocks noChangeAspect="1"/>
+          </p:cNvPicPr>
+          <p:nvPr/>
+        </p:nvPicPr>
+        <p:blipFill rotWithShape="1">
+          <a:blip r:embed="rId3">
+            <a:extLst>
+              <a:ext uri="{28A0092B-C50C-407E-A947-70E740481C1C}">
+                <a14:useLocalDpi xmlns:a14="http://schemas.microsoft.com/office/drawing/2010/main" val="0"/>
+              </a:ext>
+            </a:extLst>
+          </a:blip>
+          <a:srcRect t="7394" r="48370" b="52852"/>
+          <a:stretch/>
+        </p:blipFill>
+        <p:spPr>
+          <a:xfrm>
+            <a:off x="1971675" y="4188538"/>
+            <a:ext cx="5575031" cy="2413451"/>
+          </a:xfrm>
+          <a:prstGeom prst="rect">
+            <a:avLst/>
+          </a:prstGeom>
+        </p:spPr>
+      </p:pic>
+      <p:sp>
+        <p:nvSpPr>
+          <p:cNvPr id="6" name="TextBox 5">
+            <a:extLst>
+              <a:ext uri="{FF2B5EF4-FFF2-40B4-BE49-F238E27FC236}">
+                <a16:creationId xmlns:a16="http://schemas.microsoft.com/office/drawing/2014/main" id="{5DB27AED-DCF7-437A-9177-111E00E2C1EF}"/>
+              </a:ext>
+            </a:extLst>
+          </p:cNvPr>
+          <p:cNvSpPr txBox="1"/>
+          <p:nvPr/>
+        </p:nvSpPr>
+        <p:spPr>
+          <a:xfrm>
+            <a:off x="7808640" y="4188538"/>
+            <a:ext cx="3803374" cy="2031325"/>
+          </a:xfrm>
+          <a:prstGeom prst="rect">
+            <a:avLst/>
+          </a:prstGeom>
+          <a:noFill/>
+        </p:spPr>
+        <p:txBody>
+          <a:bodyPr wrap="square" rtlCol="0">
+            <a:spAutoFit/>
+          </a:bodyPr>
+          <a:lstStyle/>
+          <a:p>
+            <a:pPr marL="285750" indent="-285750">
+              <a:buFont typeface="Arial" panose="020B0604020202020204" pitchFamily="34" charset="0"/>
+              <a:buChar char="•"/>
+            </a:pPr>
+            <a:r>
+              <a:rPr lang="en-US"/>
+              <a:t>Thêm $routeProvider làm tham số của function.</a:t>
+            </a:r>
+          </a:p>
+          <a:p>
+            <a:pPr marL="285750" indent="-285750">
+              <a:buFont typeface="Arial" panose="020B0604020202020204" pitchFamily="34" charset="0"/>
+              <a:buChar char="•"/>
+            </a:pPr>
+            <a:r>
+              <a:rPr lang="en-US"/>
+              <a:t>templateUrl: chuyển đến trang đ</a:t>
             </a:r>
             <a:r>
               <a:rPr lang="vi-VN"/>
@@ -5174,12 +6131,26 @@
             </a:r>
             <a:r>
               <a:rPr lang="en-US"/>
-              <a:t>u trữ tên biến.</a:t>
-            </a:r>
-          </a:p>
-          <a:p>
-            <a:pPr algn="just"/>
-            <a:endParaRPr lang="en-US"/>
+              <a:t>ợc chỉ định,</a:t>
+            </a:r>
+          </a:p>
+          <a:p>
+            <a:pPr marL="285750" indent="-285750">
+              <a:buFont typeface="Arial" panose="020B0604020202020204" pitchFamily="34" charset="0"/>
+              <a:buChar char="•"/>
+            </a:pPr>
+            <a:r>
+              <a:rPr lang="en-US"/>
+              <a:t>Otherwise: ngoài các trang đ</a:t>
+            </a:r>
+            <a:r>
+              <a:rPr lang="vi-VN"/>
+              <a:t>ư</a:t>
+            </a:r>
+            <a:r>
+              <a:rPr lang="en-US"/>
+              <a:t>ợc chỉ định thì các url còn lại sẽ trở về trang gốc.</a:t>
+            </a:r>
           </a:p>
         </p:txBody>
       </p:sp>

--- a/FW/Minh/Task4/Task4 - Minh.pptx
+++ b/FW/Minh/Task4/Task4 - Minh.pptx
@@ -12,7 +12,7 @@
     <p:sldId id="257" r:id="rId3"/>
     <p:sldId id="258" r:id="rId4"/>
     <p:sldId id="259" r:id="rId5"/>
-    <p:sldId id="264" r:id="rId6"/>
+    <p:sldId id="271" r:id="rId6"/>
     <p:sldId id="262" r:id="rId7"/>
     <p:sldId id="265" r:id="rId8"/>
     <p:sldId id="266" r:id="rId9"/>
@@ -221,7 +221,7 @@
           <a:p>
             <a:fld id="{BE921E71-55FB-4F70-BA64-7E87629B9540}" type="datetimeFigureOut">
               <a:rPr lang="en-US" smtClean="0"/>
-              <a:t>8/10/2020</a:t>
+              <a:t>8/14/2020</a:t>
             </a:fld>
             <a:endParaRPr lang="en-US"/>
           </a:p>
@@ -3228,7 +3228,7 @@
           <a:p>
             <a:fld id="{6D9FEF56-C5D4-4D87-B961-211842A8ECEA}" type="datetime1">
               <a:rPr lang="en-US" smtClean="0"/>
-              <a:t>8/10/2020</a:t>
+              <a:t>8/14/2020</a:t>
             </a:fld>
             <a:endParaRPr lang="en-US"/>
           </a:p>
@@ -5002,22 +5002,14 @@
             <p:ph type="subTitle" idx="1"/>
           </p:nvPr>
         </p:nvSpPr>
-        <p:spPr>
-          <a:xfrm>
-            <a:off x="1971675" y="1294114"/>
-            <a:ext cx="3267075" cy="333375"/>
-          </a:xfrm>
-        </p:spPr>
+        <p:spPr/>
         <p:txBody>
           <a:bodyPr>
             <a:normAutofit lnSpcReduction="10000"/>
           </a:bodyPr>
           <a:lstStyle/>
           <a:p>
-            <a:r>
-              <a:rPr lang="en-US" b="1"/>
-              <a:t>Cách cài đặt AngularJS</a:t>
-            </a:r>
+            <a:endParaRPr lang="en-US"/>
           </a:p>
         </p:txBody>
       </p:sp>
@@ -5035,8 +5027,8 @@
         </p:nvSpPr>
         <p:spPr>
           <a:xfrm>
-            <a:off x="1971675" y="1855304"/>
-            <a:ext cx="9478203" cy="1200329"/>
+            <a:off x="1878909" y="1359553"/>
+            <a:ext cx="9955282" cy="2585323"/>
           </a:xfrm>
           <a:prstGeom prst="rect">
             <a:avLst/>
@@ -5052,7 +5044,27 @@
             <a:pPr algn="just"/>
             <a:r>
               <a:rPr lang="en-US"/>
-              <a:t>Để thêm AngularJS vào html bằng cách đặt đ</a:t>
+              <a:t>Có 2 cách để cài đặt AngularJS:</a:t>
+            </a:r>
+          </a:p>
+          <a:p>
+            <a:pPr marL="342900" indent="-342900" algn="just">
+              <a:buFont typeface="+mj-lt"/>
+              <a:buAutoNum type="arabicPeriod"/>
+            </a:pPr>
+            <a:r>
+              <a:rPr lang="en-US"/>
+              <a:t>Lấy link trực tiếp.</a:t>
+            </a:r>
+          </a:p>
+          <a:p>
+            <a:pPr marL="342900" indent="-342900" algn="just">
+              <a:buFont typeface="+mj-lt"/>
+              <a:buAutoNum type="arabicPeriod"/>
+            </a:pPr>
+            <a:r>
+              <a:rPr lang="en-US"/>
+              <a:t>Download nh</a:t>
             </a:r>
             <a:r>
               <a:rPr lang="vi-VN"/>
@@ -5060,7 +5072,31 @@
             </a:r>
             <a:r>
               <a:rPr lang="en-US"/>
-              <a:t>ờng dẫn angular.in.js tại trang AngularJS.org vào src của thẻ script. (Có thể download file js và thêm vào src nh</a:t>
+              <a:t> một file.</a:t>
+            </a:r>
+          </a:p>
+          <a:p>
+            <a:pPr algn="just"/>
+            <a:r>
+              <a:rPr lang="en-US"/>
+              <a:t>Cách nhanh và dễ nhất là theo cách 1: Truy cập link </a:t>
+            </a:r>
+            <a:r>
+              <a:rPr lang="en-US">
+                <a:hlinkClick r:id="rId2"/>
+              </a:rPr>
+              <a:t>https://code.angularjs.org/1.8.0/</a:t>
+            </a:r>
+            <a:r>
+              <a:rPr lang="en-US"/>
+              <a:t> và chọn angular.min.js hoặc angular.js. Sau khi chọn 1 trong 2 file thì copy url ở trang chứa code của file vào src của thẻ &lt;script&gt;.</a:t>
+            </a:r>
+          </a:p>
+          <a:p>
+            <a:pPr algn="just"/>
+            <a:r>
+              <a:rPr lang="en-US"/>
+              <a:t>Kiểm tra AngularJs đã đ</a:t>
             </a:r>
             <a:r>
               <a:rPr lang="vi-VN"/>
@@ -5068,37 +5104,24 @@
             </a:r>
             <a:r>
               <a:rPr lang="en-US"/>
-              <a:t> cách thức thêm file javascript vào html). Tại đây dung phiên bản nhỏ nh</a:t>
-            </a:r>
-            <a:r>
-              <a:rPr lang="vi-VN"/>
-              <a:t>ư</a:t>
-            </a:r>
-            <a:r>
-              <a:rPr lang="en-US"/>
-              <a:t> angular.min.js để giảm dung l</a:t>
-            </a:r>
-            <a:r>
-              <a:rPr lang="vi-VN"/>
-              <a:t>ư</a:t>
-            </a:r>
-            <a:r>
-              <a:rPr lang="en-US"/>
-              <a:t>ợng, có thể dùng angular.js</a:t>
-            </a:r>
-          </a:p>
-          <a:p>
-            <a:pPr algn="just"/>
+              <a:t>ợc cài đặt bằng cách dùng {{1+9}}. Nếu đã cài đặt thì kết quả sẽ là 10 khi chạy thử giao diện web.</a:t>
+            </a:r>
+          </a:p>
+          <a:p>
+            <a:pPr marL="342900" indent="-342900" algn="just">
+              <a:buFont typeface="+mj-lt"/>
+              <a:buAutoNum type="arabicPeriod"/>
+            </a:pPr>
             <a:endParaRPr lang="en-US"/>
           </a:p>
         </p:txBody>
       </p:sp>
       <p:pic>
         <p:nvPicPr>
-          <p:cNvPr id="5" name="Picture 4" descr="A screenshot of a computer&#10;&#10;Description automatically generated">
+          <p:cNvPr id="6" name="Picture 5" descr="A screenshot of a computer&#10;&#10;Description automatically generated">
             <a:extLst>
               <a:ext uri="{FF2B5EF4-FFF2-40B4-BE49-F238E27FC236}">
-                <a16:creationId xmlns:a16="http://schemas.microsoft.com/office/drawing/2014/main" id="{D79527E7-E2EC-4500-8B86-23808DEDECF6}"/>
+                <a16:creationId xmlns:a16="http://schemas.microsoft.com/office/drawing/2014/main" id="{BAC38342-2DA1-48DA-B348-A6255350C10E}"/>
               </a:ext>
             </a:extLst>
           </p:cNvPr>
@@ -5108,7 +5131,7 @@
           <p:nvPr/>
         </p:nvPicPr>
         <p:blipFill rotWithShape="1">
-          <a:blip r:embed="rId2">
+          <a:blip r:embed="rId3">
             <a:extLst>
               <a:ext uri="{28A0092B-C50C-407E-A947-70E740481C1C}">
                 <a14:useLocalDpi xmlns:a14="http://schemas.microsoft.com/office/drawing/2010/main" val="0"/>
@@ -5120,7 +5143,7 @@
         </p:blipFill>
         <p:spPr>
           <a:xfrm>
-            <a:off x="1971675" y="3055633"/>
+            <a:off x="1955316" y="3749346"/>
             <a:ext cx="9769751" cy="2870115"/>
           </a:xfrm>
           <a:prstGeom prst="rect">
@@ -5131,7 +5154,7 @@
     </p:spTree>
     <p:extLst>
       <p:ext uri="{BB962C8B-B14F-4D97-AF65-F5344CB8AC3E}">
-        <p14:creationId xmlns:p14="http://schemas.microsoft.com/office/powerpoint/2010/main" val="581266383"/>
+        <p14:creationId xmlns:p14="http://schemas.microsoft.com/office/powerpoint/2010/main" val="3404973777"/>
       </p:ext>
     </p:extLst>
   </p:cSld>
@@ -5232,7 +5255,7 @@
         <p:spPr>
           <a:xfrm>
             <a:off x="1971675" y="1672793"/>
-            <a:ext cx="9769751" cy="1477328"/>
+            <a:ext cx="9769751" cy="2031325"/>
           </a:xfrm>
           <a:prstGeom prst="rect">
             <a:avLst/>
@@ -5260,14 +5283,7 @@
             </a:r>
             <a:r>
               <a:rPr lang="en-US"/>
-              <a:t> các controller và directive.</a:t>
-            </a:r>
-          </a:p>
-          <a:p>
-            <a:pPr algn="just"/>
-            <a:r>
-              <a:rPr lang="en-US"/>
-              <a:t>Nếu ng-app = “tên ứng dụng” thì cần khai báo trong file.js. Thông th</a:t>
+              <a:t> các controller và directive. (có thể hiểu nó nh</a:t>
             </a:r>
             <a:r>
               <a:rPr lang="vi-VN"/>
@@ -5275,15 +5291,25 @@
             </a:r>
             <a:r>
               <a:rPr lang="en-US"/>
-              <a:t>ờng cần đặt tên để dễ quản lý. Nếu không viết file.js thì không cần khai báo “tên ứng dụng”.</a:t>
-            </a:r>
-            <a:r>
-              <a:rPr lang="en-US" sz="1400"/>
-              <a:t> </a:t>
-            </a:r>
-            <a:r>
-              <a:rPr lang="en-US"/>
-              <a:t>[] chứa các angular.js nh</a:t>
+              <a:t> hàm main để thực thi các hàm (controller))</a:t>
+            </a:r>
+          </a:p>
+          <a:p>
+            <a:pPr algn="just"/>
+            <a:r>
+              <a:rPr lang="en-US"/>
+              <a:t>Cú pháp khai báo: </a:t>
+            </a:r>
+            <a:r>
+              <a:rPr lang="en-US" b="1"/>
+              <a:t>var tên_ứng_dụng = angular.module(“tên_ứng_dụng”, []);</a:t>
+            </a:r>
+          </a:p>
+          <a:p>
+            <a:pPr algn="just"/>
+            <a:r>
+              <a:rPr lang="en-US"/>
+              <a:t>ng-app = “tên ứng dụng” thì cần khai báo trong javascript với tên file là app.js nh</a:t>
             </a:r>
             <a:r>
               <a:rPr lang="vi-VN"/>
@@ -5291,7 +5317,7 @@
             </a:r>
             <a:r>
               <a:rPr lang="en-US"/>
-              <a:t> hiệu ứng động đ</a:t>
+              <a:t> hình d</a:t>
             </a:r>
             <a:r>
               <a:rPr lang="vi-VN"/>
@@ -5299,7 +5325,31 @@
             </a:r>
             <a:r>
               <a:rPr lang="en-US"/>
-              <a:t>ợc thêm vào từ angularjs.org</a:t>
+              <a:t>ới. Thông th</a:t>
+            </a:r>
+            <a:r>
+              <a:rPr lang="vi-VN"/>
+              <a:t>ư</a:t>
+            </a:r>
+            <a:r>
+              <a:rPr lang="en-US"/>
+              <a:t>ờng cần đặt tên để dễ quản lý. Nếu không viết app.js thì không cần khai báo “tên ứng dụng” tức là ở dòng 8 sẽ là ng-app = “”. Dấu [] chứa các angular.js nh</a:t>
+            </a:r>
+            <a:r>
+              <a:rPr lang="vi-VN"/>
+              <a:t>ư</a:t>
+            </a:r>
+            <a:r>
+              <a:rPr lang="en-US"/>
+              <a:t> hiệu ứng động đ</a:t>
+            </a:r>
+            <a:r>
+              <a:rPr lang="vi-VN"/>
+              <a:t>ư</a:t>
+            </a:r>
+            <a:r>
+              <a:rPr lang="en-US"/>
+              <a:t>ợc thêm vào từ angularjs.org (angular-animate.min.js).</a:t>
             </a:r>
           </a:p>
         </p:txBody>
@@ -5331,7 +5381,7 @@
         </p:blipFill>
         <p:spPr>
           <a:xfrm>
-            <a:off x="1971675" y="3148011"/>
+            <a:off x="1971675" y="3704118"/>
             <a:ext cx="7119315" cy="2246727"/>
           </a:xfrm>
           <a:prstGeom prst="rect">
@@ -5366,7 +5416,7 @@
         </p:blipFill>
         <p:spPr>
           <a:xfrm>
-            <a:off x="1971675" y="5392627"/>
+            <a:off x="6096000" y="5135278"/>
             <a:ext cx="5433391" cy="1200330"/>
           </a:xfrm>
           <a:prstGeom prst="rect">

--- a/FW/Minh/Task4/Task4 - Minh.pptx
+++ b/FW/Minh/Task4/Task4 - Minh.pptx
@@ -5,7 +5,7 @@
     <p:sldMasterId id="2147483648" r:id="rId1"/>
   </p:sldMasterIdLst>
   <p:notesMasterIdLst>
-    <p:notesMasterId r:id="rId16"/>
+    <p:notesMasterId r:id="rId18"/>
   </p:notesMasterIdLst>
   <p:sldIdLst>
     <p:sldId id="256" r:id="rId2"/>
@@ -16,12 +16,14 @@
     <p:sldId id="262" r:id="rId7"/>
     <p:sldId id="265" r:id="rId8"/>
     <p:sldId id="266" r:id="rId9"/>
-    <p:sldId id="267" r:id="rId10"/>
-    <p:sldId id="268" r:id="rId11"/>
-    <p:sldId id="269" r:id="rId12"/>
-    <p:sldId id="270" r:id="rId13"/>
-    <p:sldId id="260" r:id="rId14"/>
-    <p:sldId id="261" r:id="rId15"/>
+    <p:sldId id="272" r:id="rId10"/>
+    <p:sldId id="273" r:id="rId11"/>
+    <p:sldId id="267" r:id="rId12"/>
+    <p:sldId id="268" r:id="rId13"/>
+    <p:sldId id="269" r:id="rId14"/>
+    <p:sldId id="270" r:id="rId15"/>
+    <p:sldId id="260" r:id="rId16"/>
+    <p:sldId id="261" r:id="rId17"/>
   </p:sldIdLst>
   <p:sldSz cx="12192000" cy="6858000"/>
   <p:notesSz cx="6858000" cy="9144000"/>
@@ -3680,12 +3682,7 @@
             <p:ph type="title"/>
           </p:nvPr>
         </p:nvSpPr>
-        <p:spPr>
-          <a:xfrm>
-            <a:off x="1971675" y="481159"/>
-            <a:ext cx="8398564" cy="533046"/>
-          </a:xfrm>
-        </p:spPr>
+        <p:spPr/>
         <p:txBody>
           <a:bodyPr/>
           <a:lstStyle/>
@@ -3716,131 +3713,23 @@
           <a:p>
             <a:r>
               <a:rPr lang="en-US" b="1"/>
-              <a:t>Javascript với AngularJS</a:t>
-            </a:r>
-          </a:p>
-        </p:txBody>
-      </p:sp>
-      <p:sp>
-        <p:nvSpPr>
-          <p:cNvPr id="7" name="TextBox 6">
-            <a:extLst>
-              <a:ext uri="{FF2B5EF4-FFF2-40B4-BE49-F238E27FC236}">
-                <a16:creationId xmlns:a16="http://schemas.microsoft.com/office/drawing/2014/main" id="{C14AE6ED-219C-403E-9E1E-87AA8BCAF535}"/>
-              </a:ext>
-            </a:extLst>
-          </p:cNvPr>
-          <p:cNvSpPr txBox="1"/>
-          <p:nvPr/>
-        </p:nvSpPr>
-        <p:spPr>
-          <a:xfrm>
-            <a:off x="1971675" y="1999896"/>
-            <a:ext cx="9902273" cy="2308324"/>
-          </a:xfrm>
-          <a:prstGeom prst="rect">
-            <a:avLst/>
-          </a:prstGeom>
-          <a:noFill/>
-        </p:spPr>
-        <p:txBody>
-          <a:bodyPr wrap="square" rtlCol="0">
-            <a:spAutoFit/>
-          </a:bodyPr>
-          <a:lstStyle/>
-          <a:p>
-            <a:pPr algn="just"/>
-            <a:r>
-              <a:rPr lang="en-US"/>
-              <a:t>Tạo trang đăng nhập:</a:t>
-            </a:r>
-          </a:p>
-          <a:p>
-            <a:pPr marL="285750" indent="-285750" algn="just">
-              <a:buFont typeface="Arial" panose="020B0604020202020204" pitchFamily="34" charset="0"/>
-              <a:buChar char="•"/>
-            </a:pPr>
-            <a:r>
-              <a:rPr lang="en-US"/>
-              <a:t>Khi nhấn nút Login thì đăng nhập nên đăng nhập sẽ là một controller. </a:t>
-            </a:r>
-          </a:p>
-          <a:p>
-            <a:pPr marL="285750" indent="-285750" algn="just">
-              <a:buFont typeface="Arial" panose="020B0604020202020204" pitchFamily="34" charset="0"/>
-              <a:buChar char="•"/>
-            </a:pPr>
-            <a:r>
-              <a:rPr lang="en-US"/>
-              <a:t>Đặt ng-model = “username” và ng-model = “password” nên khi muốn xem những gì thêm vào từ thẻ input thì sử dụng cú pháp $scope.username và $scope.password. </a:t>
-            </a:r>
-          </a:p>
-          <a:p>
-            <a:pPr marL="285750" indent="-285750" algn="just">
-              <a:buFont typeface="Arial" panose="020B0604020202020204" pitchFamily="34" charset="0"/>
-              <a:buChar char="•"/>
-            </a:pPr>
-            <a:r>
-              <a:rPr lang="en-US"/>
-              <a:t>Nếu đúng với tên đăng nhập và pass thì đi đến url chỉ định. Sai thì thông báo lỗi.</a:t>
-            </a:r>
-          </a:p>
-          <a:p>
-            <a:pPr marL="285750" indent="-285750" algn="just">
-              <a:buFont typeface="Arial" panose="020B0604020202020204" pitchFamily="34" charset="0"/>
-              <a:buChar char="•"/>
-            </a:pPr>
-            <a:endParaRPr lang="en-US"/>
-          </a:p>
-          <a:p>
-            <a:pPr algn="just"/>
-            <a:endParaRPr lang="en-US"/>
-          </a:p>
-          <a:p>
-            <a:pPr algn="just"/>
-            <a:endParaRPr lang="en-US"/>
-          </a:p>
-        </p:txBody>
-      </p:sp>
-      <p:pic>
-        <p:nvPicPr>
-          <p:cNvPr id="8" name="Picture 7" descr="A screenshot of a computer screen&#10;&#10;Description automatically generated">
-            <a:extLst>
-              <a:ext uri="{FF2B5EF4-FFF2-40B4-BE49-F238E27FC236}">
-                <a16:creationId xmlns:a16="http://schemas.microsoft.com/office/drawing/2014/main" id="{05B5D754-6AD2-4490-8811-22501FBD9D4E}"/>
-              </a:ext>
-            </a:extLst>
-          </p:cNvPr>
-          <p:cNvPicPr>
-            <a:picLocks noChangeAspect="1"/>
-          </p:cNvPicPr>
-          <p:nvPr/>
-        </p:nvPicPr>
-        <p:blipFill rotWithShape="1">
-          <a:blip r:embed="rId2">
-            <a:extLst>
-              <a:ext uri="{28A0092B-C50C-407E-A947-70E740481C1C}">
-                <a14:useLocalDpi xmlns:a14="http://schemas.microsoft.com/office/drawing/2010/main" val="0"/>
-              </a:ext>
-            </a:extLst>
-          </a:blip>
-          <a:srcRect l="18781" t="33035" r="33369" b="40865"/>
-          <a:stretch/>
-        </p:blipFill>
-        <p:spPr>
-          <a:xfrm>
-            <a:off x="1971675" y="3731437"/>
-            <a:ext cx="7238038" cy="2219657"/>
-          </a:xfrm>
-          <a:prstGeom prst="rect">
-            <a:avLst/>
-          </a:prstGeom>
-        </p:spPr>
-      </p:pic>
+              <a:t>C</a:t>
+            </a:r>
+            <a:r>
+              <a:rPr lang="vi-VN" b="1"/>
+              <a:t>ơ</a:t>
+            </a:r>
+            <a:r>
+              <a:rPr lang="en-US" b="1"/>
+              <a:t> bản</a:t>
+            </a:r>
+          </a:p>
+        </p:txBody>
+      </p:sp>
     </p:spTree>
     <p:extLst>
       <p:ext uri="{BB962C8B-B14F-4D97-AF65-F5344CB8AC3E}">
-        <p14:creationId xmlns:p14="http://schemas.microsoft.com/office/powerpoint/2010/main" val="911873186"/>
+        <p14:creationId xmlns:p14="http://schemas.microsoft.com/office/powerpoint/2010/main" val="4101352441"/>
       </p:ext>
     </p:extLst>
   </p:cSld>
@@ -3932,6 +3821,498 @@
         </p:nvSpPr>
         <p:spPr>
           <a:xfrm>
+            <a:off x="1971675" y="1999896"/>
+            <a:ext cx="9902273" cy="2862322"/>
+          </a:xfrm>
+          <a:prstGeom prst="rect">
+            <a:avLst/>
+          </a:prstGeom>
+          <a:noFill/>
+        </p:spPr>
+        <p:txBody>
+          <a:bodyPr wrap="square" rtlCol="0">
+            <a:spAutoFit/>
+          </a:bodyPr>
+          <a:lstStyle/>
+          <a:p>
+            <a:pPr algn="just"/>
+            <a:r>
+              <a:rPr lang="en-US"/>
+              <a:t>Tạo module: var tên_application = angular.module(“tên_application ”, []);</a:t>
+            </a:r>
+          </a:p>
+          <a:p>
+            <a:pPr algn="just"/>
+            <a:r>
+              <a:rPr lang="en-US"/>
+              <a:t>Tạo controller: tên_application.controller(“tên_controller”, function($scope,…){});</a:t>
+            </a:r>
+          </a:p>
+          <a:p>
+            <a:pPr algn="just"/>
+            <a:r>
+              <a:rPr lang="en-US"/>
+              <a:t>Tạo chức năng cho hàm trong ng-click: $scope.tên_hàm = function(){};</a:t>
+            </a:r>
+          </a:p>
+          <a:p>
+            <a:pPr algn="just"/>
+            <a:r>
+              <a:rPr lang="en-US"/>
+              <a:t>Thêm file js: &lt;script language = “javascript” src = “/path of js”&gt;&lt;/script&gt;</a:t>
+            </a:r>
+          </a:p>
+          <a:p>
+            <a:pPr algn="just"/>
+            <a:r>
+              <a:rPr lang="en-US"/>
+              <a:t>Chuyển trang: </a:t>
+            </a:r>
+          </a:p>
+          <a:p>
+            <a:pPr marL="285750" indent="-285750" algn="just">
+              <a:buFont typeface="Arial" panose="020B0604020202020204" pitchFamily="34" charset="0"/>
+              <a:buChar char="•"/>
+            </a:pPr>
+            <a:r>
+              <a:rPr lang="en-US"/>
+              <a:t>Tr</a:t>
+            </a:r>
+            <a:r>
+              <a:rPr lang="vi-VN"/>
+              <a:t>ư</a:t>
+            </a:r>
+            <a:r>
+              <a:rPr lang="en-US"/>
+              <a:t>ớc khi lập trình trong javascript thì cần thêm </a:t>
+            </a:r>
+            <a:r>
+              <a:rPr lang="en-US">
+                <a:hlinkClick r:id="rId2"/>
+              </a:rPr>
+              <a:t>https://code.angularjs.org/1.8.0/angular-route.js</a:t>
+            </a:r>
+            <a:r>
+              <a:rPr lang="en-US"/>
+              <a:t> vào src trong thẻ script. </a:t>
+            </a:r>
+          </a:p>
+          <a:p>
+            <a:pPr algn="just"/>
+            <a:endParaRPr lang="en-US"/>
+          </a:p>
+          <a:p>
+            <a:pPr algn="just"/>
+            <a:endParaRPr lang="en-US"/>
+          </a:p>
+          <a:p>
+            <a:pPr algn="just"/>
+            <a:endParaRPr lang="en-US"/>
+          </a:p>
+        </p:txBody>
+      </p:sp>
+      <p:pic>
+        <p:nvPicPr>
+          <p:cNvPr id="5" name="Picture 4" descr="A screenshot of a computer screen&#10;&#10;Description automatically generated">
+            <a:extLst>
+              <a:ext uri="{FF2B5EF4-FFF2-40B4-BE49-F238E27FC236}">
+                <a16:creationId xmlns:a16="http://schemas.microsoft.com/office/drawing/2014/main" id="{62E70F31-C384-43CC-93DC-940508B81101}"/>
+              </a:ext>
+            </a:extLst>
+          </p:cNvPr>
+          <p:cNvPicPr>
+            <a:picLocks noChangeAspect="1"/>
+          </p:cNvPicPr>
+          <p:nvPr/>
+        </p:nvPicPr>
+        <p:blipFill rotWithShape="1">
+          <a:blip r:embed="rId3">
+            <a:extLst>
+              <a:ext uri="{28A0092B-C50C-407E-A947-70E740481C1C}">
+                <a14:useLocalDpi xmlns:a14="http://schemas.microsoft.com/office/drawing/2010/main" val="0"/>
+              </a:ext>
+            </a:extLst>
+          </a:blip>
+          <a:srcRect t="7394" r="48370" b="52852"/>
+          <a:stretch/>
+        </p:blipFill>
+        <p:spPr>
+          <a:xfrm>
+            <a:off x="1971675" y="4188538"/>
+            <a:ext cx="5575031" cy="2413451"/>
+          </a:xfrm>
+          <a:prstGeom prst="rect">
+            <a:avLst/>
+          </a:prstGeom>
+        </p:spPr>
+      </p:pic>
+      <p:sp>
+        <p:nvSpPr>
+          <p:cNvPr id="6" name="TextBox 5">
+            <a:extLst>
+              <a:ext uri="{FF2B5EF4-FFF2-40B4-BE49-F238E27FC236}">
+                <a16:creationId xmlns:a16="http://schemas.microsoft.com/office/drawing/2014/main" id="{5DB27AED-DCF7-437A-9177-111E00E2C1EF}"/>
+              </a:ext>
+            </a:extLst>
+          </p:cNvPr>
+          <p:cNvSpPr txBox="1"/>
+          <p:nvPr/>
+        </p:nvSpPr>
+        <p:spPr>
+          <a:xfrm>
+            <a:off x="7808640" y="4188538"/>
+            <a:ext cx="3803374" cy="2031325"/>
+          </a:xfrm>
+          <a:prstGeom prst="rect">
+            <a:avLst/>
+          </a:prstGeom>
+          <a:noFill/>
+        </p:spPr>
+        <p:txBody>
+          <a:bodyPr wrap="square" rtlCol="0">
+            <a:spAutoFit/>
+          </a:bodyPr>
+          <a:lstStyle/>
+          <a:p>
+            <a:pPr marL="285750" indent="-285750">
+              <a:buFont typeface="Arial" panose="020B0604020202020204" pitchFamily="34" charset="0"/>
+              <a:buChar char="•"/>
+            </a:pPr>
+            <a:r>
+              <a:rPr lang="en-US"/>
+              <a:t>Thêm $routeProvider làm tham số của function.</a:t>
+            </a:r>
+          </a:p>
+          <a:p>
+            <a:pPr marL="285750" indent="-285750">
+              <a:buFont typeface="Arial" panose="020B0604020202020204" pitchFamily="34" charset="0"/>
+              <a:buChar char="•"/>
+            </a:pPr>
+            <a:r>
+              <a:rPr lang="en-US"/>
+              <a:t>templateUrl: chuyển đến trang đ</a:t>
+            </a:r>
+            <a:r>
+              <a:rPr lang="vi-VN"/>
+              <a:t>ư</a:t>
+            </a:r>
+            <a:r>
+              <a:rPr lang="en-US"/>
+              <a:t>ợc chỉ định,</a:t>
+            </a:r>
+          </a:p>
+          <a:p>
+            <a:pPr marL="285750" indent="-285750">
+              <a:buFont typeface="Arial" panose="020B0604020202020204" pitchFamily="34" charset="0"/>
+              <a:buChar char="•"/>
+            </a:pPr>
+            <a:r>
+              <a:rPr lang="en-US"/>
+              <a:t>Otherwise: ngoài các trang đ</a:t>
+            </a:r>
+            <a:r>
+              <a:rPr lang="vi-VN"/>
+              <a:t>ư</a:t>
+            </a:r>
+            <a:r>
+              <a:rPr lang="en-US"/>
+              <a:t>ợc chỉ định thì các url còn lại sẽ trở về trang gốc.</a:t>
+            </a:r>
+          </a:p>
+        </p:txBody>
+      </p:sp>
+    </p:spTree>
+    <p:extLst>
+      <p:ext uri="{BB962C8B-B14F-4D97-AF65-F5344CB8AC3E}">
+        <p14:creationId xmlns:p14="http://schemas.microsoft.com/office/powerpoint/2010/main" val="2000501160"/>
+      </p:ext>
+    </p:extLst>
+  </p:cSld>
+  <p:clrMapOvr>
+    <a:masterClrMapping/>
+  </p:clrMapOvr>
+</p:sld>
+</file>
+
+<file path=ppt/slides/slide12.xml><?xml version="1.0" encoding="utf-8"?>
+<p:sld xmlns:a="http://schemas.openxmlformats.org/drawingml/2006/main" xmlns:r="http://schemas.openxmlformats.org/officeDocument/2006/relationships" xmlns:p="http://schemas.openxmlformats.org/presentationml/2006/main">
+  <p:cSld>
+    <p:spTree>
+      <p:nvGrpSpPr>
+        <p:cNvPr id="1" name=""/>
+        <p:cNvGrpSpPr/>
+        <p:nvPr/>
+      </p:nvGrpSpPr>
+      <p:grpSpPr>
+        <a:xfrm>
+          <a:off x="0" y="0"/>
+          <a:ext cx="0" cy="0"/>
+          <a:chOff x="0" y="0"/>
+          <a:chExt cx="0" cy="0"/>
+        </a:xfrm>
+      </p:grpSpPr>
+      <p:sp>
+        <p:nvSpPr>
+          <p:cNvPr id="2" name="Title 1"/>
+          <p:cNvSpPr>
+            <a:spLocks noGrp="1"/>
+          </p:cNvSpPr>
+          <p:nvPr>
+            <p:ph type="title"/>
+          </p:nvPr>
+        </p:nvSpPr>
+        <p:spPr>
+          <a:xfrm>
+            <a:off x="1971675" y="481159"/>
+            <a:ext cx="8398564" cy="533046"/>
+          </a:xfrm>
+        </p:spPr>
+        <p:txBody>
+          <a:bodyPr/>
+          <a:lstStyle/>
+          <a:p>
+            <a:r>
+              <a:rPr lang="en-US"/>
+              <a:t>Javascript</a:t>
+            </a:r>
+          </a:p>
+        </p:txBody>
+      </p:sp>
+      <p:sp>
+        <p:nvSpPr>
+          <p:cNvPr id="3" name="Subtitle 2"/>
+          <p:cNvSpPr>
+            <a:spLocks noGrp="1"/>
+          </p:cNvSpPr>
+          <p:nvPr>
+            <p:ph type="subTitle" idx="1"/>
+          </p:nvPr>
+        </p:nvSpPr>
+        <p:spPr/>
+        <p:txBody>
+          <a:bodyPr>
+            <a:normAutofit lnSpcReduction="10000"/>
+          </a:bodyPr>
+          <a:lstStyle/>
+          <a:p>
+            <a:r>
+              <a:rPr lang="en-US" b="1"/>
+              <a:t>Javascript với AngularJS</a:t>
+            </a:r>
+          </a:p>
+        </p:txBody>
+      </p:sp>
+      <p:sp>
+        <p:nvSpPr>
+          <p:cNvPr id="7" name="TextBox 6">
+            <a:extLst>
+              <a:ext uri="{FF2B5EF4-FFF2-40B4-BE49-F238E27FC236}">
+                <a16:creationId xmlns:a16="http://schemas.microsoft.com/office/drawing/2014/main" id="{C14AE6ED-219C-403E-9E1E-87AA8BCAF535}"/>
+              </a:ext>
+            </a:extLst>
+          </p:cNvPr>
+          <p:cNvSpPr txBox="1"/>
+          <p:nvPr/>
+        </p:nvSpPr>
+        <p:spPr>
+          <a:xfrm>
+            <a:off x="1971675" y="1999896"/>
+            <a:ext cx="9902273" cy="2308324"/>
+          </a:xfrm>
+          <a:prstGeom prst="rect">
+            <a:avLst/>
+          </a:prstGeom>
+          <a:noFill/>
+        </p:spPr>
+        <p:txBody>
+          <a:bodyPr wrap="square" rtlCol="0">
+            <a:spAutoFit/>
+          </a:bodyPr>
+          <a:lstStyle/>
+          <a:p>
+            <a:pPr algn="just"/>
+            <a:r>
+              <a:rPr lang="en-US"/>
+              <a:t>Tạo trang đăng nhập:</a:t>
+            </a:r>
+          </a:p>
+          <a:p>
+            <a:pPr marL="285750" indent="-285750" algn="just">
+              <a:buFont typeface="Arial" panose="020B0604020202020204" pitchFamily="34" charset="0"/>
+              <a:buChar char="•"/>
+            </a:pPr>
+            <a:r>
+              <a:rPr lang="en-US"/>
+              <a:t>Khi nhấn nút Login thì đăng nhập nên đăng nhập sẽ là một controller. </a:t>
+            </a:r>
+          </a:p>
+          <a:p>
+            <a:pPr marL="285750" indent="-285750" algn="just">
+              <a:buFont typeface="Arial" panose="020B0604020202020204" pitchFamily="34" charset="0"/>
+              <a:buChar char="•"/>
+            </a:pPr>
+            <a:r>
+              <a:rPr lang="en-US"/>
+              <a:t>Đặt ng-model = “username” và ng-model = “password” nên khi muốn xem những gì thêm vào từ thẻ input thì sử dụng cú pháp $scope.username và $scope.password. </a:t>
+            </a:r>
+          </a:p>
+          <a:p>
+            <a:pPr marL="285750" indent="-285750" algn="just">
+              <a:buFont typeface="Arial" panose="020B0604020202020204" pitchFamily="34" charset="0"/>
+              <a:buChar char="•"/>
+            </a:pPr>
+            <a:r>
+              <a:rPr lang="en-US"/>
+              <a:t>Nếu đúng với tên đăng nhập và pass thì đi đến url chỉ định. Sai thì thông báo lỗi.</a:t>
+            </a:r>
+          </a:p>
+          <a:p>
+            <a:pPr marL="285750" indent="-285750" algn="just">
+              <a:buFont typeface="Arial" panose="020B0604020202020204" pitchFamily="34" charset="0"/>
+              <a:buChar char="•"/>
+            </a:pPr>
+            <a:endParaRPr lang="en-US"/>
+          </a:p>
+          <a:p>
+            <a:pPr algn="just"/>
+            <a:endParaRPr lang="en-US"/>
+          </a:p>
+          <a:p>
+            <a:pPr algn="just"/>
+            <a:endParaRPr lang="en-US"/>
+          </a:p>
+        </p:txBody>
+      </p:sp>
+      <p:pic>
+        <p:nvPicPr>
+          <p:cNvPr id="8" name="Picture 7" descr="A screenshot of a computer screen&#10;&#10;Description automatically generated">
+            <a:extLst>
+              <a:ext uri="{FF2B5EF4-FFF2-40B4-BE49-F238E27FC236}">
+                <a16:creationId xmlns:a16="http://schemas.microsoft.com/office/drawing/2014/main" id="{05B5D754-6AD2-4490-8811-22501FBD9D4E}"/>
+              </a:ext>
+            </a:extLst>
+          </p:cNvPr>
+          <p:cNvPicPr>
+            <a:picLocks noChangeAspect="1"/>
+          </p:cNvPicPr>
+          <p:nvPr/>
+        </p:nvPicPr>
+        <p:blipFill rotWithShape="1">
+          <a:blip r:embed="rId2">
+            <a:extLst>
+              <a:ext uri="{28A0092B-C50C-407E-A947-70E740481C1C}">
+                <a14:useLocalDpi xmlns:a14="http://schemas.microsoft.com/office/drawing/2010/main" val="0"/>
+              </a:ext>
+            </a:extLst>
+          </a:blip>
+          <a:srcRect l="18781" t="33035" r="33369" b="40865"/>
+          <a:stretch/>
+        </p:blipFill>
+        <p:spPr>
+          <a:xfrm>
+            <a:off x="1971675" y="3731437"/>
+            <a:ext cx="7238038" cy="2219657"/>
+          </a:xfrm>
+          <a:prstGeom prst="rect">
+            <a:avLst/>
+          </a:prstGeom>
+        </p:spPr>
+      </p:pic>
+    </p:spTree>
+    <p:extLst>
+      <p:ext uri="{BB962C8B-B14F-4D97-AF65-F5344CB8AC3E}">
+        <p14:creationId xmlns:p14="http://schemas.microsoft.com/office/powerpoint/2010/main" val="911873186"/>
+      </p:ext>
+    </p:extLst>
+  </p:cSld>
+  <p:clrMapOvr>
+    <a:masterClrMapping/>
+  </p:clrMapOvr>
+</p:sld>
+</file>
+
+<file path=ppt/slides/slide13.xml><?xml version="1.0" encoding="utf-8"?>
+<p:sld xmlns:a="http://schemas.openxmlformats.org/drawingml/2006/main" xmlns:r="http://schemas.openxmlformats.org/officeDocument/2006/relationships" xmlns:p="http://schemas.openxmlformats.org/presentationml/2006/main">
+  <p:cSld>
+    <p:spTree>
+      <p:nvGrpSpPr>
+        <p:cNvPr id="1" name=""/>
+        <p:cNvGrpSpPr/>
+        <p:nvPr/>
+      </p:nvGrpSpPr>
+      <p:grpSpPr>
+        <a:xfrm>
+          <a:off x="0" y="0"/>
+          <a:ext cx="0" cy="0"/>
+          <a:chOff x="0" y="0"/>
+          <a:chExt cx="0" cy="0"/>
+        </a:xfrm>
+      </p:grpSpPr>
+      <p:sp>
+        <p:nvSpPr>
+          <p:cNvPr id="2" name="Title 1"/>
+          <p:cNvSpPr>
+            <a:spLocks noGrp="1"/>
+          </p:cNvSpPr>
+          <p:nvPr>
+            <p:ph type="title"/>
+          </p:nvPr>
+        </p:nvSpPr>
+        <p:spPr>
+          <a:xfrm>
+            <a:off x="1971675" y="481159"/>
+            <a:ext cx="8398564" cy="533046"/>
+          </a:xfrm>
+        </p:spPr>
+        <p:txBody>
+          <a:bodyPr/>
+          <a:lstStyle/>
+          <a:p>
+            <a:r>
+              <a:rPr lang="en-US"/>
+              <a:t>Javascript</a:t>
+            </a:r>
+          </a:p>
+        </p:txBody>
+      </p:sp>
+      <p:sp>
+        <p:nvSpPr>
+          <p:cNvPr id="3" name="Subtitle 2"/>
+          <p:cNvSpPr>
+            <a:spLocks noGrp="1"/>
+          </p:cNvSpPr>
+          <p:nvPr>
+            <p:ph type="subTitle" idx="1"/>
+          </p:nvPr>
+        </p:nvSpPr>
+        <p:spPr/>
+        <p:txBody>
+          <a:bodyPr>
+            <a:normAutofit lnSpcReduction="10000"/>
+          </a:bodyPr>
+          <a:lstStyle/>
+          <a:p>
+            <a:r>
+              <a:rPr lang="en-US" b="1"/>
+              <a:t>Javascript với AngularJS</a:t>
+            </a:r>
+          </a:p>
+        </p:txBody>
+      </p:sp>
+      <p:sp>
+        <p:nvSpPr>
+          <p:cNvPr id="7" name="TextBox 6">
+            <a:extLst>
+              <a:ext uri="{FF2B5EF4-FFF2-40B4-BE49-F238E27FC236}">
+                <a16:creationId xmlns:a16="http://schemas.microsoft.com/office/drawing/2014/main" id="{C14AE6ED-219C-403E-9E1E-87AA8BCAF535}"/>
+              </a:ext>
+            </a:extLst>
+          </p:cNvPr>
+          <p:cNvSpPr txBox="1"/>
+          <p:nvPr/>
+        </p:nvSpPr>
+        <p:spPr>
+          <a:xfrm>
             <a:off x="1871248" y="1706120"/>
             <a:ext cx="9234074" cy="2308324"/>
           </a:xfrm>
@@ -4092,7 +4473,7 @@
 </p:sld>
 </file>
 
-<file path=ppt/slides/slide12.xml><?xml version="1.0" encoding="utf-8"?>
+<file path=ppt/slides/slide14.xml><?xml version="1.0" encoding="utf-8"?>
 <p:sld xmlns:a="http://schemas.openxmlformats.org/drawingml/2006/main" xmlns:r="http://schemas.openxmlformats.org/officeDocument/2006/relationships" xmlns:p="http://schemas.openxmlformats.org/presentationml/2006/main">
   <p:cSld>
     <p:spTree>
@@ -4344,7 +4725,7 @@
 </p:sld>
 </file>
 
-<file path=ppt/slides/slide13.xml><?xml version="1.0" encoding="utf-8"?>
+<file path=ppt/slides/slide15.xml><?xml version="1.0" encoding="utf-8"?>
 <p:sld xmlns:a="http://schemas.openxmlformats.org/drawingml/2006/main" xmlns:r="http://schemas.openxmlformats.org/officeDocument/2006/relationships" xmlns:p="http://schemas.openxmlformats.org/presentationml/2006/main">
   <p:cSld>
     <p:spTree>
@@ -4444,7 +4825,7 @@
 </p:sld>
 </file>
 
-<file path=ppt/slides/slide14.xml><?xml version="1.0" encoding="utf-8"?>
+<file path=ppt/slides/slide16.xml><?xml version="1.0" encoding="utf-8"?>
 <p:sld xmlns:a="http://schemas.openxmlformats.org/drawingml/2006/main" xmlns:r="http://schemas.openxmlformats.org/officeDocument/2006/relationships" xmlns:p="http://schemas.openxmlformats.org/presentationml/2006/main">
   <p:cSld>
     <p:spTree>
@@ -5949,12 +6330,7 @@
             <p:ph type="title"/>
           </p:nvPr>
         </p:nvSpPr>
-        <p:spPr>
-          <a:xfrm>
-            <a:off x="1971675" y="481159"/>
-            <a:ext cx="8398564" cy="533046"/>
-          </a:xfrm>
-        </p:spPr>
+        <p:spPr/>
         <p:txBody>
           <a:bodyPr/>
           <a:lstStyle/>
@@ -5985,17 +6361,60 @@
           <a:p>
             <a:r>
               <a:rPr lang="en-US" b="1"/>
-              <a:t>Javascript với AngularJS</a:t>
-            </a:r>
-          </a:p>
-        </p:txBody>
-      </p:sp>
-      <p:sp>
-        <p:nvSpPr>
-          <p:cNvPr id="7" name="TextBox 6">
+              <a:t>C</a:t>
+            </a:r>
+            <a:r>
+              <a:rPr lang="vi-VN" b="1"/>
+              <a:t>ơ</a:t>
+            </a:r>
+            <a:r>
+              <a:rPr lang="en-US" b="1"/>
+              <a:t> bản</a:t>
+            </a:r>
+          </a:p>
+        </p:txBody>
+      </p:sp>
+      <p:pic>
+        <p:nvPicPr>
+          <p:cNvPr id="5" name="Picture 4" descr="A screenshot of a computer screen&#10;&#10;Description automatically generated">
             <a:extLst>
               <a:ext uri="{FF2B5EF4-FFF2-40B4-BE49-F238E27FC236}">
-                <a16:creationId xmlns:a16="http://schemas.microsoft.com/office/drawing/2014/main" id="{C14AE6ED-219C-403E-9E1E-87AA8BCAF535}"/>
+                <a16:creationId xmlns:a16="http://schemas.microsoft.com/office/drawing/2014/main" id="{329C71D9-B45D-4AC6-8CEF-E35B75B53095}"/>
+              </a:ext>
+            </a:extLst>
+          </p:cNvPr>
+          <p:cNvPicPr>
+            <a:picLocks noChangeAspect="1"/>
+          </p:cNvPicPr>
+          <p:nvPr/>
+        </p:nvPicPr>
+        <p:blipFill rotWithShape="1">
+          <a:blip r:embed="rId2">
+            <a:extLst>
+              <a:ext uri="{28A0092B-C50C-407E-A947-70E740481C1C}">
+                <a14:useLocalDpi xmlns:a14="http://schemas.microsoft.com/office/drawing/2010/main" val="0"/>
+              </a:ext>
+            </a:extLst>
+          </a:blip>
+          <a:srcRect l="16172" r="53008" b="64382"/>
+          <a:stretch/>
+        </p:blipFill>
+        <p:spPr>
+          <a:xfrm>
+            <a:off x="1971675" y="1866306"/>
+            <a:ext cx="4124325" cy="2278854"/>
+          </a:xfrm>
+          <a:prstGeom prst="rect">
+            <a:avLst/>
+          </a:prstGeom>
+        </p:spPr>
+      </p:pic>
+      <p:sp>
+        <p:nvSpPr>
+          <p:cNvPr id="6" name="TextBox 5">
+            <a:extLst>
+              <a:ext uri="{FF2B5EF4-FFF2-40B4-BE49-F238E27FC236}">
+                <a16:creationId xmlns:a16="http://schemas.microsoft.com/office/drawing/2014/main" id="{7B488663-7D04-4236-8DFC-2E992F702DF8}"/>
               </a:ext>
             </a:extLst>
           </p:cNvPr>
@@ -6004,8 +6423,8 @@
         </p:nvSpPr>
         <p:spPr>
           <a:xfrm>
-            <a:off x="1971675" y="1999896"/>
-            <a:ext cx="9902273" cy="2862322"/>
+            <a:off x="6096000" y="1789512"/>
+            <a:ext cx="5257799" cy="923330"/>
           </a:xfrm>
           <a:prstGeom prst="rect">
             <a:avLst/>
@@ -6018,88 +6437,41 @@
           </a:bodyPr>
           <a:lstStyle/>
           <a:p>
-            <a:pPr algn="just"/>
-            <a:r>
-              <a:rPr lang="en-US"/>
-              <a:t>Tạo module: var tên_application = angular.module(“tên_application ”, []);</a:t>
-            </a:r>
-          </a:p>
-          <a:p>
-            <a:pPr algn="just"/>
-            <a:r>
-              <a:rPr lang="en-US"/>
-              <a:t>Tạo controller: tên_application.controller(“tên_controller”, function($scope,…){});</a:t>
-            </a:r>
-          </a:p>
-          <a:p>
-            <a:pPr algn="just"/>
-            <a:r>
-              <a:rPr lang="en-US"/>
-              <a:t>Tạo chức năng cho hàm trong ng-click: $scope.tên_hàm = function(){};</a:t>
-            </a:r>
-          </a:p>
-          <a:p>
-            <a:pPr algn="just"/>
-            <a:r>
-              <a:rPr lang="en-US"/>
-              <a:t>Thêm file js: &lt;script language = “javascript” src = “/path of js”&gt;&lt;/script&gt;</a:t>
-            </a:r>
-          </a:p>
-          <a:p>
-            <a:pPr algn="just"/>
-            <a:r>
-              <a:rPr lang="en-US"/>
-              <a:t>Chuyển trang: </a:t>
-            </a:r>
-          </a:p>
-          <a:p>
-            <a:pPr marL="285750" indent="-285750" algn="just">
+            <a:pPr marL="285750" indent="-285750">
               <a:buFont typeface="Arial" panose="020B0604020202020204" pitchFamily="34" charset="0"/>
               <a:buChar char="•"/>
             </a:pPr>
             <a:r>
               <a:rPr lang="en-US"/>
-              <a:t>Tr</a:t>
-            </a:r>
-            <a:r>
-              <a:rPr lang="vi-VN"/>
-              <a:t>ư</a:t>
-            </a:r>
-            <a:r>
-              <a:rPr lang="en-US"/>
-              <a:t>ớc khi lập trình trong javascript thì cần thêm </a:t>
-            </a:r>
-            <a:r>
-              <a:rPr lang="en-US">
-                <a:hlinkClick r:id="rId2"/>
-              </a:rPr>
-              <a:t>https://code.angularjs.org/1.8.0/angular-route.js</a:t>
-            </a:r>
-            <a:r>
-              <a:rPr lang="en-US"/>
-              <a:t> vào src trong thẻ script. </a:t>
-            </a:r>
-          </a:p>
-          <a:p>
-            <a:pPr algn="just"/>
-            <a:endParaRPr lang="en-US"/>
-          </a:p>
-          <a:p>
-            <a:pPr algn="just"/>
-            <a:endParaRPr lang="en-US"/>
-          </a:p>
-          <a:p>
-            <a:pPr algn="just"/>
-            <a:endParaRPr lang="en-US"/>
+              <a:t>Hiển thị thông tin trên giao diện web: </a:t>
+            </a:r>
+            <a:r>
+              <a:rPr lang="en-US" b="1"/>
+              <a:t>document.write()</a:t>
+            </a:r>
+          </a:p>
+          <a:p>
+            <a:pPr marL="285750" indent="-285750">
+              <a:buFont typeface="Arial" panose="020B0604020202020204" pitchFamily="34" charset="0"/>
+              <a:buChar char="•"/>
+            </a:pPr>
+            <a:r>
+              <a:rPr lang="en-US"/>
+              <a:t>Hiển thị thông tin trên console: </a:t>
+            </a:r>
+            <a:r>
+              <a:rPr lang="en-US" b="1"/>
+              <a:t>console.log()</a:t>
+            </a:r>
           </a:p>
         </p:txBody>
       </p:sp>
       <p:pic>
         <p:nvPicPr>
-          <p:cNvPr id="5" name="Picture 4" descr="A screenshot of a computer screen&#10;&#10;Description automatically generated">
+          <p:cNvPr id="9" name="Picture 8" descr="A screenshot of a computer screen&#10;&#10;Description automatically generated">
             <a:extLst>
               <a:ext uri="{FF2B5EF4-FFF2-40B4-BE49-F238E27FC236}">
-                <a16:creationId xmlns:a16="http://schemas.microsoft.com/office/drawing/2014/main" id="{62E70F31-C384-43CC-93DC-940508B81101}"/>
+                <a16:creationId xmlns:a16="http://schemas.microsoft.com/office/drawing/2014/main" id="{582BBDC6-57D1-4200-A8DE-9DF5340A8BD3}"/>
               </a:ext>
             </a:extLst>
           </p:cNvPr>
@@ -6116,13 +6488,13 @@
               </a:ext>
             </a:extLst>
           </a:blip>
-          <a:srcRect t="7394" r="48370" b="52852"/>
+          <a:srcRect l="17174" t="6307" r="53696" b="60448"/>
           <a:stretch/>
         </p:blipFill>
         <p:spPr>
           <a:xfrm>
-            <a:off x="1971675" y="4188538"/>
-            <a:ext cx="5575031" cy="2413451"/>
+            <a:off x="1971675" y="4267307"/>
+            <a:ext cx="3551583" cy="2278854"/>
           </a:xfrm>
           <a:prstGeom prst="rect">
             <a:avLst/>
@@ -6131,10 +6503,10 @@
       </p:pic>
       <p:sp>
         <p:nvSpPr>
-          <p:cNvPr id="6" name="TextBox 5">
+          <p:cNvPr id="11" name="TextBox 10">
             <a:extLst>
               <a:ext uri="{FF2B5EF4-FFF2-40B4-BE49-F238E27FC236}">
-                <a16:creationId xmlns:a16="http://schemas.microsoft.com/office/drawing/2014/main" id="{5DB27AED-DCF7-437A-9177-111E00E2C1EF}"/>
+                <a16:creationId xmlns:a16="http://schemas.microsoft.com/office/drawing/2014/main" id="{7482DE62-87B8-48D9-835C-B67219B8E75F}"/>
               </a:ext>
             </a:extLst>
           </p:cNvPr>
@@ -6143,8 +6515,8 @@
         </p:nvSpPr>
         <p:spPr>
           <a:xfrm>
-            <a:off x="7808640" y="4188538"/>
-            <a:ext cx="3803374" cy="2031325"/>
+            <a:off x="6096000" y="4571227"/>
+            <a:ext cx="4522098" cy="923330"/>
           </a:xfrm>
           <a:prstGeom prst="rect">
             <a:avLst/>
@@ -6163,7 +6535,7 @@
             </a:pPr>
             <a:r>
               <a:rPr lang="en-US"/>
-              <a:t>Thêm $routeProvider làm tham số của function.</a:t>
+              <a:t>Khai báo biến có 3 cách: var, let, const.</a:t>
             </a:r>
           </a:p>
           <a:p>
@@ -6173,7 +6545,7 @@
             </a:pPr>
             <a:r>
               <a:rPr lang="en-US"/>
-              <a:t>templateUrl: chuyển đến trang đ</a:t>
+              <a:t>Các toán tử thao tác biến: +, -, *, … nh</a:t>
             </a:r>
             <a:r>
               <a:rPr lang="vi-VN"/>
@@ -6181,25 +6553,7 @@
             </a:r>
             <a:r>
               <a:rPr lang="en-US"/>
-              <a:t>ợc chỉ định,</a:t>
-            </a:r>
-          </a:p>
-          <a:p>
-            <a:pPr marL="285750" indent="-285750">
-              <a:buFont typeface="Arial" panose="020B0604020202020204" pitchFamily="34" charset="0"/>
-              <a:buChar char="•"/>
-            </a:pPr>
-            <a:r>
-              <a:rPr lang="en-US"/>
-              <a:t>Otherwise: ngoài các trang đ</a:t>
-            </a:r>
-            <a:r>
-              <a:rPr lang="vi-VN"/>
-              <a:t>ư</a:t>
-            </a:r>
-            <a:r>
-              <a:rPr lang="en-US"/>
-              <a:t>ợc chỉ định thì các url còn lại sẽ trở về trang gốc.</a:t>
+              <a:t> các ngôn ngữ lập trình khác,</a:t>
             </a:r>
           </a:p>
         </p:txBody>
@@ -6207,7 +6561,7 @@
     </p:spTree>
     <p:extLst>
       <p:ext uri="{BB962C8B-B14F-4D97-AF65-F5344CB8AC3E}">
-        <p14:creationId xmlns:p14="http://schemas.microsoft.com/office/powerpoint/2010/main" val="2000501160"/>
+        <p14:creationId xmlns:p14="http://schemas.microsoft.com/office/powerpoint/2010/main" val="1147684520"/>
       </p:ext>
     </p:extLst>
   </p:cSld>

--- a/FW/Minh/Task4/Task4 - Minh.pptx
+++ b/FW/Minh/Task4/Task4 - Minh.pptx
@@ -5,7 +5,7 @@
     <p:sldMasterId id="2147483648" r:id="rId1"/>
   </p:sldMasterIdLst>
   <p:notesMasterIdLst>
-    <p:notesMasterId r:id="rId18"/>
+    <p:notesMasterId r:id="rId20"/>
   </p:notesMasterIdLst>
   <p:sldIdLst>
     <p:sldId id="256" r:id="rId2"/>
@@ -18,12 +18,14 @@
     <p:sldId id="266" r:id="rId9"/>
     <p:sldId id="272" r:id="rId10"/>
     <p:sldId id="273" r:id="rId11"/>
-    <p:sldId id="267" r:id="rId12"/>
-    <p:sldId id="268" r:id="rId13"/>
-    <p:sldId id="269" r:id="rId14"/>
-    <p:sldId id="270" r:id="rId15"/>
-    <p:sldId id="260" r:id="rId16"/>
-    <p:sldId id="261" r:id="rId17"/>
+    <p:sldId id="274" r:id="rId12"/>
+    <p:sldId id="275" r:id="rId13"/>
+    <p:sldId id="267" r:id="rId14"/>
+    <p:sldId id="268" r:id="rId15"/>
+    <p:sldId id="269" r:id="rId16"/>
+    <p:sldId id="270" r:id="rId17"/>
+    <p:sldId id="260" r:id="rId18"/>
+    <p:sldId id="261" r:id="rId19"/>
   </p:sldIdLst>
   <p:sldSz cx="12192000" cy="6858000"/>
   <p:notesSz cx="6858000" cy="9144000"/>
@@ -223,7 +225,7 @@
           <a:p>
             <a:fld id="{BE921E71-55FB-4F70-BA64-7E87629B9540}" type="datetimeFigureOut">
               <a:rPr lang="en-US" smtClean="0"/>
-              <a:t>8/14/2020</a:t>
+              <a:t>8/15/2020</a:t>
             </a:fld>
             <a:endParaRPr lang="en-US"/>
           </a:p>
@@ -3230,7 +3232,7 @@
           <a:p>
             <a:fld id="{6D9FEF56-C5D4-4D87-B961-211842A8ECEA}" type="datetime1">
               <a:rPr lang="en-US" smtClean="0"/>
-              <a:t>8/14/2020</a:t>
+              <a:t>8/15/2020</a:t>
             </a:fld>
             <a:endParaRPr lang="en-US"/>
           </a:p>
@@ -3726,6 +3728,290 @@
           </a:p>
         </p:txBody>
       </p:sp>
+      <p:pic>
+        <p:nvPicPr>
+          <p:cNvPr id="5" name="Picture 4" descr="A screenshot of a computer screen&#10;&#10;Description automatically generated">
+            <a:extLst>
+              <a:ext uri="{FF2B5EF4-FFF2-40B4-BE49-F238E27FC236}">
+                <a16:creationId xmlns:a16="http://schemas.microsoft.com/office/drawing/2014/main" id="{482BE01B-B997-45D2-B950-BF8BA45A2920}"/>
+              </a:ext>
+            </a:extLst>
+          </p:cNvPr>
+          <p:cNvPicPr>
+            <a:picLocks noChangeAspect="1"/>
+          </p:cNvPicPr>
+          <p:nvPr/>
+        </p:nvPicPr>
+        <p:blipFill rotWithShape="1">
+          <a:blip r:embed="rId2">
+            <a:extLst>
+              <a:ext uri="{28A0092B-C50C-407E-A947-70E740481C1C}">
+                <a14:useLocalDpi xmlns:a14="http://schemas.microsoft.com/office/drawing/2010/main" val="0"/>
+              </a:ext>
+            </a:extLst>
+          </a:blip>
+          <a:srcRect l="16172" t="8736" r="56196" b="55557"/>
+          <a:stretch/>
+        </p:blipFill>
+        <p:spPr>
+          <a:xfrm>
+            <a:off x="1971675" y="1872637"/>
+            <a:ext cx="3819525" cy="2373557"/>
+          </a:xfrm>
+          <a:prstGeom prst="rect">
+            <a:avLst/>
+          </a:prstGeom>
+        </p:spPr>
+      </p:pic>
+      <p:sp>
+        <p:nvSpPr>
+          <p:cNvPr id="6" name="TextBox 5">
+            <a:extLst>
+              <a:ext uri="{FF2B5EF4-FFF2-40B4-BE49-F238E27FC236}">
+                <a16:creationId xmlns:a16="http://schemas.microsoft.com/office/drawing/2014/main" id="{647212F8-38C7-4B5A-BC74-3E8497BC5B1C}"/>
+              </a:ext>
+            </a:extLst>
+          </p:cNvPr>
+          <p:cNvSpPr txBox="1"/>
+          <p:nvPr/>
+        </p:nvSpPr>
+        <p:spPr>
+          <a:xfrm>
+            <a:off x="5791200" y="1872637"/>
+            <a:ext cx="5406886" cy="2031325"/>
+          </a:xfrm>
+          <a:prstGeom prst="rect">
+            <a:avLst/>
+          </a:prstGeom>
+          <a:noFill/>
+        </p:spPr>
+        <p:txBody>
+          <a:bodyPr wrap="square" rtlCol="0">
+            <a:spAutoFit/>
+          </a:bodyPr>
+          <a:lstStyle/>
+          <a:p>
+            <a:r>
+              <a:rPr lang="en-US"/>
+              <a:t>Đối t</a:t>
+            </a:r>
+            <a:r>
+              <a:rPr lang="vi-VN"/>
+              <a:t>ư</a:t>
+            </a:r>
+            <a:r>
+              <a:rPr lang="en-US"/>
+              <a:t>ợng: </a:t>
+            </a:r>
+          </a:p>
+          <a:p>
+            <a:pPr marL="285750" indent="-285750">
+              <a:buFont typeface="Arial" panose="020B0604020202020204" pitchFamily="34" charset="0"/>
+              <a:buChar char="•"/>
+            </a:pPr>
+            <a:r>
+              <a:rPr lang="en-US"/>
+              <a:t>Tạo một đối t</a:t>
+            </a:r>
+            <a:r>
+              <a:rPr lang="vi-VN"/>
+              <a:t>ư</a:t>
+            </a:r>
+            <a:r>
+              <a:rPr lang="en-US"/>
+              <a:t>ợng có thuộc tính là name và age, thuộc tính cuối cùng thì không cần dấu “,” ở cuối dòng.</a:t>
+            </a:r>
+          </a:p>
+          <a:p>
+            <a:pPr marL="285750" indent="-285750">
+              <a:buFont typeface="Arial" panose="020B0604020202020204" pitchFamily="34" charset="0"/>
+              <a:buChar char="•"/>
+            </a:pPr>
+            <a:r>
+              <a:rPr lang="en-US"/>
+              <a:t>Giá trị của các thuộc tính đ</a:t>
+            </a:r>
+            <a:r>
+              <a:rPr lang="vi-VN"/>
+              <a:t>ư</a:t>
+            </a:r>
+            <a:r>
+              <a:rPr lang="en-US"/>
+              <a:t>ợc gán bởi dấu :</a:t>
+            </a:r>
+          </a:p>
+          <a:p>
+            <a:pPr marL="285750" indent="-285750">
+              <a:buFont typeface="Arial" panose="020B0604020202020204" pitchFamily="34" charset="0"/>
+              <a:buChar char="•"/>
+            </a:pPr>
+            <a:r>
+              <a:rPr lang="en-US"/>
+              <a:t>Truy suất dữ liệu một thuộc tính của đối t</a:t>
+            </a:r>
+            <a:r>
+              <a:rPr lang="vi-VN"/>
+              <a:t>ư</a:t>
+            </a:r>
+            <a:r>
+              <a:rPr lang="en-US"/>
+              <a:t>ợng theo cú pháp </a:t>
+            </a:r>
+            <a:r>
+              <a:rPr lang="en-US" b="1"/>
+              <a:t>tên_đối_t</a:t>
+            </a:r>
+            <a:r>
+              <a:rPr lang="vi-VN" b="1"/>
+              <a:t>ư</a:t>
+            </a:r>
+            <a:r>
+              <a:rPr lang="en-US" b="1"/>
+              <a:t>ợng.tên_thuộc_tính</a:t>
+            </a:r>
+          </a:p>
+        </p:txBody>
+      </p:sp>
+      <p:pic>
+        <p:nvPicPr>
+          <p:cNvPr id="8" name="Picture 7" descr="A screenshot of a computer screen&#10;&#10;Description automatically generated">
+            <a:extLst>
+              <a:ext uri="{FF2B5EF4-FFF2-40B4-BE49-F238E27FC236}">
+                <a16:creationId xmlns:a16="http://schemas.microsoft.com/office/drawing/2014/main" id="{822D78F6-AAD5-4CA5-A319-F616340BD844}"/>
+              </a:ext>
+            </a:extLst>
+          </p:cNvPr>
+          <p:cNvPicPr>
+            <a:picLocks noChangeAspect="1"/>
+          </p:cNvPicPr>
+          <p:nvPr/>
+        </p:nvPicPr>
+        <p:blipFill rotWithShape="1">
+          <a:blip r:embed="rId3">
+            <a:extLst>
+              <a:ext uri="{28A0092B-C50C-407E-A947-70E740481C1C}">
+                <a14:useLocalDpi xmlns:a14="http://schemas.microsoft.com/office/drawing/2010/main" val="0"/>
+              </a:ext>
+            </a:extLst>
+          </a:blip>
+          <a:srcRect l="17392" t="10995" r="47500" b="50000"/>
+          <a:stretch/>
+        </p:blipFill>
+        <p:spPr>
+          <a:xfrm>
+            <a:off x="1971675" y="4396409"/>
+            <a:ext cx="3819525" cy="2143091"/>
+          </a:xfrm>
+          <a:prstGeom prst="rect">
+            <a:avLst/>
+          </a:prstGeom>
+        </p:spPr>
+      </p:pic>
+      <p:sp>
+        <p:nvSpPr>
+          <p:cNvPr id="9" name="TextBox 8">
+            <a:extLst>
+              <a:ext uri="{FF2B5EF4-FFF2-40B4-BE49-F238E27FC236}">
+                <a16:creationId xmlns:a16="http://schemas.microsoft.com/office/drawing/2014/main" id="{347445CA-B089-4CD6-8597-897B1B548337}"/>
+              </a:ext>
+            </a:extLst>
+          </p:cNvPr>
+          <p:cNvSpPr txBox="1"/>
+          <p:nvPr/>
+        </p:nvSpPr>
+        <p:spPr>
+          <a:xfrm>
+            <a:off x="5946912" y="4396409"/>
+            <a:ext cx="5794513" cy="1754326"/>
+          </a:xfrm>
+          <a:prstGeom prst="rect">
+            <a:avLst/>
+          </a:prstGeom>
+          <a:noFill/>
+        </p:spPr>
+        <p:txBody>
+          <a:bodyPr wrap="square" rtlCol="0">
+            <a:spAutoFit/>
+          </a:bodyPr>
+          <a:lstStyle/>
+          <a:p>
+            <a:r>
+              <a:rPr lang="en-US"/>
+              <a:t>Tạo hàm trong đối t</a:t>
+            </a:r>
+            <a:r>
+              <a:rPr lang="vi-VN"/>
+              <a:t>ư</a:t>
+            </a:r>
+            <a:r>
+              <a:rPr lang="en-US"/>
+              <a:t>ợng.</a:t>
+            </a:r>
+          </a:p>
+          <a:p>
+            <a:pPr marL="285750" indent="-285750">
+              <a:buFont typeface="Arial" panose="020B0604020202020204" pitchFamily="34" charset="0"/>
+              <a:buChar char="•"/>
+            </a:pPr>
+            <a:r>
+              <a:rPr lang="en-US"/>
+              <a:t>Đối t</a:t>
+            </a:r>
+            <a:r>
+              <a:rPr lang="vi-VN"/>
+              <a:t>ư</a:t>
+            </a:r>
+            <a:r>
+              <a:rPr lang="en-US"/>
+              <a:t>ợng ob1 có chức năng là nói (speak). Tạo hàm theo cú pháp </a:t>
+            </a:r>
+            <a:r>
+              <a:rPr lang="en-US" b="1"/>
+              <a:t>tên_hàm : function(){}</a:t>
+            </a:r>
+          </a:p>
+          <a:p>
+            <a:pPr marL="285750" indent="-285750">
+              <a:buFont typeface="Arial" panose="020B0604020202020204" pitchFamily="34" charset="0"/>
+              <a:buChar char="•"/>
+            </a:pPr>
+            <a:r>
+              <a:rPr lang="en-US"/>
+              <a:t>Gọi hàm trong đối t</a:t>
+            </a:r>
+            <a:r>
+              <a:rPr lang="vi-VN"/>
+              <a:t>ư</a:t>
+            </a:r>
+            <a:r>
+              <a:rPr lang="en-US"/>
+              <a:t>ợng: </a:t>
+            </a:r>
+            <a:r>
+              <a:rPr lang="en-US" b="1"/>
+              <a:t>tên_đối_t</a:t>
+            </a:r>
+            <a:r>
+              <a:rPr lang="vi-VN" b="1"/>
+              <a:t>ư</a:t>
+            </a:r>
+            <a:r>
+              <a:rPr lang="en-US" b="1"/>
+              <a:t>ợng.tên_hàm();</a:t>
+            </a:r>
+          </a:p>
+          <a:p>
+            <a:pPr marL="285750" indent="-285750">
+              <a:buFont typeface="Arial" panose="020B0604020202020204" pitchFamily="34" charset="0"/>
+              <a:buChar char="•"/>
+            </a:pPr>
+            <a:r>
+              <a:rPr lang="en-US"/>
+              <a:t>Ở đây suất ra thông báo: “Hello Friends” trên giao diện web.</a:t>
+            </a:r>
+          </a:p>
+        </p:txBody>
+      </p:sp>
     </p:spTree>
     <p:extLst>
       <p:ext uri="{BB962C8B-B14F-4D97-AF65-F5344CB8AC3E}">
@@ -3766,12 +4052,7 @@
             <p:ph type="title"/>
           </p:nvPr>
         </p:nvSpPr>
-        <p:spPr>
-          <a:xfrm>
-            <a:off x="1971675" y="481159"/>
-            <a:ext cx="8398564" cy="533046"/>
-          </a:xfrm>
-        </p:spPr>
+        <p:spPr/>
         <p:txBody>
           <a:bodyPr/>
           <a:lstStyle/>
@@ -3802,17 +4083,60 @@
           <a:p>
             <a:r>
               <a:rPr lang="en-US" b="1"/>
-              <a:t>Javascript với AngularJS</a:t>
-            </a:r>
-          </a:p>
-        </p:txBody>
-      </p:sp>
-      <p:sp>
-        <p:nvSpPr>
-          <p:cNvPr id="7" name="TextBox 6">
+              <a:t>C</a:t>
+            </a:r>
+            <a:r>
+              <a:rPr lang="vi-VN" b="1"/>
+              <a:t>ơ</a:t>
+            </a:r>
+            <a:r>
+              <a:rPr lang="en-US" b="1"/>
+              <a:t> bản</a:t>
+            </a:r>
+          </a:p>
+        </p:txBody>
+      </p:sp>
+      <p:pic>
+        <p:nvPicPr>
+          <p:cNvPr id="7" name="Picture 6" descr="A screenshot of a computer screen&#10;&#10;Description automatically generated">
             <a:extLst>
               <a:ext uri="{FF2B5EF4-FFF2-40B4-BE49-F238E27FC236}">
-                <a16:creationId xmlns:a16="http://schemas.microsoft.com/office/drawing/2014/main" id="{C14AE6ED-219C-403E-9E1E-87AA8BCAF535}"/>
+                <a16:creationId xmlns:a16="http://schemas.microsoft.com/office/drawing/2014/main" id="{DE739BA1-8846-4D9D-AF55-E09F8BC3732E}"/>
+              </a:ext>
+            </a:extLst>
+          </p:cNvPr>
+          <p:cNvPicPr>
+            <a:picLocks noChangeAspect="1"/>
+          </p:cNvPicPr>
+          <p:nvPr/>
+        </p:nvPicPr>
+        <p:blipFill rotWithShape="1">
+          <a:blip r:embed="rId2">
+            <a:extLst>
+              <a:ext uri="{28A0092B-C50C-407E-A947-70E740481C1C}">
+                <a14:useLocalDpi xmlns:a14="http://schemas.microsoft.com/office/drawing/2010/main" val="0"/>
+              </a:ext>
+            </a:extLst>
+          </a:blip>
+          <a:srcRect l="16172" t="9981" r="54414" b="54586"/>
+          <a:stretch/>
+        </p:blipFill>
+        <p:spPr>
+          <a:xfrm>
+            <a:off x="1971675" y="1885950"/>
+            <a:ext cx="3586163" cy="2428875"/>
+          </a:xfrm>
+          <a:prstGeom prst="rect">
+            <a:avLst/>
+          </a:prstGeom>
+        </p:spPr>
+      </p:pic>
+      <p:sp>
+        <p:nvSpPr>
+          <p:cNvPr id="10" name="TextBox 9">
+            <a:extLst>
+              <a:ext uri="{FF2B5EF4-FFF2-40B4-BE49-F238E27FC236}">
+                <a16:creationId xmlns:a16="http://schemas.microsoft.com/office/drawing/2014/main" id="{935BE924-1B0D-4C96-800B-FE2507A9EC43}"/>
               </a:ext>
             </a:extLst>
           </p:cNvPr>
@@ -3821,8 +4145,8 @@
         </p:nvSpPr>
         <p:spPr>
           <a:xfrm>
-            <a:off x="1971675" y="1999896"/>
-            <a:ext cx="9902273" cy="2862322"/>
+            <a:off x="6096000" y="1885950"/>
+            <a:ext cx="5105399" cy="1754326"/>
           </a:xfrm>
           <a:prstGeom prst="rect">
             <a:avLst/>
@@ -3835,48 +4159,45 @@
           </a:bodyPr>
           <a:lstStyle/>
           <a:p>
-            <a:pPr algn="just"/>
-            <a:r>
-              <a:rPr lang="en-US"/>
-              <a:t>Tạo module: var tên_application = angular.module(“tên_application ”, []);</a:t>
-            </a:r>
-          </a:p>
-          <a:p>
-            <a:pPr algn="just"/>
-            <a:r>
-              <a:rPr lang="en-US"/>
-              <a:t>Tạo controller: tên_application.controller(“tên_controller”, function($scope,…){});</a:t>
-            </a:r>
-          </a:p>
-          <a:p>
-            <a:pPr algn="just"/>
-            <a:r>
-              <a:rPr lang="en-US"/>
-              <a:t>Tạo chức năng cho hàm trong ng-click: $scope.tên_hàm = function(){};</a:t>
-            </a:r>
-          </a:p>
-          <a:p>
-            <a:pPr algn="just"/>
-            <a:r>
-              <a:rPr lang="en-US"/>
-              <a:t>Thêm file js: &lt;script language = “javascript” src = “/path of js”&gt;&lt;/script&gt;</a:t>
-            </a:r>
-          </a:p>
-          <a:p>
-            <a:pPr algn="just"/>
-            <a:r>
-              <a:rPr lang="en-US"/>
-              <a:t>Chuyển trang: </a:t>
-            </a:r>
-          </a:p>
-          <a:p>
-            <a:pPr marL="285750" indent="-285750" algn="just">
+            <a:r>
+              <a:rPr lang="en-US"/>
+              <a:t>Mảng:</a:t>
+            </a:r>
+          </a:p>
+          <a:p>
+            <a:pPr marL="285750" indent="-285750">
               <a:buFont typeface="Arial" panose="020B0604020202020204" pitchFamily="34" charset="0"/>
               <a:buChar char="•"/>
             </a:pPr>
             <a:r>
               <a:rPr lang="en-US"/>
-              <a:t>Tr</a:t>
+              <a:t>Trong mảng traiCay có 4 phần tử.</a:t>
+            </a:r>
+          </a:p>
+          <a:p>
+            <a:pPr marL="285750" indent="-285750">
+              <a:buFont typeface="Arial" panose="020B0604020202020204" pitchFamily="34" charset="0"/>
+              <a:buChar char="•"/>
+            </a:pPr>
+            <a:r>
+              <a:rPr lang="en-US"/>
+              <a:t>Cú pháp khai báo: </a:t>
+            </a:r>
+          </a:p>
+          <a:p>
+            <a:r>
+              <a:rPr lang="en-US" b="1"/>
+              <a:t>      var, const tên_mảng = new Array(số phần tử)</a:t>
+            </a:r>
+          </a:p>
+          <a:p>
+            <a:pPr marL="285750" indent="-285750">
+              <a:buFont typeface="Arial" panose="020B0604020202020204" pitchFamily="34" charset="0"/>
+              <a:buChar char="•"/>
+            </a:pPr>
+            <a:r>
+              <a:rPr lang="en-US"/>
+              <a:t>Có thể them giá trị của các phàn tử ngay trong Array() mà không cần gán nh</a:t>
             </a:r>
             <a:r>
               <a:rPr lang="vi-VN"/>
@@ -3884,39 +4205,17 @@
             </a:r>
             <a:r>
               <a:rPr lang="en-US"/>
-              <a:t>ớc khi lập trình trong javascript thì cần thêm </a:t>
-            </a:r>
-            <a:r>
-              <a:rPr lang="en-US">
-                <a:hlinkClick r:id="rId2"/>
-              </a:rPr>
-              <a:t>https://code.angularjs.org/1.8.0/angular-route.js</a:t>
-            </a:r>
-            <a:r>
-              <a:rPr lang="en-US"/>
-              <a:t> vào src trong thẻ script. </a:t>
-            </a:r>
-          </a:p>
-          <a:p>
-            <a:pPr algn="just"/>
-            <a:endParaRPr lang="en-US"/>
-          </a:p>
-          <a:p>
-            <a:pPr algn="just"/>
-            <a:endParaRPr lang="en-US"/>
-          </a:p>
-          <a:p>
-            <a:pPr algn="just"/>
-            <a:endParaRPr lang="en-US"/>
+              <a:t> hình bên.</a:t>
+            </a:r>
           </a:p>
         </p:txBody>
       </p:sp>
       <p:pic>
         <p:nvPicPr>
-          <p:cNvPr id="5" name="Picture 4" descr="A screenshot of a computer screen&#10;&#10;Description automatically generated">
+          <p:cNvPr id="12" name="Picture 11" descr="A screenshot of a computer screen&#10;&#10;Description automatically generated">
             <a:extLst>
               <a:ext uri="{FF2B5EF4-FFF2-40B4-BE49-F238E27FC236}">
-                <a16:creationId xmlns:a16="http://schemas.microsoft.com/office/drawing/2014/main" id="{62E70F31-C384-43CC-93DC-940508B81101}"/>
+                <a16:creationId xmlns:a16="http://schemas.microsoft.com/office/drawing/2014/main" id="{655601A3-CA44-48D6-93F6-BFF3CEB7869F}"/>
               </a:ext>
             </a:extLst>
           </p:cNvPr>
@@ -3933,13 +4232,13 @@
               </a:ext>
             </a:extLst>
           </a:blip>
-          <a:srcRect t="7394" r="48370" b="52852"/>
+          <a:srcRect l="16172" t="8735" r="57031" b="54592"/>
           <a:stretch/>
         </p:blipFill>
         <p:spPr>
           <a:xfrm>
-            <a:off x="1971675" y="4188538"/>
-            <a:ext cx="5575031" cy="2413451"/>
+            <a:off x="1971674" y="4344167"/>
+            <a:ext cx="3586162" cy="2513833"/>
           </a:xfrm>
           <a:prstGeom prst="rect">
             <a:avLst/>
@@ -3948,10 +4247,10 @@
       </p:pic>
       <p:sp>
         <p:nvSpPr>
-          <p:cNvPr id="6" name="TextBox 5">
+          <p:cNvPr id="13" name="TextBox 12">
             <a:extLst>
               <a:ext uri="{FF2B5EF4-FFF2-40B4-BE49-F238E27FC236}">
-                <a16:creationId xmlns:a16="http://schemas.microsoft.com/office/drawing/2014/main" id="{5DB27AED-DCF7-437A-9177-111E00E2C1EF}"/>
+                <a16:creationId xmlns:a16="http://schemas.microsoft.com/office/drawing/2014/main" id="{3B92E2A4-3A96-4282-954F-D0D988869F2A}"/>
               </a:ext>
             </a:extLst>
           </p:cNvPr>
@@ -3960,8 +4259,8 @@
         </p:nvSpPr>
         <p:spPr>
           <a:xfrm>
-            <a:off x="7808640" y="4188538"/>
-            <a:ext cx="3803374" cy="2031325"/>
+            <a:off x="6255024" y="4566616"/>
+            <a:ext cx="3586162" cy="923330"/>
           </a:xfrm>
           <a:prstGeom prst="rect">
             <a:avLst/>
@@ -3974,49 +4273,19 @@
           </a:bodyPr>
           <a:lstStyle/>
           <a:p>
+            <a:r>
+              <a:rPr lang="en-US"/>
+              <a:t>If – else:</a:t>
+            </a:r>
+          </a:p>
+          <a:p>
             <a:pPr marL="285750" indent="-285750">
               <a:buFont typeface="Arial" panose="020B0604020202020204" pitchFamily="34" charset="0"/>
               <a:buChar char="•"/>
             </a:pPr>
             <a:r>
               <a:rPr lang="en-US"/>
-              <a:t>Thêm $routeProvider làm tham số của function.</a:t>
-            </a:r>
-          </a:p>
-          <a:p>
-            <a:pPr marL="285750" indent="-285750">
-              <a:buFont typeface="Arial" panose="020B0604020202020204" pitchFamily="34" charset="0"/>
-              <a:buChar char="•"/>
-            </a:pPr>
-            <a:r>
-              <a:rPr lang="en-US"/>
-              <a:t>templateUrl: chuyển đến trang đ</a:t>
-            </a:r>
-            <a:r>
-              <a:rPr lang="vi-VN"/>
-              <a:t>ư</a:t>
-            </a:r>
-            <a:r>
-              <a:rPr lang="en-US"/>
-              <a:t>ợc chỉ định,</a:t>
-            </a:r>
-          </a:p>
-          <a:p>
-            <a:pPr marL="285750" indent="-285750">
-              <a:buFont typeface="Arial" panose="020B0604020202020204" pitchFamily="34" charset="0"/>
-              <a:buChar char="•"/>
-            </a:pPr>
-            <a:r>
-              <a:rPr lang="en-US"/>
-              <a:t>Otherwise: ngoài các trang đ</a:t>
-            </a:r>
-            <a:r>
-              <a:rPr lang="vi-VN"/>
-              <a:t>ư</a:t>
-            </a:r>
-            <a:r>
-              <a:rPr lang="en-US"/>
-              <a:t>ợc chỉ định thì các url còn lại sẽ trở về trang gốc.</a:t>
+              <a:t>Thực hiện giống if – else trong C/C++.</a:t>
             </a:r>
           </a:p>
         </p:txBody>
@@ -4024,7 +4293,7 @@
     </p:spTree>
     <p:extLst>
       <p:ext uri="{BB962C8B-B14F-4D97-AF65-F5344CB8AC3E}">
-        <p14:creationId xmlns:p14="http://schemas.microsoft.com/office/powerpoint/2010/main" val="2000501160"/>
+        <p14:creationId xmlns:p14="http://schemas.microsoft.com/office/powerpoint/2010/main" val="4272918238"/>
       </p:ext>
     </p:extLst>
   </p:cSld>
@@ -4061,12 +4330,7 @@
             <p:ph type="title"/>
           </p:nvPr>
         </p:nvSpPr>
-        <p:spPr>
-          <a:xfrm>
-            <a:off x="1971675" y="481159"/>
-            <a:ext cx="8398564" cy="533046"/>
-          </a:xfrm>
-        </p:spPr>
+        <p:spPr/>
         <p:txBody>
           <a:bodyPr/>
           <a:lstStyle/>
@@ -4097,98 +4361,25 @@
           <a:p>
             <a:r>
               <a:rPr lang="en-US" b="1"/>
-              <a:t>Javascript với AngularJS</a:t>
-            </a:r>
-          </a:p>
-        </p:txBody>
-      </p:sp>
-      <p:sp>
-        <p:nvSpPr>
-          <p:cNvPr id="7" name="TextBox 6">
+              <a:t>C</a:t>
+            </a:r>
+            <a:r>
+              <a:rPr lang="vi-VN" b="1"/>
+              <a:t>ơ</a:t>
+            </a:r>
+            <a:r>
+              <a:rPr lang="en-US" b="1"/>
+              <a:t> bản</a:t>
+            </a:r>
+          </a:p>
+        </p:txBody>
+      </p:sp>
+      <p:pic>
+        <p:nvPicPr>
+          <p:cNvPr id="5" name="Picture 4" descr="A screenshot of a computer screen&#10;&#10;Description automatically generated">
             <a:extLst>
               <a:ext uri="{FF2B5EF4-FFF2-40B4-BE49-F238E27FC236}">
-                <a16:creationId xmlns:a16="http://schemas.microsoft.com/office/drawing/2014/main" id="{C14AE6ED-219C-403E-9E1E-87AA8BCAF535}"/>
-              </a:ext>
-            </a:extLst>
-          </p:cNvPr>
-          <p:cNvSpPr txBox="1"/>
-          <p:nvPr/>
-        </p:nvSpPr>
-        <p:spPr>
-          <a:xfrm>
-            <a:off x="1971675" y="1999896"/>
-            <a:ext cx="9902273" cy="2308324"/>
-          </a:xfrm>
-          <a:prstGeom prst="rect">
-            <a:avLst/>
-          </a:prstGeom>
-          <a:noFill/>
-        </p:spPr>
-        <p:txBody>
-          <a:bodyPr wrap="square" rtlCol="0">
-            <a:spAutoFit/>
-          </a:bodyPr>
-          <a:lstStyle/>
-          <a:p>
-            <a:pPr algn="just"/>
-            <a:r>
-              <a:rPr lang="en-US"/>
-              <a:t>Tạo trang đăng nhập:</a:t>
-            </a:r>
-          </a:p>
-          <a:p>
-            <a:pPr marL="285750" indent="-285750" algn="just">
-              <a:buFont typeface="Arial" panose="020B0604020202020204" pitchFamily="34" charset="0"/>
-              <a:buChar char="•"/>
-            </a:pPr>
-            <a:r>
-              <a:rPr lang="en-US"/>
-              <a:t>Khi nhấn nút Login thì đăng nhập nên đăng nhập sẽ là một controller. </a:t>
-            </a:r>
-          </a:p>
-          <a:p>
-            <a:pPr marL="285750" indent="-285750" algn="just">
-              <a:buFont typeface="Arial" panose="020B0604020202020204" pitchFamily="34" charset="0"/>
-              <a:buChar char="•"/>
-            </a:pPr>
-            <a:r>
-              <a:rPr lang="en-US"/>
-              <a:t>Đặt ng-model = “username” và ng-model = “password” nên khi muốn xem những gì thêm vào từ thẻ input thì sử dụng cú pháp $scope.username và $scope.password. </a:t>
-            </a:r>
-          </a:p>
-          <a:p>
-            <a:pPr marL="285750" indent="-285750" algn="just">
-              <a:buFont typeface="Arial" panose="020B0604020202020204" pitchFamily="34" charset="0"/>
-              <a:buChar char="•"/>
-            </a:pPr>
-            <a:r>
-              <a:rPr lang="en-US"/>
-              <a:t>Nếu đúng với tên đăng nhập và pass thì đi đến url chỉ định. Sai thì thông báo lỗi.</a:t>
-            </a:r>
-          </a:p>
-          <a:p>
-            <a:pPr marL="285750" indent="-285750" algn="just">
-              <a:buFont typeface="Arial" panose="020B0604020202020204" pitchFamily="34" charset="0"/>
-              <a:buChar char="•"/>
-            </a:pPr>
-            <a:endParaRPr lang="en-US"/>
-          </a:p>
-          <a:p>
-            <a:pPr algn="just"/>
-            <a:endParaRPr lang="en-US"/>
-          </a:p>
-          <a:p>
-            <a:pPr algn="just"/>
-            <a:endParaRPr lang="en-US"/>
-          </a:p>
-        </p:txBody>
-      </p:sp>
-      <p:pic>
-        <p:nvPicPr>
-          <p:cNvPr id="8" name="Picture 7" descr="A screenshot of a computer screen&#10;&#10;Description automatically generated">
-            <a:extLst>
-              <a:ext uri="{FF2B5EF4-FFF2-40B4-BE49-F238E27FC236}">
-                <a16:creationId xmlns:a16="http://schemas.microsoft.com/office/drawing/2014/main" id="{05B5D754-6AD2-4490-8811-22501FBD9D4E}"/>
+                <a16:creationId xmlns:a16="http://schemas.microsoft.com/office/drawing/2014/main" id="{9C3ACEF1-83A3-4926-A8BC-19E7076ACEF9}"/>
               </a:ext>
             </a:extLst>
           </p:cNvPr>
@@ -4205,23 +4396,78 @@
               </a:ext>
             </a:extLst>
           </a:blip>
-          <a:srcRect l="18781" t="33035" r="33369" b="40865"/>
+          <a:srcRect l="17969" t="8734" r="55234" b="33326"/>
           <a:stretch/>
         </p:blipFill>
         <p:spPr>
           <a:xfrm>
-            <a:off x="1971675" y="3731437"/>
-            <a:ext cx="7238038" cy="2219657"/>
+            <a:off x="1971675" y="1999896"/>
+            <a:ext cx="3267075" cy="3971571"/>
           </a:xfrm>
           <a:prstGeom prst="rect">
             <a:avLst/>
           </a:prstGeom>
         </p:spPr>
       </p:pic>
+      <p:sp>
+        <p:nvSpPr>
+          <p:cNvPr id="6" name="TextBox 5">
+            <a:extLst>
+              <a:ext uri="{FF2B5EF4-FFF2-40B4-BE49-F238E27FC236}">
+                <a16:creationId xmlns:a16="http://schemas.microsoft.com/office/drawing/2014/main" id="{9FD9DECB-9CB3-476E-9313-7A34E9C84FEF}"/>
+              </a:ext>
+            </a:extLst>
+          </p:cNvPr>
+          <p:cNvSpPr txBox="1"/>
+          <p:nvPr/>
+        </p:nvSpPr>
+        <p:spPr>
+          <a:xfrm>
+            <a:off x="5991226" y="1999896"/>
+            <a:ext cx="4786313" cy="923330"/>
+          </a:xfrm>
+          <a:prstGeom prst="rect">
+            <a:avLst/>
+          </a:prstGeom>
+          <a:noFill/>
+        </p:spPr>
+        <p:txBody>
+          <a:bodyPr wrap="square" rtlCol="0">
+            <a:spAutoFit/>
+          </a:bodyPr>
+          <a:lstStyle/>
+          <a:p>
+            <a:r>
+              <a:rPr lang="en-US"/>
+              <a:t>Tạo menu:</a:t>
+            </a:r>
+          </a:p>
+          <a:p>
+            <a:r>
+              <a:rPr lang="en-US"/>
+              <a:t>Th</a:t>
+            </a:r>
+            <a:r>
+              <a:rPr lang="vi-VN"/>
+              <a:t>ư</a:t>
+            </a:r>
+            <a:r>
+              <a:rPr lang="en-US"/>
+              <a:t>ờng sử dụng switch-case.</a:t>
+            </a:r>
+          </a:p>
+          <a:p>
+            <a:r>
+              <a:rPr lang="en-US"/>
+              <a:t>Cú pháp và cách thực hiện giống với C/C++.</a:t>
+            </a:r>
+          </a:p>
+        </p:txBody>
+      </p:sp>
     </p:spTree>
     <p:extLst>
       <p:ext uri="{BB962C8B-B14F-4D97-AF65-F5344CB8AC3E}">
-        <p14:creationId xmlns:p14="http://schemas.microsoft.com/office/powerpoint/2010/main" val="911873186"/>
+        <p14:creationId xmlns:p14="http://schemas.microsoft.com/office/powerpoint/2010/main" val="3940419090"/>
       </p:ext>
     </p:extLst>
   </p:cSld>
@@ -4313,6 +4559,540 @@
         </p:nvSpPr>
         <p:spPr>
           <a:xfrm>
+            <a:off x="1971675" y="1859339"/>
+            <a:ext cx="9902273" cy="3139321"/>
+          </a:xfrm>
+          <a:prstGeom prst="rect">
+            <a:avLst/>
+          </a:prstGeom>
+          <a:noFill/>
+        </p:spPr>
+        <p:txBody>
+          <a:bodyPr wrap="square" rtlCol="0">
+            <a:spAutoFit/>
+          </a:bodyPr>
+          <a:lstStyle/>
+          <a:p>
+            <a:pPr algn="just"/>
+            <a:r>
+              <a:rPr lang="en-US"/>
+              <a:t>Tạo module: </a:t>
+            </a:r>
+            <a:r>
+              <a:rPr lang="en-US" b="1"/>
+              <a:t>var tên_application = angular.module(“tên_application ”, []);</a:t>
+            </a:r>
+          </a:p>
+          <a:p>
+            <a:pPr algn="just"/>
+            <a:r>
+              <a:rPr lang="en-US"/>
+              <a:t>Tạo controller: </a:t>
+            </a:r>
+            <a:r>
+              <a:rPr lang="en-US" b="1"/>
+              <a:t>tên_application.controller(“tên_controller”, function($scope,…){});</a:t>
+            </a:r>
+          </a:p>
+          <a:p>
+            <a:pPr algn="just"/>
+            <a:r>
+              <a:rPr lang="en-US"/>
+              <a:t>Tạo chức năng cho hàm trong ng-click: </a:t>
+            </a:r>
+            <a:r>
+              <a:rPr lang="en-US" b="1"/>
+              <a:t>$scope.tên_hàm = function(){};</a:t>
+            </a:r>
+          </a:p>
+          <a:p>
+            <a:pPr algn="just"/>
+            <a:r>
+              <a:rPr lang="en-US"/>
+              <a:t>Thêm file js: </a:t>
+            </a:r>
+            <a:r>
+              <a:rPr lang="en-US" b="1"/>
+              <a:t>&lt;script language = “javascript” src = “/path of js”&gt;&lt;/script&gt;</a:t>
+            </a:r>
+          </a:p>
+          <a:p>
+            <a:pPr algn="just"/>
+            <a:r>
+              <a:rPr lang="en-US"/>
+              <a:t>Chuyển trang: </a:t>
+            </a:r>
+          </a:p>
+          <a:p>
+            <a:pPr marL="285750" indent="-285750" algn="just">
+              <a:buFont typeface="Arial" panose="020B0604020202020204" pitchFamily="34" charset="0"/>
+              <a:buChar char="•"/>
+            </a:pPr>
+            <a:r>
+              <a:rPr lang="en-US"/>
+              <a:t>Tr</a:t>
+            </a:r>
+            <a:r>
+              <a:rPr lang="vi-VN"/>
+              <a:t>ư</a:t>
+            </a:r>
+            <a:r>
+              <a:rPr lang="en-US"/>
+              <a:t>ớc khi lập trình chuyển trang (chuyển url khi thực hiện 1 chức năng dung AngularJS) trong javascript thì cần thêm </a:t>
+            </a:r>
+            <a:r>
+              <a:rPr lang="en-US">
+                <a:hlinkClick r:id="rId2"/>
+              </a:rPr>
+              <a:t>https://code.angularjs.org/1.8.0/angular-route.js</a:t>
+            </a:r>
+            <a:r>
+              <a:rPr lang="en-US"/>
+              <a:t> vào src trong thẻ script. (giống với cách cài đặt angular.js) </a:t>
+            </a:r>
+          </a:p>
+          <a:p>
+            <a:pPr algn="just"/>
+            <a:endParaRPr lang="en-US"/>
+          </a:p>
+          <a:p>
+            <a:pPr algn="just"/>
+            <a:endParaRPr lang="en-US"/>
+          </a:p>
+          <a:p>
+            <a:pPr algn="just"/>
+            <a:endParaRPr lang="en-US"/>
+          </a:p>
+        </p:txBody>
+      </p:sp>
+      <p:pic>
+        <p:nvPicPr>
+          <p:cNvPr id="5" name="Picture 4" descr="A screenshot of a computer screen&#10;&#10;Description automatically generated">
+            <a:extLst>
+              <a:ext uri="{FF2B5EF4-FFF2-40B4-BE49-F238E27FC236}">
+                <a16:creationId xmlns:a16="http://schemas.microsoft.com/office/drawing/2014/main" id="{62E70F31-C384-43CC-93DC-940508B81101}"/>
+              </a:ext>
+            </a:extLst>
+          </p:cNvPr>
+          <p:cNvPicPr>
+            <a:picLocks noChangeAspect="1"/>
+          </p:cNvPicPr>
+          <p:nvPr/>
+        </p:nvPicPr>
+        <p:blipFill rotWithShape="1">
+          <a:blip r:embed="rId3">
+            <a:extLst>
+              <a:ext uri="{28A0092B-C50C-407E-A947-70E740481C1C}">
+                <a14:useLocalDpi xmlns:a14="http://schemas.microsoft.com/office/drawing/2010/main" val="0"/>
+              </a:ext>
+            </a:extLst>
+          </a:blip>
+          <a:srcRect t="7394" r="48370" b="52852"/>
+          <a:stretch/>
+        </p:blipFill>
+        <p:spPr>
+          <a:xfrm>
+            <a:off x="1971675" y="4188538"/>
+            <a:ext cx="5575031" cy="2669462"/>
+          </a:xfrm>
+          <a:prstGeom prst="rect">
+            <a:avLst/>
+          </a:prstGeom>
+        </p:spPr>
+      </p:pic>
+      <p:sp>
+        <p:nvSpPr>
+          <p:cNvPr id="6" name="TextBox 5">
+            <a:extLst>
+              <a:ext uri="{FF2B5EF4-FFF2-40B4-BE49-F238E27FC236}">
+                <a16:creationId xmlns:a16="http://schemas.microsoft.com/office/drawing/2014/main" id="{5DB27AED-DCF7-437A-9177-111E00E2C1EF}"/>
+              </a:ext>
+            </a:extLst>
+          </p:cNvPr>
+          <p:cNvSpPr txBox="1"/>
+          <p:nvPr/>
+        </p:nvSpPr>
+        <p:spPr>
+          <a:xfrm>
+            <a:off x="7677673" y="4016666"/>
+            <a:ext cx="4065308" cy="2862322"/>
+          </a:xfrm>
+          <a:prstGeom prst="rect">
+            <a:avLst/>
+          </a:prstGeom>
+          <a:noFill/>
+        </p:spPr>
+        <p:txBody>
+          <a:bodyPr wrap="square" rtlCol="0">
+            <a:spAutoFit/>
+          </a:bodyPr>
+          <a:lstStyle/>
+          <a:p>
+            <a:pPr marL="285750" indent="-285750">
+              <a:buFont typeface="Arial" panose="020B0604020202020204" pitchFamily="34" charset="0"/>
+              <a:buChar char="•"/>
+            </a:pPr>
+            <a:r>
+              <a:rPr lang="en-US"/>
+              <a:t>Thêm $routeProvider làm tham số của function.</a:t>
+            </a:r>
+          </a:p>
+          <a:p>
+            <a:pPr marL="285750" indent="-285750">
+              <a:buFont typeface="Arial" panose="020B0604020202020204" pitchFamily="34" charset="0"/>
+              <a:buChar char="•"/>
+            </a:pPr>
+            <a:r>
+              <a:rPr lang="en-US"/>
+              <a:t>templateUrl: chuyển đến trang đ</a:t>
+            </a:r>
+            <a:r>
+              <a:rPr lang="vi-VN"/>
+              <a:t>ư</a:t>
+            </a:r>
+            <a:r>
+              <a:rPr lang="en-US"/>
+              <a:t>ợc chỉ định. (thông th</a:t>
+            </a:r>
+            <a:r>
+              <a:rPr lang="vi-VN"/>
+              <a:t>ư</a:t>
+            </a:r>
+            <a:r>
+              <a:rPr lang="en-US"/>
+              <a:t>ờng sẽ là 1 file html)</a:t>
+            </a:r>
+          </a:p>
+          <a:p>
+            <a:pPr marL="285750" indent="-285750">
+              <a:buFont typeface="Arial" panose="020B0604020202020204" pitchFamily="34" charset="0"/>
+              <a:buChar char="•"/>
+            </a:pPr>
+            <a:r>
+              <a:rPr lang="en-US"/>
+              <a:t>Template: code file html trực tiếp mà không cần them file nh</a:t>
+            </a:r>
+            <a:r>
+              <a:rPr lang="vi-VN"/>
+              <a:t>ư</a:t>
+            </a:r>
+            <a:r>
+              <a:rPr lang="en-US"/>
+              <a:t> templateUrl.</a:t>
+            </a:r>
+          </a:p>
+          <a:p>
+            <a:pPr marL="285750" indent="-285750">
+              <a:buFont typeface="Arial" panose="020B0604020202020204" pitchFamily="34" charset="0"/>
+              <a:buChar char="•"/>
+            </a:pPr>
+            <a:r>
+              <a:rPr lang="en-US"/>
+              <a:t>Otherwise: ngoài các trang đ</a:t>
+            </a:r>
+            <a:r>
+              <a:rPr lang="vi-VN"/>
+              <a:t>ư</a:t>
+            </a:r>
+            <a:r>
+              <a:rPr lang="en-US"/>
+              <a:t>ợc chỉ định thì các url còn lại sẽ trở về trang gốc.</a:t>
+            </a:r>
+          </a:p>
+        </p:txBody>
+      </p:sp>
+    </p:spTree>
+    <p:extLst>
+      <p:ext uri="{BB962C8B-B14F-4D97-AF65-F5344CB8AC3E}">
+        <p14:creationId xmlns:p14="http://schemas.microsoft.com/office/powerpoint/2010/main" val="2000501160"/>
+      </p:ext>
+    </p:extLst>
+  </p:cSld>
+  <p:clrMapOvr>
+    <a:masterClrMapping/>
+  </p:clrMapOvr>
+</p:sld>
+</file>
+
+<file path=ppt/slides/slide14.xml><?xml version="1.0" encoding="utf-8"?>
+<p:sld xmlns:a="http://schemas.openxmlformats.org/drawingml/2006/main" xmlns:r="http://schemas.openxmlformats.org/officeDocument/2006/relationships" xmlns:p="http://schemas.openxmlformats.org/presentationml/2006/main">
+  <p:cSld>
+    <p:spTree>
+      <p:nvGrpSpPr>
+        <p:cNvPr id="1" name=""/>
+        <p:cNvGrpSpPr/>
+        <p:nvPr/>
+      </p:nvGrpSpPr>
+      <p:grpSpPr>
+        <a:xfrm>
+          <a:off x="0" y="0"/>
+          <a:ext cx="0" cy="0"/>
+          <a:chOff x="0" y="0"/>
+          <a:chExt cx="0" cy="0"/>
+        </a:xfrm>
+      </p:grpSpPr>
+      <p:sp>
+        <p:nvSpPr>
+          <p:cNvPr id="2" name="Title 1"/>
+          <p:cNvSpPr>
+            <a:spLocks noGrp="1"/>
+          </p:cNvSpPr>
+          <p:nvPr>
+            <p:ph type="title"/>
+          </p:nvPr>
+        </p:nvSpPr>
+        <p:spPr>
+          <a:xfrm>
+            <a:off x="1971675" y="481159"/>
+            <a:ext cx="8398564" cy="533046"/>
+          </a:xfrm>
+        </p:spPr>
+        <p:txBody>
+          <a:bodyPr/>
+          <a:lstStyle/>
+          <a:p>
+            <a:r>
+              <a:rPr lang="en-US"/>
+              <a:t>Javascript</a:t>
+            </a:r>
+          </a:p>
+        </p:txBody>
+      </p:sp>
+      <p:sp>
+        <p:nvSpPr>
+          <p:cNvPr id="3" name="Subtitle 2"/>
+          <p:cNvSpPr>
+            <a:spLocks noGrp="1"/>
+          </p:cNvSpPr>
+          <p:nvPr>
+            <p:ph type="subTitle" idx="1"/>
+          </p:nvPr>
+        </p:nvSpPr>
+        <p:spPr/>
+        <p:txBody>
+          <a:bodyPr>
+            <a:normAutofit lnSpcReduction="10000"/>
+          </a:bodyPr>
+          <a:lstStyle/>
+          <a:p>
+            <a:r>
+              <a:rPr lang="en-US" b="1"/>
+              <a:t>Javascript với AngularJS</a:t>
+            </a:r>
+          </a:p>
+        </p:txBody>
+      </p:sp>
+      <p:sp>
+        <p:nvSpPr>
+          <p:cNvPr id="7" name="TextBox 6">
+            <a:extLst>
+              <a:ext uri="{FF2B5EF4-FFF2-40B4-BE49-F238E27FC236}">
+                <a16:creationId xmlns:a16="http://schemas.microsoft.com/office/drawing/2014/main" id="{C14AE6ED-219C-403E-9E1E-87AA8BCAF535}"/>
+              </a:ext>
+            </a:extLst>
+          </p:cNvPr>
+          <p:cNvSpPr txBox="1"/>
+          <p:nvPr/>
+        </p:nvSpPr>
+        <p:spPr>
+          <a:xfrm>
+            <a:off x="1971675" y="1999896"/>
+            <a:ext cx="9902273" cy="2308324"/>
+          </a:xfrm>
+          <a:prstGeom prst="rect">
+            <a:avLst/>
+          </a:prstGeom>
+          <a:noFill/>
+        </p:spPr>
+        <p:txBody>
+          <a:bodyPr wrap="square" rtlCol="0">
+            <a:spAutoFit/>
+          </a:bodyPr>
+          <a:lstStyle/>
+          <a:p>
+            <a:pPr algn="just"/>
+            <a:r>
+              <a:rPr lang="en-US"/>
+              <a:t>Tạo trang đăng nhập:</a:t>
+            </a:r>
+          </a:p>
+          <a:p>
+            <a:pPr marL="285750" indent="-285750" algn="just">
+              <a:buFont typeface="Arial" panose="020B0604020202020204" pitchFamily="34" charset="0"/>
+              <a:buChar char="•"/>
+            </a:pPr>
+            <a:r>
+              <a:rPr lang="en-US"/>
+              <a:t>Khi nhấn nút Login thì đăng nhập nên đăng nhập sẽ là một controller. </a:t>
+            </a:r>
+          </a:p>
+          <a:p>
+            <a:pPr marL="285750" indent="-285750" algn="just">
+              <a:buFont typeface="Arial" panose="020B0604020202020204" pitchFamily="34" charset="0"/>
+              <a:buChar char="•"/>
+            </a:pPr>
+            <a:r>
+              <a:rPr lang="en-US"/>
+              <a:t>Đặt ng-model = “username” và ng-model = “password” nên khi muốn xem những gì thêm vào từ thẻ input thì sử dụng cú pháp $scope.username và $scope.password. </a:t>
+            </a:r>
+          </a:p>
+          <a:p>
+            <a:pPr marL="285750" indent="-285750" algn="just">
+              <a:buFont typeface="Arial" panose="020B0604020202020204" pitchFamily="34" charset="0"/>
+              <a:buChar char="•"/>
+            </a:pPr>
+            <a:r>
+              <a:rPr lang="en-US"/>
+              <a:t>Nếu đúng với tên đăng nhập và pass thì đi đến url chỉ định. Sai thì thông báo lỗi.</a:t>
+            </a:r>
+          </a:p>
+          <a:p>
+            <a:pPr marL="285750" indent="-285750" algn="just">
+              <a:buFont typeface="Arial" panose="020B0604020202020204" pitchFamily="34" charset="0"/>
+              <a:buChar char="•"/>
+            </a:pPr>
+            <a:endParaRPr lang="en-US"/>
+          </a:p>
+          <a:p>
+            <a:pPr algn="just"/>
+            <a:endParaRPr lang="en-US"/>
+          </a:p>
+          <a:p>
+            <a:pPr algn="just"/>
+            <a:endParaRPr lang="en-US"/>
+          </a:p>
+        </p:txBody>
+      </p:sp>
+      <p:pic>
+        <p:nvPicPr>
+          <p:cNvPr id="8" name="Picture 7" descr="A screenshot of a computer screen&#10;&#10;Description automatically generated">
+            <a:extLst>
+              <a:ext uri="{FF2B5EF4-FFF2-40B4-BE49-F238E27FC236}">
+                <a16:creationId xmlns:a16="http://schemas.microsoft.com/office/drawing/2014/main" id="{05B5D754-6AD2-4490-8811-22501FBD9D4E}"/>
+              </a:ext>
+            </a:extLst>
+          </p:cNvPr>
+          <p:cNvPicPr>
+            <a:picLocks noChangeAspect="1"/>
+          </p:cNvPicPr>
+          <p:nvPr/>
+        </p:nvPicPr>
+        <p:blipFill rotWithShape="1">
+          <a:blip r:embed="rId2">
+            <a:extLst>
+              <a:ext uri="{28A0092B-C50C-407E-A947-70E740481C1C}">
+                <a14:useLocalDpi xmlns:a14="http://schemas.microsoft.com/office/drawing/2010/main" val="0"/>
+              </a:ext>
+            </a:extLst>
+          </a:blip>
+          <a:srcRect l="18781" t="33035" r="33369" b="40865"/>
+          <a:stretch/>
+        </p:blipFill>
+        <p:spPr>
+          <a:xfrm>
+            <a:off x="1971675" y="3731437"/>
+            <a:ext cx="7238038" cy="2219657"/>
+          </a:xfrm>
+          <a:prstGeom prst="rect">
+            <a:avLst/>
+          </a:prstGeom>
+        </p:spPr>
+      </p:pic>
+    </p:spTree>
+    <p:extLst>
+      <p:ext uri="{BB962C8B-B14F-4D97-AF65-F5344CB8AC3E}">
+        <p14:creationId xmlns:p14="http://schemas.microsoft.com/office/powerpoint/2010/main" val="911873186"/>
+      </p:ext>
+    </p:extLst>
+  </p:cSld>
+  <p:clrMapOvr>
+    <a:masterClrMapping/>
+  </p:clrMapOvr>
+</p:sld>
+</file>
+
+<file path=ppt/slides/slide15.xml><?xml version="1.0" encoding="utf-8"?>
+<p:sld xmlns:a="http://schemas.openxmlformats.org/drawingml/2006/main" xmlns:r="http://schemas.openxmlformats.org/officeDocument/2006/relationships" xmlns:p="http://schemas.openxmlformats.org/presentationml/2006/main">
+  <p:cSld>
+    <p:spTree>
+      <p:nvGrpSpPr>
+        <p:cNvPr id="1" name=""/>
+        <p:cNvGrpSpPr/>
+        <p:nvPr/>
+      </p:nvGrpSpPr>
+      <p:grpSpPr>
+        <a:xfrm>
+          <a:off x="0" y="0"/>
+          <a:ext cx="0" cy="0"/>
+          <a:chOff x="0" y="0"/>
+          <a:chExt cx="0" cy="0"/>
+        </a:xfrm>
+      </p:grpSpPr>
+      <p:sp>
+        <p:nvSpPr>
+          <p:cNvPr id="2" name="Title 1"/>
+          <p:cNvSpPr>
+            <a:spLocks noGrp="1"/>
+          </p:cNvSpPr>
+          <p:nvPr>
+            <p:ph type="title"/>
+          </p:nvPr>
+        </p:nvSpPr>
+        <p:spPr>
+          <a:xfrm>
+            <a:off x="1971675" y="481159"/>
+            <a:ext cx="8398564" cy="533046"/>
+          </a:xfrm>
+        </p:spPr>
+        <p:txBody>
+          <a:bodyPr/>
+          <a:lstStyle/>
+          <a:p>
+            <a:r>
+              <a:rPr lang="en-US"/>
+              <a:t>Javascript</a:t>
+            </a:r>
+          </a:p>
+        </p:txBody>
+      </p:sp>
+      <p:sp>
+        <p:nvSpPr>
+          <p:cNvPr id="3" name="Subtitle 2"/>
+          <p:cNvSpPr>
+            <a:spLocks noGrp="1"/>
+          </p:cNvSpPr>
+          <p:nvPr>
+            <p:ph type="subTitle" idx="1"/>
+          </p:nvPr>
+        </p:nvSpPr>
+        <p:spPr/>
+        <p:txBody>
+          <a:bodyPr>
+            <a:normAutofit lnSpcReduction="10000"/>
+          </a:bodyPr>
+          <a:lstStyle/>
+          <a:p>
+            <a:r>
+              <a:rPr lang="en-US" b="1"/>
+              <a:t>Javascript với AngularJS</a:t>
+            </a:r>
+          </a:p>
+        </p:txBody>
+      </p:sp>
+      <p:sp>
+        <p:nvSpPr>
+          <p:cNvPr id="7" name="TextBox 6">
+            <a:extLst>
+              <a:ext uri="{FF2B5EF4-FFF2-40B4-BE49-F238E27FC236}">
+                <a16:creationId xmlns:a16="http://schemas.microsoft.com/office/drawing/2014/main" id="{C14AE6ED-219C-403E-9E1E-87AA8BCAF535}"/>
+              </a:ext>
+            </a:extLst>
+          </p:cNvPr>
+          <p:cNvSpPr txBox="1"/>
+          <p:nvPr/>
+        </p:nvSpPr>
+        <p:spPr>
+          <a:xfrm>
             <a:off x="1871248" y="1706120"/>
             <a:ext cx="9234074" cy="2308324"/>
           </a:xfrm>
@@ -4473,7 +5253,7 @@
 </p:sld>
 </file>
 
-<file path=ppt/slides/slide14.xml><?xml version="1.0" encoding="utf-8"?>
+<file path=ppt/slides/slide16.xml><?xml version="1.0" encoding="utf-8"?>
 <p:sld xmlns:a="http://schemas.openxmlformats.org/drawingml/2006/main" xmlns:r="http://schemas.openxmlformats.org/officeDocument/2006/relationships" xmlns:p="http://schemas.openxmlformats.org/presentationml/2006/main">
   <p:cSld>
     <p:spTree>
@@ -4725,7 +5505,7 @@
 </p:sld>
 </file>
 
-<file path=ppt/slides/slide15.xml><?xml version="1.0" encoding="utf-8"?>
+<file path=ppt/slides/slide17.xml><?xml version="1.0" encoding="utf-8"?>
 <p:sld xmlns:a="http://schemas.openxmlformats.org/drawingml/2006/main" xmlns:r="http://schemas.openxmlformats.org/officeDocument/2006/relationships" xmlns:p="http://schemas.openxmlformats.org/presentationml/2006/main">
   <p:cSld>
     <p:spTree>
@@ -4825,7 +5605,7 @@
 </p:sld>
 </file>
 
-<file path=ppt/slides/slide16.xml><?xml version="1.0" encoding="utf-8"?>
+<file path=ppt/slides/slide18.xml><?xml version="1.0" encoding="utf-8"?>
 <p:sld xmlns:a="http://schemas.openxmlformats.org/drawingml/2006/main" xmlns:r="http://schemas.openxmlformats.org/officeDocument/2006/relationships" xmlns:p="http://schemas.openxmlformats.org/presentationml/2006/main">
   <p:cSld>
     <p:spTree>
@@ -6424,7 +7204,7 @@
         <p:spPr>
           <a:xfrm>
             <a:off x="6096000" y="1789512"/>
-            <a:ext cx="5257799" cy="923330"/>
+            <a:ext cx="5446643" cy="1200329"/>
           </a:xfrm>
           <a:prstGeom prst="rect">
             <a:avLst/>
@@ -6457,7 +7237,7 @@
             </a:pPr>
             <a:r>
               <a:rPr lang="en-US"/>
-              <a:t>Hiển thị thông tin trên console: </a:t>
+              <a:t>Hiển thị thông tin trên console (dùng cho developer): </a:t>
             </a:r>
             <a:r>
               <a:rPr lang="en-US" b="1"/>

--- a/FW/Minh/Task4/Task4 - Minh.pptx
+++ b/FW/Minh/Task4/Task4 - Minh.pptx
@@ -5,7 +5,7 @@
     <p:sldMasterId id="2147483648" r:id="rId1"/>
   </p:sldMasterIdLst>
   <p:notesMasterIdLst>
-    <p:notesMasterId r:id="rId20"/>
+    <p:notesMasterId r:id="rId21"/>
   </p:notesMasterIdLst>
   <p:sldIdLst>
     <p:sldId id="256" r:id="rId2"/>
@@ -20,12 +20,13 @@
     <p:sldId id="273" r:id="rId11"/>
     <p:sldId id="274" r:id="rId12"/>
     <p:sldId id="275" r:id="rId13"/>
-    <p:sldId id="267" r:id="rId14"/>
-    <p:sldId id="268" r:id="rId15"/>
-    <p:sldId id="269" r:id="rId16"/>
-    <p:sldId id="270" r:id="rId17"/>
-    <p:sldId id="260" r:id="rId18"/>
-    <p:sldId id="261" r:id="rId19"/>
+    <p:sldId id="276" r:id="rId14"/>
+    <p:sldId id="267" r:id="rId15"/>
+    <p:sldId id="268" r:id="rId16"/>
+    <p:sldId id="269" r:id="rId17"/>
+    <p:sldId id="270" r:id="rId18"/>
+    <p:sldId id="260" r:id="rId19"/>
+    <p:sldId id="261" r:id="rId20"/>
   </p:sldIdLst>
   <p:sldSz cx="12192000" cy="6858000"/>
   <p:notesSz cx="6858000" cy="9144000"/>
@@ -225,7 +226,7 @@
           <a:p>
             <a:fld id="{BE921E71-55FB-4F70-BA64-7E87629B9540}" type="datetimeFigureOut">
               <a:rPr lang="en-US" smtClean="0"/>
-              <a:t>8/15/2020</a:t>
+              <a:t>8/17/2020</a:t>
             </a:fld>
             <a:endParaRPr lang="en-US"/>
           </a:p>
@@ -3232,7 +3233,7 @@
           <a:p>
             <a:fld id="{6D9FEF56-C5D4-4D87-B961-211842A8ECEA}" type="datetime1">
               <a:rPr lang="en-US" smtClean="0"/>
-              <a:t>8/15/2020</a:t>
+              <a:t>8/17/2020</a:t>
             </a:fld>
             <a:endParaRPr lang="en-US"/>
           </a:p>
@@ -4504,12 +4505,7 @@
             <p:ph type="title"/>
           </p:nvPr>
         </p:nvSpPr>
-        <p:spPr>
-          <a:xfrm>
-            <a:off x="1971675" y="481159"/>
-            <a:ext cx="8398564" cy="533046"/>
-          </a:xfrm>
-        </p:spPr>
+        <p:spPr/>
         <p:txBody>
           <a:bodyPr/>
           <a:lstStyle/>
@@ -4540,17 +4536,25 @@
           <a:p>
             <a:r>
               <a:rPr lang="en-US" b="1"/>
-              <a:t>Javascript với AngularJS</a:t>
-            </a:r>
-          </a:p>
-        </p:txBody>
-      </p:sp>
-      <p:sp>
-        <p:nvSpPr>
-          <p:cNvPr id="7" name="TextBox 6">
+              <a:t>C</a:t>
+            </a:r>
+            <a:r>
+              <a:rPr lang="vi-VN" b="1"/>
+              <a:t>ơ</a:t>
+            </a:r>
+            <a:r>
+              <a:rPr lang="en-US" b="1"/>
+              <a:t> bản</a:t>
+            </a:r>
+          </a:p>
+        </p:txBody>
+      </p:sp>
+      <p:sp>
+        <p:nvSpPr>
+          <p:cNvPr id="8" name="TextBox 7">
             <a:extLst>
               <a:ext uri="{FF2B5EF4-FFF2-40B4-BE49-F238E27FC236}">
-                <a16:creationId xmlns:a16="http://schemas.microsoft.com/office/drawing/2014/main" id="{C14AE6ED-219C-403E-9E1E-87AA8BCAF535}"/>
+                <a16:creationId xmlns:a16="http://schemas.microsoft.com/office/drawing/2014/main" id="{E36B07D6-AE2E-4D76-9A86-3F3EEAE77DD1}"/>
               </a:ext>
             </a:extLst>
           </p:cNvPr>
@@ -4559,8 +4563,8 @@
         </p:nvSpPr>
         <p:spPr>
           <a:xfrm>
-            <a:off x="1971675" y="1859339"/>
-            <a:ext cx="9902273" cy="3139321"/>
+            <a:off x="6662737" y="1999896"/>
+            <a:ext cx="4181476" cy="2031325"/>
           </a:xfrm>
           <a:prstGeom prst="rect">
             <a:avLst/>
@@ -4573,64 +4577,29 @@
           </a:bodyPr>
           <a:lstStyle/>
           <a:p>
-            <a:pPr algn="just"/>
-            <a:r>
-              <a:rPr lang="en-US"/>
-              <a:t>Tạo module: </a:t>
-            </a:r>
-            <a:r>
-              <a:rPr lang="en-US" b="1"/>
-              <a:t>var tên_application = angular.module(“tên_application ”, []);</a:t>
-            </a:r>
-          </a:p>
-          <a:p>
-            <a:pPr algn="just"/>
-            <a:r>
-              <a:rPr lang="en-US"/>
-              <a:t>Tạo controller: </a:t>
-            </a:r>
-            <a:r>
-              <a:rPr lang="en-US" b="1"/>
-              <a:t>tên_application.controller(“tên_controller”, function($scope,…){});</a:t>
-            </a:r>
-          </a:p>
-          <a:p>
-            <a:pPr algn="just"/>
-            <a:r>
-              <a:rPr lang="en-US"/>
-              <a:t>Tạo chức năng cho hàm trong ng-click: </a:t>
-            </a:r>
-            <a:r>
-              <a:rPr lang="en-US" b="1"/>
-              <a:t>$scope.tên_hàm = function(){};</a:t>
-            </a:r>
-          </a:p>
-          <a:p>
-            <a:pPr algn="just"/>
-            <a:r>
-              <a:rPr lang="en-US"/>
-              <a:t>Thêm file js: </a:t>
-            </a:r>
-            <a:r>
-              <a:rPr lang="en-US" b="1"/>
-              <a:t>&lt;script language = “javascript” src = “/path of js”&gt;&lt;/script&gt;</a:t>
-            </a:r>
-          </a:p>
-          <a:p>
-            <a:pPr algn="just"/>
-            <a:r>
-              <a:rPr lang="en-US"/>
-              <a:t>Chuyển trang: </a:t>
-            </a:r>
-          </a:p>
-          <a:p>
-            <a:pPr marL="285750" indent="-285750" algn="just">
+            <a:r>
+              <a:rPr lang="en-US"/>
+              <a:t>Vòng lặp:</a:t>
+            </a:r>
+          </a:p>
+          <a:p>
+            <a:pPr marL="285750" indent="-285750">
               <a:buFont typeface="Arial" panose="020B0604020202020204" pitchFamily="34" charset="0"/>
               <a:buChar char="•"/>
             </a:pPr>
             <a:r>
               <a:rPr lang="en-US"/>
-              <a:t>Tr</a:t>
+              <a:t>Dùng for (const biến of object]{} đối với mảng, list.</a:t>
+            </a:r>
+          </a:p>
+          <a:p>
+            <a:pPr marL="285750" indent="-285750">
+              <a:buFont typeface="Arial" panose="020B0604020202020204" pitchFamily="34" charset="0"/>
+              <a:buChar char="•"/>
+            </a:pPr>
+            <a:r>
+              <a:rPr lang="en-US"/>
+              <a:t>Ngoài ra còn có cú pháp for nh</a:t>
             </a:r>
             <a:r>
               <a:rPr lang="vi-VN"/>
@@ -4638,39 +4607,62 @@
             </a:r>
             <a:r>
               <a:rPr lang="en-US"/>
-              <a:t>ớc khi lập trình chuyển trang (chuyển url khi thực hiện 1 chức năng dung AngularJS) trong javascript thì cần thêm </a:t>
-            </a:r>
-            <a:r>
-              <a:rPr lang="en-US">
-                <a:hlinkClick r:id="rId2"/>
-              </a:rPr>
-              <a:t>https://code.angularjs.org/1.8.0/angular-route.js</a:t>
-            </a:r>
-            <a:r>
-              <a:rPr lang="en-US"/>
-              <a:t> vào src trong thẻ script. (giống với cách cài đặt angular.js) </a:t>
-            </a:r>
-          </a:p>
-          <a:p>
-            <a:pPr algn="just"/>
+              <a:t> hàng thứ 9.</a:t>
+            </a:r>
+          </a:p>
+          <a:p>
+            <a:pPr marL="285750" indent="-285750">
+              <a:buFont typeface="Arial" panose="020B0604020202020204" pitchFamily="34" charset="0"/>
+              <a:buChar char="•"/>
+            </a:pPr>
             <a:endParaRPr lang="en-US"/>
           </a:p>
           <a:p>
-            <a:pPr algn="just"/>
-            <a:endParaRPr lang="en-US"/>
-          </a:p>
-          <a:p>
-            <a:pPr algn="just"/>
             <a:endParaRPr lang="en-US"/>
           </a:p>
         </p:txBody>
       </p:sp>
       <p:pic>
         <p:nvPicPr>
-          <p:cNvPr id="5" name="Picture 4" descr="A screenshot of a computer screen&#10;&#10;Description automatically generated">
+          <p:cNvPr id="10" name="Picture 9" descr="A screenshot of a computer screen&#10;&#10;Description automatically generated">
             <a:extLst>
               <a:ext uri="{FF2B5EF4-FFF2-40B4-BE49-F238E27FC236}">
-                <a16:creationId xmlns:a16="http://schemas.microsoft.com/office/drawing/2014/main" id="{62E70F31-C384-43CC-93DC-940508B81101}"/>
+                <a16:creationId xmlns:a16="http://schemas.microsoft.com/office/drawing/2014/main" id="{6A6166ED-C9EF-4370-B306-F19E2DD5B822}"/>
+              </a:ext>
+            </a:extLst>
+          </p:cNvPr>
+          <p:cNvPicPr>
+            <a:picLocks noChangeAspect="1"/>
+          </p:cNvPicPr>
+          <p:nvPr/>
+        </p:nvPicPr>
+        <p:blipFill rotWithShape="1">
+          <a:blip r:embed="rId2">
+            <a:extLst>
+              <a:ext uri="{28A0092B-C50C-407E-A947-70E740481C1C}">
+                <a14:useLocalDpi xmlns:a14="http://schemas.microsoft.com/office/drawing/2010/main" val="0"/>
+              </a:ext>
+            </a:extLst>
+          </a:blip>
+          <a:srcRect l="16171" t="5395" r="48907" b="50000"/>
+          <a:stretch/>
+        </p:blipFill>
+        <p:spPr>
+          <a:xfrm>
+            <a:off x="1971675" y="1785583"/>
+            <a:ext cx="4514850" cy="2441916"/>
+          </a:xfrm>
+          <a:prstGeom prst="rect">
+            <a:avLst/>
+          </a:prstGeom>
+        </p:spPr>
+      </p:pic>
+      <p:pic>
+        <p:nvPicPr>
+          <p:cNvPr id="12" name="Picture 11" descr="A screenshot of a computer screen&#10;&#10;Description automatically generated">
+            <a:extLst>
+              <a:ext uri="{FF2B5EF4-FFF2-40B4-BE49-F238E27FC236}">
+                <a16:creationId xmlns:a16="http://schemas.microsoft.com/office/drawing/2014/main" id="{CAA80F17-AA39-464B-B573-8613027E9A3C}"/>
               </a:ext>
             </a:extLst>
           </p:cNvPr>
@@ -4687,13 +4679,13 @@
               </a:ext>
             </a:extLst>
           </a:blip>
-          <a:srcRect t="7394" r="48370" b="52852"/>
+          <a:srcRect l="16172" t="8736" r="52422" b="53542"/>
           <a:stretch/>
         </p:blipFill>
         <p:spPr>
           <a:xfrm>
-            <a:off x="1971675" y="4188538"/>
-            <a:ext cx="5575031" cy="2669462"/>
+            <a:off x="1971675" y="4272315"/>
+            <a:ext cx="3829050" cy="2585685"/>
           </a:xfrm>
           <a:prstGeom prst="rect">
             <a:avLst/>
@@ -4702,10 +4694,10 @@
       </p:pic>
       <p:sp>
         <p:nvSpPr>
-          <p:cNvPr id="6" name="TextBox 5">
+          <p:cNvPr id="13" name="TextBox 12">
             <a:extLst>
               <a:ext uri="{FF2B5EF4-FFF2-40B4-BE49-F238E27FC236}">
-                <a16:creationId xmlns:a16="http://schemas.microsoft.com/office/drawing/2014/main" id="{5DB27AED-DCF7-437A-9177-111E00E2C1EF}"/>
+                <a16:creationId xmlns:a16="http://schemas.microsoft.com/office/drawing/2014/main" id="{9AD11217-D793-46DC-803C-9DA3AC0B9070}"/>
               </a:ext>
             </a:extLst>
           </p:cNvPr>
@@ -4714,8 +4706,8 @@
         </p:nvSpPr>
         <p:spPr>
           <a:xfrm>
-            <a:off x="7677673" y="4016666"/>
-            <a:ext cx="4065308" cy="2862322"/>
+            <a:off x="6662737" y="4286955"/>
+            <a:ext cx="3829050" cy="923330"/>
           </a:xfrm>
           <a:prstGeom prst="rect">
             <a:avLst/>
@@ -4728,75 +4720,19 @@
           </a:bodyPr>
           <a:lstStyle/>
           <a:p>
+            <a:r>
+              <a:rPr lang="en-US"/>
+              <a:t>Hàm.</a:t>
+            </a:r>
+          </a:p>
+          <a:p>
             <a:pPr marL="285750" indent="-285750">
               <a:buFont typeface="Arial" panose="020B0604020202020204" pitchFamily="34" charset="0"/>
               <a:buChar char="•"/>
             </a:pPr>
             <a:r>
               <a:rPr lang="en-US"/>
-              <a:t>Thêm $routeProvider làm tham số của function.</a:t>
-            </a:r>
-          </a:p>
-          <a:p>
-            <a:pPr marL="285750" indent="-285750">
-              <a:buFont typeface="Arial" panose="020B0604020202020204" pitchFamily="34" charset="0"/>
-              <a:buChar char="•"/>
-            </a:pPr>
-            <a:r>
-              <a:rPr lang="en-US"/>
-              <a:t>templateUrl: chuyển đến trang đ</a:t>
-            </a:r>
-            <a:r>
-              <a:rPr lang="vi-VN"/>
-              <a:t>ư</a:t>
-            </a:r>
-            <a:r>
-              <a:rPr lang="en-US"/>
-              <a:t>ợc chỉ định. (thông th</a:t>
-            </a:r>
-            <a:r>
-              <a:rPr lang="vi-VN"/>
-              <a:t>ư</a:t>
-            </a:r>
-            <a:r>
-              <a:rPr lang="en-US"/>
-              <a:t>ờng sẽ là 1 file html)</a:t>
-            </a:r>
-          </a:p>
-          <a:p>
-            <a:pPr marL="285750" indent="-285750">
-              <a:buFont typeface="Arial" panose="020B0604020202020204" pitchFamily="34" charset="0"/>
-              <a:buChar char="•"/>
-            </a:pPr>
-            <a:r>
-              <a:rPr lang="en-US"/>
-              <a:t>Template: code file html trực tiếp mà không cần them file nh</a:t>
-            </a:r>
-            <a:r>
-              <a:rPr lang="vi-VN"/>
-              <a:t>ư</a:t>
-            </a:r>
-            <a:r>
-              <a:rPr lang="en-US"/>
-              <a:t> templateUrl.</a:t>
-            </a:r>
-          </a:p>
-          <a:p>
-            <a:pPr marL="285750" indent="-285750">
-              <a:buFont typeface="Arial" panose="020B0604020202020204" pitchFamily="34" charset="0"/>
-              <a:buChar char="•"/>
-            </a:pPr>
-            <a:r>
-              <a:rPr lang="en-US"/>
-              <a:t>Otherwise: ngoài các trang đ</a:t>
-            </a:r>
-            <a:r>
-              <a:rPr lang="vi-VN"/>
-              <a:t>ư</a:t>
-            </a:r>
-            <a:r>
-              <a:rPr lang="en-US"/>
-              <a:t>ợc chỉ định thì các url còn lại sẽ trở về trang gốc.</a:t>
+              <a:t>Function tên_hàm(đối số){}: dung để tạo hàm.</a:t>
             </a:r>
           </a:p>
         </p:txBody>
@@ -4804,7 +4740,7 @@
     </p:spTree>
     <p:extLst>
       <p:ext uri="{BB962C8B-B14F-4D97-AF65-F5344CB8AC3E}">
-        <p14:creationId xmlns:p14="http://schemas.microsoft.com/office/powerpoint/2010/main" val="2000501160"/>
+        <p14:creationId xmlns:p14="http://schemas.microsoft.com/office/powerpoint/2010/main" val="1717748067"/>
       </p:ext>
     </p:extLst>
   </p:cSld>
@@ -4896,8 +4832,8 @@
         </p:nvSpPr>
         <p:spPr>
           <a:xfrm>
-            <a:off x="1971675" y="1999896"/>
-            <a:ext cx="9902273" cy="2308324"/>
+            <a:off x="1971675" y="1859339"/>
+            <a:ext cx="9902273" cy="3139321"/>
           </a:xfrm>
           <a:prstGeom prst="rect">
             <a:avLst/>
@@ -4913,7 +4849,51 @@
             <a:pPr algn="just"/>
             <a:r>
               <a:rPr lang="en-US"/>
-              <a:t>Tạo trang đăng nhập:</a:t>
+              <a:t>Tạo module: </a:t>
+            </a:r>
+            <a:r>
+              <a:rPr lang="en-US" b="1"/>
+              <a:t>var tên_application = angular.module(“tên_application ”, []);</a:t>
+            </a:r>
+          </a:p>
+          <a:p>
+            <a:pPr algn="just"/>
+            <a:r>
+              <a:rPr lang="en-US"/>
+              <a:t>Tạo controller: </a:t>
+            </a:r>
+            <a:r>
+              <a:rPr lang="en-US" b="1"/>
+              <a:t>tên_application.controller(“tên_controller”, function($scope,…){});</a:t>
+            </a:r>
+          </a:p>
+          <a:p>
+            <a:pPr algn="just"/>
+            <a:r>
+              <a:rPr lang="en-US"/>
+              <a:t>Tạo chức năng cho hàm trong ng-click: </a:t>
+            </a:r>
+            <a:r>
+              <a:rPr lang="en-US" b="1"/>
+              <a:t>$scope.tên_hàm = function(){};</a:t>
+            </a:r>
+          </a:p>
+          <a:p>
+            <a:pPr algn="just"/>
+            <a:r>
+              <a:rPr lang="en-US"/>
+              <a:t>Thêm file js: </a:t>
+            </a:r>
+            <a:r>
+              <a:rPr lang="en-US" b="1"/>
+              <a:t>&lt;script language = “javascript” src = “/path of js”&gt;&lt;/script&gt;</a:t>
+            </a:r>
+          </a:p>
+          <a:p>
+            <a:pPr algn="just"/>
+            <a:r>
+              <a:rPr lang="en-US"/>
+              <a:t>Chuyển trang: </a:t>
             </a:r>
           </a:p>
           <a:p>
@@ -4923,35 +4903,26 @@
             </a:pPr>
             <a:r>
               <a:rPr lang="en-US"/>
-              <a:t>Khi nhấn nút Login thì đăng nhập nên đăng nhập sẽ là một controller. </a:t>
-            </a:r>
-          </a:p>
-          <a:p>
-            <a:pPr marL="285750" indent="-285750" algn="just">
-              <a:buFont typeface="Arial" panose="020B0604020202020204" pitchFamily="34" charset="0"/>
-              <a:buChar char="•"/>
-            </a:pPr>
-            <a:r>
-              <a:rPr lang="en-US"/>
-              <a:t>Đặt ng-model = “username” và ng-model = “password” nên khi muốn xem những gì thêm vào từ thẻ input thì sử dụng cú pháp $scope.username và $scope.password. </a:t>
-            </a:r>
-          </a:p>
-          <a:p>
-            <a:pPr marL="285750" indent="-285750" algn="just">
-              <a:buFont typeface="Arial" panose="020B0604020202020204" pitchFamily="34" charset="0"/>
-              <a:buChar char="•"/>
-            </a:pPr>
-            <a:r>
-              <a:rPr lang="en-US"/>
-              <a:t>Nếu đúng với tên đăng nhập và pass thì đi đến url chỉ định. Sai thì thông báo lỗi.</a:t>
-            </a:r>
-          </a:p>
-          <a:p>
-            <a:pPr marL="285750" indent="-285750" algn="just">
-              <a:buFont typeface="Arial" panose="020B0604020202020204" pitchFamily="34" charset="0"/>
-              <a:buChar char="•"/>
-            </a:pPr>
-            <a:endParaRPr lang="en-US"/>
+              <a:t>Tr</a:t>
+            </a:r>
+            <a:r>
+              <a:rPr lang="vi-VN"/>
+              <a:t>ư</a:t>
+            </a:r>
+            <a:r>
+              <a:rPr lang="en-US"/>
+              <a:t>ớc khi lập trình chuyển trang (chuyển url khi thực hiện 1 chức năng dung AngularJS) trong javascript thì cần thêm </a:t>
+            </a:r>
+            <a:r>
+              <a:rPr lang="en-US">
+                <a:hlinkClick r:id="rId2"/>
+              </a:rPr>
+              <a:t>https://code.angularjs.org/1.8.0/angular-route.js</a:t>
+            </a:r>
+            <a:r>
+              <a:rPr lang="en-US"/>
+              <a:t> vào src trong thẻ script. (giống với cách cài đặt angular.js) </a:t>
+            </a:r>
           </a:p>
           <a:p>
             <a:pPr algn="just"/>
@@ -4961,14 +4932,18 @@
             <a:pPr algn="just"/>
             <a:endParaRPr lang="en-US"/>
           </a:p>
+          <a:p>
+            <a:pPr algn="just"/>
+            <a:endParaRPr lang="en-US"/>
+          </a:p>
         </p:txBody>
       </p:sp>
       <p:pic>
         <p:nvPicPr>
-          <p:cNvPr id="8" name="Picture 7" descr="A screenshot of a computer screen&#10;&#10;Description automatically generated">
+          <p:cNvPr id="5" name="Picture 4" descr="A screenshot of a computer screen&#10;&#10;Description automatically generated">
             <a:extLst>
               <a:ext uri="{FF2B5EF4-FFF2-40B4-BE49-F238E27FC236}">
-                <a16:creationId xmlns:a16="http://schemas.microsoft.com/office/drawing/2014/main" id="{05B5D754-6AD2-4490-8811-22501FBD9D4E}"/>
+                <a16:creationId xmlns:a16="http://schemas.microsoft.com/office/drawing/2014/main" id="{62E70F31-C384-43CC-93DC-940508B81101}"/>
               </a:ext>
             </a:extLst>
           </p:cNvPr>
@@ -4978,30 +4953,131 @@
           <p:nvPr/>
         </p:nvPicPr>
         <p:blipFill rotWithShape="1">
-          <a:blip r:embed="rId2">
+          <a:blip r:embed="rId3">
             <a:extLst>
               <a:ext uri="{28A0092B-C50C-407E-A947-70E740481C1C}">
                 <a14:useLocalDpi xmlns:a14="http://schemas.microsoft.com/office/drawing/2010/main" val="0"/>
               </a:ext>
             </a:extLst>
           </a:blip>
-          <a:srcRect l="18781" t="33035" r="33369" b="40865"/>
+          <a:srcRect t="7394" r="48370" b="52852"/>
           <a:stretch/>
         </p:blipFill>
         <p:spPr>
           <a:xfrm>
-            <a:off x="1971675" y="3731437"/>
-            <a:ext cx="7238038" cy="2219657"/>
+            <a:off x="1971675" y="4188538"/>
+            <a:ext cx="5575031" cy="2669462"/>
           </a:xfrm>
           <a:prstGeom prst="rect">
             <a:avLst/>
           </a:prstGeom>
         </p:spPr>
       </p:pic>
+      <p:sp>
+        <p:nvSpPr>
+          <p:cNvPr id="6" name="TextBox 5">
+            <a:extLst>
+              <a:ext uri="{FF2B5EF4-FFF2-40B4-BE49-F238E27FC236}">
+                <a16:creationId xmlns:a16="http://schemas.microsoft.com/office/drawing/2014/main" id="{5DB27AED-DCF7-437A-9177-111E00E2C1EF}"/>
+              </a:ext>
+            </a:extLst>
+          </p:cNvPr>
+          <p:cNvSpPr txBox="1"/>
+          <p:nvPr/>
+        </p:nvSpPr>
+        <p:spPr>
+          <a:xfrm>
+            <a:off x="7677673" y="4016666"/>
+            <a:ext cx="4065308" cy="2862322"/>
+          </a:xfrm>
+          <a:prstGeom prst="rect">
+            <a:avLst/>
+          </a:prstGeom>
+          <a:noFill/>
+        </p:spPr>
+        <p:txBody>
+          <a:bodyPr wrap="square" rtlCol="0">
+            <a:spAutoFit/>
+          </a:bodyPr>
+          <a:lstStyle/>
+          <a:p>
+            <a:pPr marL="285750" indent="-285750">
+              <a:buFont typeface="Arial" panose="020B0604020202020204" pitchFamily="34" charset="0"/>
+              <a:buChar char="•"/>
+            </a:pPr>
+            <a:r>
+              <a:rPr lang="en-US"/>
+              <a:t>Thêm $routeProvider làm tham số của function.</a:t>
+            </a:r>
+          </a:p>
+          <a:p>
+            <a:pPr marL="285750" indent="-285750">
+              <a:buFont typeface="Arial" panose="020B0604020202020204" pitchFamily="34" charset="0"/>
+              <a:buChar char="•"/>
+            </a:pPr>
+            <a:r>
+              <a:rPr lang="en-US"/>
+              <a:t>templateUrl: chuyển đến trang đ</a:t>
+            </a:r>
+            <a:r>
+              <a:rPr lang="vi-VN"/>
+              <a:t>ư</a:t>
+            </a:r>
+            <a:r>
+              <a:rPr lang="en-US"/>
+              <a:t>ợc chỉ định. (thông th</a:t>
+            </a:r>
+            <a:r>
+              <a:rPr lang="vi-VN"/>
+              <a:t>ư</a:t>
+            </a:r>
+            <a:r>
+              <a:rPr lang="en-US"/>
+              <a:t>ờng sẽ là 1 file html)</a:t>
+            </a:r>
+          </a:p>
+          <a:p>
+            <a:pPr marL="285750" indent="-285750">
+              <a:buFont typeface="Arial" panose="020B0604020202020204" pitchFamily="34" charset="0"/>
+              <a:buChar char="•"/>
+            </a:pPr>
+            <a:r>
+              <a:rPr lang="en-US"/>
+              <a:t>Template: code file html trực tiếp mà không cần them file nh</a:t>
+            </a:r>
+            <a:r>
+              <a:rPr lang="vi-VN"/>
+              <a:t>ư</a:t>
+            </a:r>
+            <a:r>
+              <a:rPr lang="en-US"/>
+              <a:t> templateUrl.</a:t>
+            </a:r>
+          </a:p>
+          <a:p>
+            <a:pPr marL="285750" indent="-285750">
+              <a:buFont typeface="Arial" panose="020B0604020202020204" pitchFamily="34" charset="0"/>
+              <a:buChar char="•"/>
+            </a:pPr>
+            <a:r>
+              <a:rPr lang="en-US"/>
+              <a:t>Otherwise: ngoài các trang đ</a:t>
+            </a:r>
+            <a:r>
+              <a:rPr lang="vi-VN"/>
+              <a:t>ư</a:t>
+            </a:r>
+            <a:r>
+              <a:rPr lang="en-US"/>
+              <a:t>ợc chỉ định thì các url còn lại sẽ trở về trang gốc.</a:t>
+            </a:r>
+          </a:p>
+        </p:txBody>
+      </p:sp>
     </p:spTree>
     <p:extLst>
       <p:ext uri="{BB962C8B-B14F-4D97-AF65-F5344CB8AC3E}">
-        <p14:creationId xmlns:p14="http://schemas.microsoft.com/office/powerpoint/2010/main" val="911873186"/>
+        <p14:creationId xmlns:p14="http://schemas.microsoft.com/office/powerpoint/2010/main" val="2000501160"/>
       </p:ext>
     </p:extLst>
   </p:cSld>
@@ -5093,6 +5169,203 @@
         </p:nvSpPr>
         <p:spPr>
           <a:xfrm>
+            <a:off x="1971675" y="1999896"/>
+            <a:ext cx="9902273" cy="2308324"/>
+          </a:xfrm>
+          <a:prstGeom prst="rect">
+            <a:avLst/>
+          </a:prstGeom>
+          <a:noFill/>
+        </p:spPr>
+        <p:txBody>
+          <a:bodyPr wrap="square" rtlCol="0">
+            <a:spAutoFit/>
+          </a:bodyPr>
+          <a:lstStyle/>
+          <a:p>
+            <a:pPr algn="just"/>
+            <a:r>
+              <a:rPr lang="en-US"/>
+              <a:t>Tạo trang đăng nhập:</a:t>
+            </a:r>
+          </a:p>
+          <a:p>
+            <a:pPr marL="285750" indent="-285750" algn="just">
+              <a:buFont typeface="Arial" panose="020B0604020202020204" pitchFamily="34" charset="0"/>
+              <a:buChar char="•"/>
+            </a:pPr>
+            <a:r>
+              <a:rPr lang="en-US"/>
+              <a:t>Khi nhấn nút Login thì đăng nhập nên đăng nhập sẽ là một controller. </a:t>
+            </a:r>
+          </a:p>
+          <a:p>
+            <a:pPr marL="285750" indent="-285750" algn="just">
+              <a:buFont typeface="Arial" panose="020B0604020202020204" pitchFamily="34" charset="0"/>
+              <a:buChar char="•"/>
+            </a:pPr>
+            <a:r>
+              <a:rPr lang="en-US"/>
+              <a:t>Đặt ng-model = “username” và ng-model = “password” nên khi muốn xem những gì thêm vào từ thẻ input thì sử dụng cú pháp $scope.username và $scope.password. </a:t>
+            </a:r>
+          </a:p>
+          <a:p>
+            <a:pPr marL="285750" indent="-285750" algn="just">
+              <a:buFont typeface="Arial" panose="020B0604020202020204" pitchFamily="34" charset="0"/>
+              <a:buChar char="•"/>
+            </a:pPr>
+            <a:r>
+              <a:rPr lang="en-US"/>
+              <a:t>Nếu đúng với tên đăng nhập và pass thì đi đến url chỉ định. Sai thì thông báo lỗi.</a:t>
+            </a:r>
+          </a:p>
+          <a:p>
+            <a:pPr marL="285750" indent="-285750" algn="just">
+              <a:buFont typeface="Arial" panose="020B0604020202020204" pitchFamily="34" charset="0"/>
+              <a:buChar char="•"/>
+            </a:pPr>
+            <a:endParaRPr lang="en-US"/>
+          </a:p>
+          <a:p>
+            <a:pPr algn="just"/>
+            <a:endParaRPr lang="en-US"/>
+          </a:p>
+          <a:p>
+            <a:pPr algn="just"/>
+            <a:endParaRPr lang="en-US"/>
+          </a:p>
+        </p:txBody>
+      </p:sp>
+      <p:pic>
+        <p:nvPicPr>
+          <p:cNvPr id="8" name="Picture 7" descr="A screenshot of a computer screen&#10;&#10;Description automatically generated">
+            <a:extLst>
+              <a:ext uri="{FF2B5EF4-FFF2-40B4-BE49-F238E27FC236}">
+                <a16:creationId xmlns:a16="http://schemas.microsoft.com/office/drawing/2014/main" id="{05B5D754-6AD2-4490-8811-22501FBD9D4E}"/>
+              </a:ext>
+            </a:extLst>
+          </p:cNvPr>
+          <p:cNvPicPr>
+            <a:picLocks noChangeAspect="1"/>
+          </p:cNvPicPr>
+          <p:nvPr/>
+        </p:nvPicPr>
+        <p:blipFill rotWithShape="1">
+          <a:blip r:embed="rId2">
+            <a:extLst>
+              <a:ext uri="{28A0092B-C50C-407E-A947-70E740481C1C}">
+                <a14:useLocalDpi xmlns:a14="http://schemas.microsoft.com/office/drawing/2010/main" val="0"/>
+              </a:ext>
+            </a:extLst>
+          </a:blip>
+          <a:srcRect l="18781" t="33035" r="33369" b="40865"/>
+          <a:stretch/>
+        </p:blipFill>
+        <p:spPr>
+          <a:xfrm>
+            <a:off x="1971675" y="3731437"/>
+            <a:ext cx="7238038" cy="2219657"/>
+          </a:xfrm>
+          <a:prstGeom prst="rect">
+            <a:avLst/>
+          </a:prstGeom>
+        </p:spPr>
+      </p:pic>
+    </p:spTree>
+    <p:extLst>
+      <p:ext uri="{BB962C8B-B14F-4D97-AF65-F5344CB8AC3E}">
+        <p14:creationId xmlns:p14="http://schemas.microsoft.com/office/powerpoint/2010/main" val="911873186"/>
+      </p:ext>
+    </p:extLst>
+  </p:cSld>
+  <p:clrMapOvr>
+    <a:masterClrMapping/>
+  </p:clrMapOvr>
+</p:sld>
+</file>
+
+<file path=ppt/slides/slide16.xml><?xml version="1.0" encoding="utf-8"?>
+<p:sld xmlns:a="http://schemas.openxmlformats.org/drawingml/2006/main" xmlns:r="http://schemas.openxmlformats.org/officeDocument/2006/relationships" xmlns:p="http://schemas.openxmlformats.org/presentationml/2006/main">
+  <p:cSld>
+    <p:spTree>
+      <p:nvGrpSpPr>
+        <p:cNvPr id="1" name=""/>
+        <p:cNvGrpSpPr/>
+        <p:nvPr/>
+      </p:nvGrpSpPr>
+      <p:grpSpPr>
+        <a:xfrm>
+          <a:off x="0" y="0"/>
+          <a:ext cx="0" cy="0"/>
+          <a:chOff x="0" y="0"/>
+          <a:chExt cx="0" cy="0"/>
+        </a:xfrm>
+      </p:grpSpPr>
+      <p:sp>
+        <p:nvSpPr>
+          <p:cNvPr id="2" name="Title 1"/>
+          <p:cNvSpPr>
+            <a:spLocks noGrp="1"/>
+          </p:cNvSpPr>
+          <p:nvPr>
+            <p:ph type="title"/>
+          </p:nvPr>
+        </p:nvSpPr>
+        <p:spPr>
+          <a:xfrm>
+            <a:off x="1971675" y="481159"/>
+            <a:ext cx="8398564" cy="533046"/>
+          </a:xfrm>
+        </p:spPr>
+        <p:txBody>
+          <a:bodyPr/>
+          <a:lstStyle/>
+          <a:p>
+            <a:r>
+              <a:rPr lang="en-US"/>
+              <a:t>Javascript</a:t>
+            </a:r>
+          </a:p>
+        </p:txBody>
+      </p:sp>
+      <p:sp>
+        <p:nvSpPr>
+          <p:cNvPr id="3" name="Subtitle 2"/>
+          <p:cNvSpPr>
+            <a:spLocks noGrp="1"/>
+          </p:cNvSpPr>
+          <p:nvPr>
+            <p:ph type="subTitle" idx="1"/>
+          </p:nvPr>
+        </p:nvSpPr>
+        <p:spPr/>
+        <p:txBody>
+          <a:bodyPr>
+            <a:normAutofit lnSpcReduction="10000"/>
+          </a:bodyPr>
+          <a:lstStyle/>
+          <a:p>
+            <a:r>
+              <a:rPr lang="en-US" b="1"/>
+              <a:t>Javascript với AngularJS</a:t>
+            </a:r>
+          </a:p>
+        </p:txBody>
+      </p:sp>
+      <p:sp>
+        <p:nvSpPr>
+          <p:cNvPr id="7" name="TextBox 6">
+            <a:extLst>
+              <a:ext uri="{FF2B5EF4-FFF2-40B4-BE49-F238E27FC236}">
+                <a16:creationId xmlns:a16="http://schemas.microsoft.com/office/drawing/2014/main" id="{C14AE6ED-219C-403E-9E1E-87AA8BCAF535}"/>
+              </a:ext>
+            </a:extLst>
+          </p:cNvPr>
+          <p:cNvSpPr txBox="1"/>
+          <p:nvPr/>
+        </p:nvSpPr>
+        <p:spPr>
+          <a:xfrm>
             <a:off x="1871248" y="1706120"/>
             <a:ext cx="9234074" cy="2308324"/>
           </a:xfrm>
@@ -5253,7 +5526,7 @@
 </p:sld>
 </file>
 
-<file path=ppt/slides/slide16.xml><?xml version="1.0" encoding="utf-8"?>
+<file path=ppt/slides/slide17.xml><?xml version="1.0" encoding="utf-8"?>
 <p:sld xmlns:a="http://schemas.openxmlformats.org/drawingml/2006/main" xmlns:r="http://schemas.openxmlformats.org/officeDocument/2006/relationships" xmlns:p="http://schemas.openxmlformats.org/presentationml/2006/main">
   <p:cSld>
     <p:spTree>
@@ -5505,7 +5778,7 @@
 </p:sld>
 </file>
 
-<file path=ppt/slides/slide17.xml><?xml version="1.0" encoding="utf-8"?>
+<file path=ppt/slides/slide18.xml><?xml version="1.0" encoding="utf-8"?>
 <p:sld xmlns:a="http://schemas.openxmlformats.org/drawingml/2006/main" xmlns:r="http://schemas.openxmlformats.org/officeDocument/2006/relationships" xmlns:p="http://schemas.openxmlformats.org/presentationml/2006/main">
   <p:cSld>
     <p:spTree>
@@ -5605,7 +5878,7 @@
 </p:sld>
 </file>
 
-<file path=ppt/slides/slide18.xml><?xml version="1.0" encoding="utf-8"?>
+<file path=ppt/slides/slide19.xml><?xml version="1.0" encoding="utf-8"?>
 <p:sld xmlns:a="http://schemas.openxmlformats.org/drawingml/2006/main" xmlns:r="http://schemas.openxmlformats.org/officeDocument/2006/relationships" xmlns:p="http://schemas.openxmlformats.org/presentationml/2006/main">
   <p:cSld>
     <p:spTree>
